--- a/Presentations/HRI_Metadata_Schema_ImagingGroup_KickOff (1).pptx
+++ b/Presentations/HRI_Metadata_Schema_ImagingGroup_KickOff (1).pptx
@@ -5,7 +5,7 @@
     <p:sldMasterId id="2147483659" r:id="rId1"/>
   </p:sldMasterIdLst>
   <p:notesMasterIdLst>
-    <p:notesMasterId r:id="rId25"/>
+    <p:notesMasterId r:id="rId24"/>
   </p:notesMasterIdLst>
   <p:sldIdLst>
     <p:sldId id="256" r:id="rId2"/>
@@ -17,44 +17,43 @@
     <p:sldId id="260" r:id="rId8"/>
     <p:sldId id="261" r:id="rId9"/>
     <p:sldId id="262" r:id="rId10"/>
-    <p:sldId id="275" r:id="rId11"/>
-    <p:sldId id="263" r:id="rId12"/>
+    <p:sldId id="263" r:id="rId11"/>
+    <p:sldId id="275" r:id="rId12"/>
     <p:sldId id="264" r:id="rId13"/>
     <p:sldId id="265" r:id="rId14"/>
     <p:sldId id="266" r:id="rId15"/>
     <p:sldId id="267" r:id="rId16"/>
     <p:sldId id="278" r:id="rId17"/>
-    <p:sldId id="276" r:id="rId18"/>
-    <p:sldId id="277" r:id="rId19"/>
-    <p:sldId id="279" r:id="rId20"/>
-    <p:sldId id="268" r:id="rId21"/>
-    <p:sldId id="269" r:id="rId22"/>
-    <p:sldId id="270" r:id="rId23"/>
-    <p:sldId id="271" r:id="rId24"/>
+    <p:sldId id="277" r:id="rId18"/>
+    <p:sldId id="279" r:id="rId19"/>
+    <p:sldId id="268" r:id="rId20"/>
+    <p:sldId id="269" r:id="rId21"/>
+    <p:sldId id="270" r:id="rId22"/>
+    <p:sldId id="271" r:id="rId23"/>
   </p:sldIdLst>
   <p:sldSz cx="9144000" cy="5143500" type="screen16x9"/>
   <p:notesSz cx="6858000" cy="9144000"/>
   <p:embeddedFontLst>
     <p:embeddedFont>
       <p:font typeface="Lato" panose="020F0502020204030203" pitchFamily="34" charset="0"/>
-      <p:regular r:id="rId26"/>
-      <p:bold r:id="rId27"/>
-      <p:italic r:id="rId28"/>
-      <p:boldItalic r:id="rId29"/>
+      <p:regular r:id="rId25"/>
+      <p:bold r:id="rId26"/>
+      <p:italic r:id="rId27"/>
+      <p:boldItalic r:id="rId28"/>
     </p:embeddedFont>
     <p:embeddedFont>
       <p:font typeface="Raleway" pitchFamily="2" charset="77"/>
-      <p:regular r:id="rId30"/>
-      <p:bold r:id="rId31"/>
-      <p:italic r:id="rId32"/>
-      <p:boldItalic r:id="rId33"/>
+      <p:regular r:id="rId29"/>
+      <p:bold r:id="rId30"/>
+      <p:italic r:id="rId31"/>
+      <p:boldItalic r:id="rId32"/>
     </p:embeddedFont>
     <p:embeddedFont>
       <p:font typeface="Roboto" panose="02000000000000000000" pitchFamily="2" charset="0"/>
-      <p:regular r:id="rId34"/>
-      <p:bold r:id="rId35"/>
-      <p:italic r:id="rId36"/>
-      <p:boldItalic r:id="rId37"/>
+      <p:regular r:id="rId33"/>
+      <p:bold r:id="rId34"/>
+      <p:italic r:id="rId35"/>
+      <p:boldItalic r:id="rId36"/>
     </p:embeddedFont>
   </p:embeddedFontLst>
   <p:defaultTextStyle>
@@ -851,11 +850,11 @@
 </file>
 
 <file path=ppt/notesSlides/notesSlide10.xml><?xml version="1.0" encoding="utf-8"?>
-<p:notes xmlns:a="http://schemas.openxmlformats.org/drawingml/2006/main" xmlns:r="http://schemas.openxmlformats.org/officeDocument/2006/relationships" xmlns:p="http://schemas.openxmlformats.org/presentationml/2006/main" showMasterSp="0" showMasterPhAnim="0">
+<p:notes xmlns:a="http://schemas.openxmlformats.org/drawingml/2006/main" xmlns:r="http://schemas.openxmlformats.org/officeDocument/2006/relationships" xmlns:p="http://schemas.openxmlformats.org/presentationml/2006/main">
   <p:cSld>
     <p:spTree>
       <p:nvGrpSpPr>
-        <p:cNvPr id="1" name="Shape 131"/>
+        <p:cNvPr id="1" name=""/>
         <p:cNvGrpSpPr/>
         <p:nvPr/>
       </p:nvGrpSpPr>
@@ -869,12 +868,12 @@
       </p:grpSpPr>
       <p:sp>
         <p:nvSpPr>
-          <p:cNvPr id="132" name="Google Shape;132;g249d16b04f2_0_46:notes"/>
+          <p:cNvPr id="2" name="Slide Image Placeholder 1"/>
           <p:cNvSpPr>
             <a:spLocks noGrp="1" noRot="1" noChangeAspect="1"/>
           </p:cNvSpPr>
           <p:nvPr>
-            <p:ph type="sldImg" idx="2"/>
+            <p:ph type="sldImg"/>
           </p:nvPr>
         </p:nvSpPr>
         <p:spPr>
@@ -882,71 +881,33 @@
             <a:off x="381000" y="685800"/>
             <a:ext cx="6096000" cy="3429000"/>
           </a:xfrm>
-          <a:custGeom>
-            <a:avLst/>
-            <a:gdLst/>
-            <a:ahLst/>
-            <a:cxnLst/>
-            <a:rect l="l" t="t" r="r" b="b"/>
-            <a:pathLst>
-              <a:path w="120000" h="120000" extrusionOk="0">
-                <a:moveTo>
-                  <a:pt x="0" y="0"/>
-                </a:moveTo>
-                <a:lnTo>
-                  <a:pt x="120000" y="0"/>
-                </a:lnTo>
-                <a:lnTo>
-                  <a:pt x="120000" y="120000"/>
-                </a:lnTo>
-                <a:lnTo>
-                  <a:pt x="0" y="120000"/>
-                </a:lnTo>
-                <a:close/>
-              </a:path>
-            </a:pathLst>
-          </a:custGeom>
-        </p:spPr>
-      </p:sp>
-      <p:sp>
-        <p:nvSpPr>
-          <p:cNvPr id="133" name="Google Shape;133;g249d16b04f2_0_46:notes"/>
-          <p:cNvSpPr txBox="1">
+        </p:spPr>
+      </p:sp>
+      <p:sp>
+        <p:nvSpPr>
+          <p:cNvPr id="3" name="Notes Placeholder 2"/>
+          <p:cNvSpPr>
             <a:spLocks noGrp="1"/>
           </p:cNvSpPr>
           <p:nvPr>
             <p:ph type="body" idx="1"/>
           </p:nvPr>
         </p:nvSpPr>
-        <p:spPr>
-          <a:xfrm>
-            <a:off x="685800" y="4343400"/>
-            <a:ext cx="5486400" cy="4114800"/>
-          </a:xfrm>
-          <a:prstGeom prst="rect">
-            <a:avLst/>
-          </a:prstGeom>
-        </p:spPr>
+        <p:spPr/>
         <p:txBody>
-          <a:bodyPr spcFirstLastPara="1" wrap="square" lIns="91425" tIns="91425" rIns="91425" bIns="91425" anchor="t" anchorCtr="0">
-            <a:noAutofit/>
-          </a:bodyPr>
+          <a:bodyPr/>
           <a:lstStyle/>
           <a:p>
-            <a:pPr marL="0" lvl="0" indent="0" algn="l" rtl="0">
-              <a:spcBef>
-                <a:spcPts val="0"/>
-              </a:spcBef>
-              <a:spcAft>
-                <a:spcPts val="0"/>
-              </a:spcAft>
-              <a:buNone/>
-            </a:pPr>
-            <a:endParaRPr/>
+            <a:endParaRPr lang="en-NL" dirty="0"/>
           </a:p>
         </p:txBody>
       </p:sp>
     </p:spTree>
+    <p:extLst>
+      <p:ext uri="{BB962C8B-B14F-4D97-AF65-F5344CB8AC3E}">
+        <p14:creationId xmlns:p14="http://schemas.microsoft.com/office/powerpoint/2010/main" val="748362610"/>
+      </p:ext>
+    </p:extLst>
   </p:cSld>
   <p:clrMapOvr>
     <a:masterClrMapping/>
@@ -983,7 +944,7 @@
         </p:nvSpPr>
         <p:spPr>
           <a:xfrm>
-            <a:off x="381300" y="685800"/>
+            <a:off x="381000" y="685800"/>
             <a:ext cx="6096000" cy="3429000"/>
           </a:xfrm>
           <a:custGeom>
@@ -1607,7 +1568,7 @@
         </p:nvSpPr>
         <p:spPr>
           <a:xfrm>
-            <a:off x="381300" y="685800"/>
+            <a:off x="381000" y="685800"/>
             <a:ext cx="6096000" cy="3429000"/>
           </a:xfrm>
           <a:custGeom>
@@ -2592,11 +2553,11 @@
 </file>
 
 <file path=ppt/notesSlides/notesSlide9.xml><?xml version="1.0" encoding="utf-8"?>
-<p:notes xmlns:a="http://schemas.openxmlformats.org/drawingml/2006/main" xmlns:r="http://schemas.openxmlformats.org/officeDocument/2006/relationships" xmlns:p="http://schemas.openxmlformats.org/presentationml/2006/main">
+<p:notes xmlns:a="http://schemas.openxmlformats.org/drawingml/2006/main" xmlns:r="http://schemas.openxmlformats.org/officeDocument/2006/relationships" xmlns:p="http://schemas.openxmlformats.org/presentationml/2006/main" showMasterSp="0" showMasterPhAnim="0">
   <p:cSld>
     <p:spTree>
       <p:nvGrpSpPr>
-        <p:cNvPr id="1" name=""/>
+        <p:cNvPr id="1" name="Shape 131"/>
         <p:cNvGrpSpPr/>
         <p:nvPr/>
       </p:nvGrpSpPr>
@@ -2610,12 +2571,12 @@
       </p:grpSpPr>
       <p:sp>
         <p:nvSpPr>
-          <p:cNvPr id="2" name="Slide Image Placeholder 1"/>
+          <p:cNvPr id="132" name="Google Shape;132;g249d16b04f2_0_46:notes"/>
           <p:cNvSpPr>
             <a:spLocks noGrp="1" noRot="1" noChangeAspect="1"/>
           </p:cNvSpPr>
           <p:nvPr>
-            <p:ph type="sldImg"/>
+            <p:ph type="sldImg" idx="2"/>
           </p:nvPr>
         </p:nvSpPr>
         <p:spPr>
@@ -2623,33 +2584,71 @@
             <a:off x="381000" y="685800"/>
             <a:ext cx="6096000" cy="3429000"/>
           </a:xfrm>
-        </p:spPr>
-      </p:sp>
-      <p:sp>
-        <p:nvSpPr>
-          <p:cNvPr id="3" name="Notes Placeholder 2"/>
-          <p:cNvSpPr>
+          <a:custGeom>
+            <a:avLst/>
+            <a:gdLst/>
+            <a:ahLst/>
+            <a:cxnLst/>
+            <a:rect l="l" t="t" r="r" b="b"/>
+            <a:pathLst>
+              <a:path w="120000" h="120000" extrusionOk="0">
+                <a:moveTo>
+                  <a:pt x="0" y="0"/>
+                </a:moveTo>
+                <a:lnTo>
+                  <a:pt x="120000" y="0"/>
+                </a:lnTo>
+                <a:lnTo>
+                  <a:pt x="120000" y="120000"/>
+                </a:lnTo>
+                <a:lnTo>
+                  <a:pt x="0" y="120000"/>
+                </a:lnTo>
+                <a:close/>
+              </a:path>
+            </a:pathLst>
+          </a:custGeom>
+        </p:spPr>
+      </p:sp>
+      <p:sp>
+        <p:nvSpPr>
+          <p:cNvPr id="133" name="Google Shape;133;g249d16b04f2_0_46:notes"/>
+          <p:cNvSpPr txBox="1">
             <a:spLocks noGrp="1"/>
           </p:cNvSpPr>
           <p:nvPr>
             <p:ph type="body" idx="1"/>
           </p:nvPr>
         </p:nvSpPr>
-        <p:spPr/>
+        <p:spPr>
+          <a:xfrm>
+            <a:off x="685800" y="4343400"/>
+            <a:ext cx="5486400" cy="4114800"/>
+          </a:xfrm>
+          <a:prstGeom prst="rect">
+            <a:avLst/>
+          </a:prstGeom>
+        </p:spPr>
         <p:txBody>
-          <a:bodyPr/>
+          <a:bodyPr spcFirstLastPara="1" wrap="square" lIns="91425" tIns="91425" rIns="91425" bIns="91425" anchor="t" anchorCtr="0">
+            <a:noAutofit/>
+          </a:bodyPr>
           <a:lstStyle/>
           <a:p>
-            <a:endParaRPr lang="en-NL" dirty="0"/>
+            <a:pPr marL="0" lvl="0" indent="0" algn="l" rtl="0">
+              <a:spcBef>
+                <a:spcPts val="0"/>
+              </a:spcBef>
+              <a:spcAft>
+                <a:spcPts val="0"/>
+              </a:spcAft>
+              <a:buNone/>
+            </a:pPr>
+            <a:endParaRPr/>
           </a:p>
         </p:txBody>
       </p:sp>
     </p:spTree>
-    <p:extLst>
-      <p:ext uri="{BB962C8B-B14F-4D97-AF65-F5344CB8AC3E}">
-        <p14:creationId xmlns:p14="http://schemas.microsoft.com/office/powerpoint/2010/main" val="748362610"/>
-      </p:ext>
-    </p:extLst>
   </p:cSld>
   <p:clrMapOvr>
     <a:masterClrMapping/>
@@ -9031,10 +9030,10 @@
               <a:buNone/>
             </a:pPr>
             <a:r>
-              <a:rPr lang="en-GB"/>
-              <a:t>A portal to (Meta)data</a:t>
-            </a:r>
-            <a:endParaRPr/>
+              <a:rPr lang="en-GB" dirty="0"/>
+              <a:t>[DRAFT] A portal to (Meta)data</a:t>
+            </a:r>
+            <a:endParaRPr dirty="0"/>
           </a:p>
         </p:txBody>
       </p:sp>
@@ -9182,6 +9181,245 @@
 </file>
 
 <file path=ppt/slides/slide10.xml><?xml version="1.0" encoding="utf-8"?>
+<p:sld xmlns:a="http://schemas.openxmlformats.org/drawingml/2006/main" xmlns:r="http://schemas.openxmlformats.org/officeDocument/2006/relationships" xmlns:p="http://schemas.openxmlformats.org/presentationml/2006/main">
+  <p:cSld>
+    <p:spTree>
+      <p:nvGrpSpPr>
+        <p:cNvPr id="1" name="Shape 134"/>
+        <p:cNvGrpSpPr/>
+        <p:nvPr/>
+      </p:nvGrpSpPr>
+      <p:grpSpPr>
+        <a:xfrm>
+          <a:off x="0" y="0"/>
+          <a:ext cx="0" cy="0"/>
+          <a:chOff x="0" y="0"/>
+          <a:chExt cx="0" cy="0"/>
+        </a:xfrm>
+      </p:grpSpPr>
+      <p:sp>
+        <p:nvSpPr>
+          <p:cNvPr id="135" name="Google Shape;135;p20"/>
+          <p:cNvSpPr txBox="1">
+            <a:spLocks noGrp="1"/>
+          </p:cNvSpPr>
+          <p:nvPr>
+            <p:ph type="title"/>
+          </p:nvPr>
+        </p:nvSpPr>
+        <p:spPr>
+          <a:xfrm>
+            <a:off x="729450" y="1318650"/>
+            <a:ext cx="7688700" cy="535200"/>
+          </a:xfrm>
+          <a:prstGeom prst="rect">
+            <a:avLst/>
+          </a:prstGeom>
+        </p:spPr>
+        <p:txBody>
+          <a:bodyPr spcFirstLastPara="1" wrap="square" lIns="91425" tIns="91425" rIns="91425" bIns="91425" anchor="t" anchorCtr="0">
+            <a:normAutofit fontScale="90000"/>
+          </a:bodyPr>
+          <a:lstStyle/>
+          <a:p>
+            <a:pPr marL="0" lvl="0" indent="0" algn="l" rtl="0">
+              <a:spcBef>
+                <a:spcPts val="0"/>
+              </a:spcBef>
+              <a:spcAft>
+                <a:spcPts val="0"/>
+              </a:spcAft>
+              <a:buNone/>
+            </a:pPr>
+            <a:r>
+              <a:rPr lang="en-GB" dirty="0"/>
+              <a:t>HRI Core Metadata Schemas 🌻 </a:t>
+            </a:r>
+            <a:endParaRPr dirty="0"/>
+          </a:p>
+        </p:txBody>
+      </p:sp>
+      <p:sp>
+        <p:nvSpPr>
+          <p:cNvPr id="136" name="Google Shape;136;p20"/>
+          <p:cNvSpPr txBox="1">
+            <a:spLocks noGrp="1"/>
+          </p:cNvSpPr>
+          <p:nvPr>
+            <p:ph type="body" idx="1"/>
+          </p:nvPr>
+        </p:nvSpPr>
+        <p:spPr>
+          <a:xfrm>
+            <a:off x="729450" y="2078875"/>
+            <a:ext cx="7688700" cy="2261100"/>
+          </a:xfrm>
+          <a:prstGeom prst="rect">
+            <a:avLst/>
+          </a:prstGeom>
+        </p:spPr>
+        <p:txBody>
+          <a:bodyPr spcFirstLastPara="1" wrap="square" lIns="91425" tIns="91425" rIns="91425" bIns="91425" anchor="t" anchorCtr="0">
+            <a:normAutofit lnSpcReduction="10000"/>
+          </a:bodyPr>
+          <a:lstStyle/>
+          <a:p>
+            <a:pPr marL="457200" lvl="0" indent="-311150" algn="l" rtl="0">
+              <a:spcBef>
+                <a:spcPts val="0"/>
+              </a:spcBef>
+              <a:spcAft>
+                <a:spcPts val="0"/>
+              </a:spcAft>
+              <a:buSzPts val="1300"/>
+              <a:buChar char="●"/>
+            </a:pPr>
+            <a:r>
+              <a:rPr lang="en-GB" dirty="0"/>
+              <a:t>Technical Metadata Team (TMT     ) will support the technical part of building a metadata schema (Bruna, Dena, Luiz, </a:t>
+            </a:r>
+            <a:r>
+              <a:rPr lang="en-GB" dirty="0" err="1"/>
+              <a:t>Kees</a:t>
+            </a:r>
+            <a:r>
+              <a:rPr lang="en-GB" dirty="0"/>
+              <a:t>)</a:t>
+            </a:r>
+            <a:endParaRPr dirty="0"/>
+          </a:p>
+          <a:p>
+            <a:pPr marL="457200" lvl="0" indent="-311150" algn="l" rtl="0">
+              <a:spcBef>
+                <a:spcPts val="0"/>
+              </a:spcBef>
+              <a:spcAft>
+                <a:spcPts val="0"/>
+              </a:spcAft>
+              <a:buSzPts val="1300"/>
+              <a:buChar char="●"/>
+            </a:pPr>
+            <a:r>
+              <a:rPr lang="en-GB" dirty="0"/>
+              <a:t>Only domain experts (working groups and portal teams) can define the metadata </a:t>
+            </a:r>
+            <a:r>
+              <a:rPr lang="en-GB" b="1" dirty="0"/>
+              <a:t>properties</a:t>
+            </a:r>
+            <a:r>
+              <a:rPr lang="en-GB" dirty="0"/>
+              <a:t> (content).</a:t>
+            </a:r>
+            <a:endParaRPr dirty="0"/>
+          </a:p>
+          <a:p>
+            <a:pPr marL="457200" lvl="0" indent="-311150" algn="l" rtl="0">
+              <a:spcBef>
+                <a:spcPts val="0"/>
+              </a:spcBef>
+              <a:spcAft>
+                <a:spcPts val="0"/>
+              </a:spcAft>
+              <a:buSzPts val="1300"/>
+              <a:buChar char="●"/>
+            </a:pPr>
+            <a:r>
+              <a:rPr lang="en-GB" dirty="0"/>
+              <a:t>TMT add main properties from DCAT, DCAT AP portals, and supplied schemas from the nodes</a:t>
+            </a:r>
+            <a:endParaRPr dirty="0"/>
+          </a:p>
+          <a:p>
+            <a:pPr marL="457200" lvl="0" indent="-311150" algn="l" rtl="0">
+              <a:spcBef>
+                <a:spcPts val="0"/>
+              </a:spcBef>
+              <a:spcAft>
+                <a:spcPts val="0"/>
+              </a:spcAft>
+              <a:buSzPts val="1300"/>
+              <a:buChar char="●"/>
+            </a:pPr>
+            <a:r>
+              <a:rPr lang="en-GB" b="1" dirty="0"/>
+              <a:t>Who will tell, apart from DCAT, which are the other obligatory fields?</a:t>
+            </a:r>
+            <a:endParaRPr b="1" dirty="0"/>
+          </a:p>
+          <a:p>
+            <a:pPr marL="914400" lvl="1" indent="-323850" algn="l" rtl="0">
+              <a:spcBef>
+                <a:spcPts val="0"/>
+              </a:spcBef>
+              <a:spcAft>
+                <a:spcPts val="0"/>
+              </a:spcAft>
+              <a:buSzPts val="1500"/>
+              <a:buChar char="○"/>
+            </a:pPr>
+            <a:r>
+              <a:rPr lang="en-GB" sz="1500" dirty="0"/>
+              <a:t>Once domain schemas are out for review, TMT can check and embed the obligatory fields in the core schema</a:t>
+            </a:r>
+            <a:endParaRPr sz="1500" dirty="0"/>
+          </a:p>
+          <a:p>
+            <a:pPr marL="914400" lvl="1" indent="-323850" algn="l" rtl="0">
+              <a:spcBef>
+                <a:spcPts val="0"/>
+              </a:spcBef>
+              <a:spcAft>
+                <a:spcPts val="0"/>
+              </a:spcAft>
+              <a:buSzPts val="1500"/>
+              <a:buChar char="○"/>
+            </a:pPr>
+            <a:r>
+              <a:rPr lang="en-GB" sz="1500" dirty="0"/>
+              <a:t>Portal groups will review taking into account usability, visuals etc</a:t>
+            </a:r>
+            <a:endParaRPr sz="1500" dirty="0"/>
+          </a:p>
+        </p:txBody>
+      </p:sp>
+      <p:pic>
+        <p:nvPicPr>
+          <p:cNvPr id="137" name="Google Shape;137;p20"/>
+          <p:cNvPicPr preferRelativeResize="0"/>
+          <p:nvPr/>
+        </p:nvPicPr>
+        <p:blipFill>
+          <a:blip r:embed="rId3">
+            <a:alphaModFix/>
+          </a:blip>
+          <a:stretch>
+            <a:fillRect/>
+          </a:stretch>
+        </p:blipFill>
+        <p:spPr>
+          <a:xfrm>
+            <a:off x="3561463" y="2169792"/>
+            <a:ext cx="179125" cy="179125"/>
+          </a:xfrm>
+          <a:prstGeom prst="rect">
+            <a:avLst/>
+          </a:prstGeom>
+          <a:noFill/>
+          <a:ln>
+            <a:noFill/>
+          </a:ln>
+        </p:spPr>
+      </p:pic>
+    </p:spTree>
+  </p:cSld>
+  <p:clrMapOvr>
+    <a:masterClrMapping/>
+  </p:clrMapOvr>
+</p:sld>
+</file>
+
+<file path=ppt/slides/slide11.xml><?xml version="1.0" encoding="utf-8"?>
 <p:sld xmlns:a="http://schemas.openxmlformats.org/drawingml/2006/main" xmlns:r="http://schemas.openxmlformats.org/officeDocument/2006/relationships" xmlns:p="http://schemas.openxmlformats.org/presentationml/2006/main">
   <p:cSld>
     <p:spTree>
@@ -9220,8 +9458,8 @@
         </p:blipFill>
         <p:spPr>
           <a:xfrm>
-            <a:off x="1717631" y="427703"/>
-            <a:ext cx="7426369" cy="4715797"/>
+            <a:off x="598516" y="625484"/>
+            <a:ext cx="7464829" cy="4518016"/>
           </a:xfrm>
           <a:prstGeom prst="rect">
             <a:avLst/>
@@ -9246,7 +9484,7 @@
         </p:nvSpPr>
         <p:spPr>
           <a:xfrm>
-            <a:off x="114751" y="1598869"/>
+            <a:off x="174806" y="0"/>
             <a:ext cx="3085649" cy="535200"/>
           </a:xfrm>
           <a:prstGeom prst="rect">
@@ -9274,7 +9512,7 @@
                   <a:schemeClr val="hlink"/>
                 </a:solidFill>
               </a:rPr>
-              <a:t>Core schema 0.9 </a:t>
+              <a:t>HRI Core schema 0.9 </a:t>
             </a:r>
             <a:br>
               <a:rPr lang="en-GB" u="sng" dirty="0">
@@ -9301,245 +9539,6 @@
         <p14:creationId xmlns:p14="http://schemas.microsoft.com/office/powerpoint/2010/main" val="1399002975"/>
       </p:ext>
     </p:extLst>
-  </p:cSld>
-  <p:clrMapOvr>
-    <a:masterClrMapping/>
-  </p:clrMapOvr>
-</p:sld>
-</file>
-
-<file path=ppt/slides/slide11.xml><?xml version="1.0" encoding="utf-8"?>
-<p:sld xmlns:a="http://schemas.openxmlformats.org/drawingml/2006/main" xmlns:r="http://schemas.openxmlformats.org/officeDocument/2006/relationships" xmlns:p="http://schemas.openxmlformats.org/presentationml/2006/main">
-  <p:cSld>
-    <p:spTree>
-      <p:nvGrpSpPr>
-        <p:cNvPr id="1" name="Shape 134"/>
-        <p:cNvGrpSpPr/>
-        <p:nvPr/>
-      </p:nvGrpSpPr>
-      <p:grpSpPr>
-        <a:xfrm>
-          <a:off x="0" y="0"/>
-          <a:ext cx="0" cy="0"/>
-          <a:chOff x="0" y="0"/>
-          <a:chExt cx="0" cy="0"/>
-        </a:xfrm>
-      </p:grpSpPr>
-      <p:sp>
-        <p:nvSpPr>
-          <p:cNvPr id="135" name="Google Shape;135;p20"/>
-          <p:cNvSpPr txBox="1">
-            <a:spLocks noGrp="1"/>
-          </p:cNvSpPr>
-          <p:nvPr>
-            <p:ph type="title"/>
-          </p:nvPr>
-        </p:nvSpPr>
-        <p:spPr>
-          <a:xfrm>
-            <a:off x="729450" y="1318650"/>
-            <a:ext cx="7688700" cy="535200"/>
-          </a:xfrm>
-          <a:prstGeom prst="rect">
-            <a:avLst/>
-          </a:prstGeom>
-        </p:spPr>
-        <p:txBody>
-          <a:bodyPr spcFirstLastPara="1" wrap="square" lIns="91425" tIns="91425" rIns="91425" bIns="91425" anchor="t" anchorCtr="0">
-            <a:normAutofit fontScale="90000"/>
-          </a:bodyPr>
-          <a:lstStyle/>
-          <a:p>
-            <a:pPr marL="0" lvl="0" indent="0" algn="l" rtl="0">
-              <a:spcBef>
-                <a:spcPts val="0"/>
-              </a:spcBef>
-              <a:spcAft>
-                <a:spcPts val="0"/>
-              </a:spcAft>
-              <a:buNone/>
-            </a:pPr>
-            <a:r>
-              <a:rPr lang="en-GB" dirty="0"/>
-              <a:t>HRI Metadata Schemas 🌻 </a:t>
-            </a:r>
-            <a:endParaRPr dirty="0"/>
-          </a:p>
-        </p:txBody>
-      </p:sp>
-      <p:sp>
-        <p:nvSpPr>
-          <p:cNvPr id="136" name="Google Shape;136;p20"/>
-          <p:cNvSpPr txBox="1">
-            <a:spLocks noGrp="1"/>
-          </p:cNvSpPr>
-          <p:nvPr>
-            <p:ph type="body" idx="1"/>
-          </p:nvPr>
-        </p:nvSpPr>
-        <p:spPr>
-          <a:xfrm>
-            <a:off x="729450" y="2078875"/>
-            <a:ext cx="7688700" cy="2261100"/>
-          </a:xfrm>
-          <a:prstGeom prst="rect">
-            <a:avLst/>
-          </a:prstGeom>
-        </p:spPr>
-        <p:txBody>
-          <a:bodyPr spcFirstLastPara="1" wrap="square" lIns="91425" tIns="91425" rIns="91425" bIns="91425" anchor="t" anchorCtr="0">
-            <a:normAutofit lnSpcReduction="10000"/>
-          </a:bodyPr>
-          <a:lstStyle/>
-          <a:p>
-            <a:pPr marL="457200" lvl="0" indent="-311150" algn="l" rtl="0">
-              <a:spcBef>
-                <a:spcPts val="0"/>
-              </a:spcBef>
-              <a:spcAft>
-                <a:spcPts val="0"/>
-              </a:spcAft>
-              <a:buSzPts val="1300"/>
-              <a:buChar char="●"/>
-            </a:pPr>
-            <a:r>
-              <a:rPr lang="en-GB" dirty="0"/>
-              <a:t>Technical Metadata Team (TMT     ) will support the technical part of building a metadata schema (Bruna, Dena, Luiz, </a:t>
-            </a:r>
-            <a:r>
-              <a:rPr lang="en-GB" dirty="0" err="1"/>
-              <a:t>Kees</a:t>
-            </a:r>
-            <a:r>
-              <a:rPr lang="en-GB" dirty="0"/>
-              <a:t>)</a:t>
-            </a:r>
-            <a:endParaRPr dirty="0"/>
-          </a:p>
-          <a:p>
-            <a:pPr marL="457200" lvl="0" indent="-311150" algn="l" rtl="0">
-              <a:spcBef>
-                <a:spcPts val="0"/>
-              </a:spcBef>
-              <a:spcAft>
-                <a:spcPts val="0"/>
-              </a:spcAft>
-              <a:buSzPts val="1300"/>
-              <a:buChar char="●"/>
-            </a:pPr>
-            <a:r>
-              <a:rPr lang="en-GB" dirty="0"/>
-              <a:t>Only domain experts (working groups and portal teams) can define the metadata </a:t>
-            </a:r>
-            <a:r>
-              <a:rPr lang="en-GB" b="1" dirty="0"/>
-              <a:t>properties</a:t>
-            </a:r>
-            <a:r>
-              <a:rPr lang="en-GB" dirty="0"/>
-              <a:t> (content).</a:t>
-            </a:r>
-            <a:endParaRPr dirty="0"/>
-          </a:p>
-          <a:p>
-            <a:pPr marL="457200" lvl="0" indent="-311150" algn="l" rtl="0">
-              <a:spcBef>
-                <a:spcPts val="0"/>
-              </a:spcBef>
-              <a:spcAft>
-                <a:spcPts val="0"/>
-              </a:spcAft>
-              <a:buSzPts val="1300"/>
-              <a:buChar char="●"/>
-            </a:pPr>
-            <a:r>
-              <a:rPr lang="en-GB" dirty="0"/>
-              <a:t>TMT add main properties from DCAT, DCAT AP portals, and supplied schemas from the nodes</a:t>
-            </a:r>
-            <a:endParaRPr dirty="0"/>
-          </a:p>
-          <a:p>
-            <a:pPr marL="457200" lvl="0" indent="-311150" algn="l" rtl="0">
-              <a:spcBef>
-                <a:spcPts val="0"/>
-              </a:spcBef>
-              <a:spcAft>
-                <a:spcPts val="0"/>
-              </a:spcAft>
-              <a:buSzPts val="1300"/>
-              <a:buChar char="●"/>
-            </a:pPr>
-            <a:r>
-              <a:rPr lang="en-GB" b="1" dirty="0"/>
-              <a:t>Who will tell, apart from DCAT, which are the other obligatory fields?</a:t>
-            </a:r>
-            <a:endParaRPr b="1" dirty="0"/>
-          </a:p>
-          <a:p>
-            <a:pPr marL="914400" lvl="1" indent="-323850" algn="l" rtl="0">
-              <a:spcBef>
-                <a:spcPts val="0"/>
-              </a:spcBef>
-              <a:spcAft>
-                <a:spcPts val="0"/>
-              </a:spcAft>
-              <a:buSzPts val="1500"/>
-              <a:buChar char="○"/>
-            </a:pPr>
-            <a:r>
-              <a:rPr lang="en-GB" sz="1500" dirty="0"/>
-              <a:t>Once domain schemas are out for review, TMT can check and embed the obligatory fields in the core schema</a:t>
-            </a:r>
-            <a:endParaRPr sz="1500" dirty="0"/>
-          </a:p>
-          <a:p>
-            <a:pPr marL="914400" lvl="1" indent="-323850" algn="l" rtl="0">
-              <a:spcBef>
-                <a:spcPts val="0"/>
-              </a:spcBef>
-              <a:spcAft>
-                <a:spcPts val="0"/>
-              </a:spcAft>
-              <a:buSzPts val="1500"/>
-              <a:buChar char="○"/>
-            </a:pPr>
-            <a:r>
-              <a:rPr lang="en-GB" sz="1500" dirty="0"/>
-              <a:t>Portal groups will review taking into account usability, visuals etc</a:t>
-            </a:r>
-            <a:endParaRPr sz="1500" dirty="0"/>
-          </a:p>
-        </p:txBody>
-      </p:sp>
-      <p:pic>
-        <p:nvPicPr>
-          <p:cNvPr id="137" name="Google Shape;137;p20"/>
-          <p:cNvPicPr preferRelativeResize="0"/>
-          <p:nvPr/>
-        </p:nvPicPr>
-        <p:blipFill>
-          <a:blip r:embed="rId3">
-            <a:alphaModFix/>
-          </a:blip>
-          <a:stretch>
-            <a:fillRect/>
-          </a:stretch>
-        </p:blipFill>
-        <p:spPr>
-          <a:xfrm>
-            <a:off x="3561463" y="2169792"/>
-            <a:ext cx="179125" cy="179125"/>
-          </a:xfrm>
-          <a:prstGeom prst="rect">
-            <a:avLst/>
-          </a:prstGeom>
-          <a:noFill/>
-          <a:ln>
-            <a:noFill/>
-          </a:ln>
-        </p:spPr>
-      </p:pic>
-    </p:spTree>
   </p:cSld>
   <p:clrMapOvr>
     <a:masterClrMapping/>
@@ -9605,7 +9604,7 @@
             </a:pPr>
             <a:r>
               <a:rPr lang="en-GB" dirty="0"/>
-              <a:t>Defining Core </a:t>
+              <a:t>Defining Core metadata model </a:t>
             </a:r>
             <a:endParaRPr dirty="0"/>
           </a:p>
@@ -9766,7 +9765,6 @@
               <a:rPr lang="en-GB" sz="1207" b="1" dirty="0"/>
               <a:t> </a:t>
             </a:r>
-            <a:endParaRPr sz="1207" dirty="0"/>
           </a:p>
           <a:p>
             <a:pPr marL="0" lvl="0" indent="0" algn="l" rtl="0">
@@ -9786,7 +9784,6 @@
               <a:rPr lang="en-GB" sz="1207" dirty="0"/>
               <a:t>For later (HRI portal release 2.0):</a:t>
             </a:r>
-            <a:endParaRPr sz="1207" dirty="0"/>
           </a:p>
           <a:p>
             <a:pPr marL="457200" lvl="0" indent="-305276" algn="l" rtl="0">
@@ -9821,11 +9818,6 @@
               </a:rPr>
               <a:t>What apart from DCAT AP Portals mandatory fields should be in the HRI core?</a:t>
             </a:r>
-            <a:endParaRPr sz="1207" b="1" dirty="0">
-              <a:highlight>
-                <a:srgbClr val="D9EAD3"/>
-              </a:highlight>
-            </a:endParaRPr>
           </a:p>
         </p:txBody>
       </p:sp>
@@ -10295,7 +10287,7 @@
         </p:nvSpPr>
         <p:spPr>
           <a:xfrm>
-            <a:off x="729450" y="1318650"/>
+            <a:off x="469113" y="1252149"/>
             <a:ext cx="7688700" cy="535200"/>
           </a:xfrm>
           <a:prstGeom prst="rect">
@@ -10344,8 +10336,8 @@
         </p:nvSpPr>
         <p:spPr>
           <a:xfrm>
-            <a:off x="729450" y="2078875"/>
-            <a:ext cx="7688700" cy="2261100"/>
+            <a:off x="469113" y="2078875"/>
+            <a:ext cx="7949037" cy="3064625"/>
           </a:xfrm>
           <a:prstGeom prst="rect">
             <a:avLst/>
@@ -10353,9 +10345,138 @@
         </p:spPr>
         <p:txBody>
           <a:bodyPr spcFirstLastPara="1" wrap="square" lIns="91425" tIns="91425" rIns="91425" bIns="91425" anchor="t" anchorCtr="0">
-            <a:normAutofit/>
+            <a:normAutofit fontScale="92500" lnSpcReduction="10000"/>
           </a:bodyPr>
           <a:lstStyle/>
+          <a:p>
+            <a:pPr marL="457200" lvl="0" indent="-311150" algn="l" rtl="0">
+              <a:spcBef>
+                <a:spcPts val="0"/>
+              </a:spcBef>
+              <a:spcAft>
+                <a:spcPts val="0"/>
+              </a:spcAft>
+              <a:buSzPts val="1300"/>
+              <a:buChar char="●"/>
+            </a:pPr>
+            <a:r>
+              <a:rPr lang="en-GB" dirty="0"/>
+              <a:t>Come up with the metadata requirement and document them in the form of competency questions?</a:t>
+            </a:r>
+          </a:p>
+          <a:p>
+            <a:pPr lvl="1" indent="-311150">
+              <a:buSzPts val="1300"/>
+              <a:buChar char="●"/>
+            </a:pPr>
+            <a:r>
+              <a:rPr lang="en-GB" dirty="0"/>
+              <a:t>I want to know the temporal element of the image? </a:t>
+            </a:r>
+          </a:p>
+          <a:p>
+            <a:pPr lvl="1" indent="-311150">
+              <a:buSzPts val="1300"/>
+              <a:buChar char="●"/>
+            </a:pPr>
+            <a:r>
+              <a:rPr lang="en-GB" dirty="0"/>
+              <a:t>I want to be able to distinguish different images from each other based on the collection method? </a:t>
+            </a:r>
+          </a:p>
+          <a:p>
+            <a:pPr marL="457200" lvl="0" indent="-311150" algn="l" rtl="0">
+              <a:spcBef>
+                <a:spcPts val="0"/>
+              </a:spcBef>
+              <a:spcAft>
+                <a:spcPts val="0"/>
+              </a:spcAft>
+              <a:buSzPts val="1300"/>
+              <a:buChar char="●"/>
+            </a:pPr>
+            <a:r>
+              <a:rPr lang="en-GB" dirty="0"/>
+              <a:t>Analyse the answer and make the spreadsheet enlisting all the core terms. </a:t>
+            </a:r>
+          </a:p>
+          <a:p>
+            <a:pPr marL="457200" lvl="0" indent="-311150" algn="l" rtl="0">
+              <a:spcBef>
+                <a:spcPts val="0"/>
+              </a:spcBef>
+              <a:spcAft>
+                <a:spcPts val="0"/>
+              </a:spcAft>
+              <a:buSzPts val="1300"/>
+              <a:buChar char="●"/>
+            </a:pPr>
+            <a:r>
+              <a:rPr lang="en-GB" dirty="0"/>
+              <a:t>Try to group them, and add concrete definitions </a:t>
+            </a:r>
+          </a:p>
+          <a:p>
+            <a:pPr marL="457200" lvl="0" indent="-311150" algn="l" rtl="0">
+              <a:spcBef>
+                <a:spcPts val="0"/>
+              </a:spcBef>
+              <a:spcAft>
+                <a:spcPts val="0"/>
+              </a:spcAft>
+              <a:buSzPts val="1300"/>
+              <a:buChar char="●"/>
+            </a:pPr>
+            <a:r>
+              <a:rPr lang="en-GB" dirty="0"/>
+              <a:t>Find their role in the schema (class, attribute, relations, controlled vocabulary, taxonomy)</a:t>
+            </a:r>
+          </a:p>
+          <a:p>
+            <a:pPr marL="457200" lvl="0" indent="-311150" algn="l" rtl="0">
+              <a:spcBef>
+                <a:spcPts val="0"/>
+              </a:spcBef>
+              <a:spcAft>
+                <a:spcPts val="0"/>
+              </a:spcAft>
+              <a:buSzPts val="1300"/>
+              <a:buChar char="●"/>
+            </a:pPr>
+            <a:r>
+              <a:rPr lang="en-GB" dirty="0"/>
+              <a:t>For all the properties define the cardinality and  restrictions</a:t>
+            </a:r>
+          </a:p>
+          <a:p>
+            <a:pPr marL="457200" lvl="0" indent="-311150" algn="l" rtl="0">
+              <a:spcBef>
+                <a:spcPts val="0"/>
+              </a:spcBef>
+              <a:spcAft>
+                <a:spcPts val="0"/>
+              </a:spcAft>
+              <a:buSzPts val="1300"/>
+              <a:buChar char="●"/>
+            </a:pPr>
+            <a:r>
+              <a:rPr lang="en-GB" dirty="0"/>
+              <a:t>For attribute define datatypes</a:t>
+            </a:r>
+          </a:p>
+          <a:p>
+            <a:pPr marL="457200" lvl="0" indent="-311150" algn="l" rtl="0">
+              <a:spcBef>
+                <a:spcPts val="0"/>
+              </a:spcBef>
+              <a:spcAft>
+                <a:spcPts val="0"/>
+              </a:spcAft>
+              <a:buSzPts val="1300"/>
+              <a:buChar char="●"/>
+            </a:pPr>
+            <a:endParaRPr lang="en-GB" dirty="0"/>
+          </a:p>
           <a:p>
             <a:pPr marL="457200" lvl="0" indent="-311150" algn="l" rtl="0">
               <a:spcBef>
@@ -10514,7 +10635,7 @@
           <a:p>
             <a:r>
               <a:rPr lang="en-NL" dirty="0"/>
-              <a:t>Reuse the existing schema in your domain</a:t>
+              <a:t>Always Reuse -- Existing schema in your domain</a:t>
             </a:r>
           </a:p>
         </p:txBody>
@@ -10545,7 +10666,7 @@
             </a:pPr>
             <a:r>
               <a:rPr lang="en-NL" dirty="0"/>
-              <a:t>- Imaging standards</a:t>
+              <a:t>-</a:t>
             </a:r>
           </a:p>
         </p:txBody>
@@ -10585,7 +10706,7 @@
           <p:cNvPr id="2" name="Title 1">
             <a:extLst>
               <a:ext uri="{FF2B5EF4-FFF2-40B4-BE49-F238E27FC236}">
-                <a16:creationId xmlns:a16="http://schemas.microsoft.com/office/drawing/2014/main" id="{AA624B80-94FD-157F-474B-AC88715B47EE}"/>
+                <a16:creationId xmlns:a16="http://schemas.microsoft.com/office/drawing/2014/main" id="{B39C9844-5101-1152-9170-AF90CC06CAA0}"/>
               </a:ext>
             </a:extLst>
           </p:cNvPr>
@@ -10605,15 +10726,7 @@
           <a:p>
             <a:r>
               <a:rPr lang="en-NL" dirty="0"/>
-              <a:t>Sketch </a:t>
-            </a:r>
-            <a:r>
-              <a:rPr lang="en-US" dirty="0"/>
-              <a:t>a </a:t>
-            </a:r>
-            <a:r>
-              <a:rPr lang="en-NL" dirty="0"/>
-              <a:t>class diagram of your required metadata</a:t>
+              <a:t>Map it to the Core Metadata Model</a:t>
             </a:r>
           </a:p>
         </p:txBody>
@@ -10623,7 +10736,7 @@
           <p:cNvPr id="3" name="Text Placeholder 2">
             <a:extLst>
               <a:ext uri="{FF2B5EF4-FFF2-40B4-BE49-F238E27FC236}">
-                <a16:creationId xmlns:a16="http://schemas.microsoft.com/office/drawing/2014/main" id="{10C7438B-1D41-A12D-B34E-7ADB49E1C4F4}"/>
+                <a16:creationId xmlns:a16="http://schemas.microsoft.com/office/drawing/2014/main" id="{E321559B-3206-67B9-6ECF-0C05C3E5E4D3}"/>
               </a:ext>
             </a:extLst>
           </p:cNvPr>
@@ -10639,6 +10752,36 @@
           <a:bodyPr/>
           <a:lstStyle/>
           <a:p>
+            <a:r>
+              <a:rPr lang="en-GB" dirty="0"/>
+              <a:t>M</a:t>
+            </a:r>
+            <a:r>
+              <a:rPr lang="en-NL" dirty="0"/>
+              <a:t>apping excersie</a:t>
+            </a:r>
+          </a:p>
+          <a:p>
+            <a:endParaRPr lang="en-NL" dirty="0"/>
+          </a:p>
+          <a:p>
+            <a:r>
+              <a:rPr lang="en-GB" dirty="0"/>
+              <a:t>[L</a:t>
+            </a:r>
+            <a:r>
+              <a:rPr lang="en-NL" dirty="0"/>
+              <a:t>ink] </a:t>
+            </a:r>
+            <a:r>
+              <a:rPr lang="en-GB" dirty="0">
+                <a:hlinkClick r:id="rId2"/>
+              </a:rPr>
+              <a:t>https://docs.google.com/spreadsheets/d/1KKfAxn4ftoOAM2v3WsqT2XcPhdmTjnf1BZkvFf9FqF8/edit#gid=0</a:t>
+            </a:r>
+            <a:endParaRPr lang="en-GB" dirty="0"/>
+          </a:p>
+          <a:p>
             <a:endParaRPr lang="en-NL" dirty="0"/>
           </a:p>
         </p:txBody>
@@ -10646,7 +10789,7 @@
     </p:spTree>
     <p:extLst>
       <p:ext uri="{BB962C8B-B14F-4D97-AF65-F5344CB8AC3E}">
-        <p14:creationId xmlns:p14="http://schemas.microsoft.com/office/powerpoint/2010/main" val="1934380981"/>
+        <p14:creationId xmlns:p14="http://schemas.microsoft.com/office/powerpoint/2010/main" val="1008516795"/>
       </p:ext>
     </p:extLst>
   </p:cSld>
@@ -10678,91 +10821,6 @@
           <p:cNvPr id="2" name="Title 1">
             <a:extLst>
               <a:ext uri="{FF2B5EF4-FFF2-40B4-BE49-F238E27FC236}">
-                <a16:creationId xmlns:a16="http://schemas.microsoft.com/office/drawing/2014/main" id="{B39C9844-5101-1152-9170-AF90CC06CAA0}"/>
-              </a:ext>
-            </a:extLst>
-          </p:cNvPr>
-          <p:cNvSpPr>
-            <a:spLocks noGrp="1"/>
-          </p:cNvSpPr>
-          <p:nvPr>
-            <p:ph type="title"/>
-          </p:nvPr>
-        </p:nvSpPr>
-        <p:spPr/>
-        <p:txBody>
-          <a:bodyPr>
-            <a:normAutofit fontScale="90000"/>
-          </a:bodyPr>
-          <a:lstStyle/>
-          <a:p>
-            <a:r>
-              <a:rPr lang="en-NL" dirty="0"/>
-              <a:t>Map it to the Core Metadata Model</a:t>
-            </a:r>
-          </a:p>
-        </p:txBody>
-      </p:sp>
-      <p:sp>
-        <p:nvSpPr>
-          <p:cNvPr id="3" name="Text Placeholder 2">
-            <a:extLst>
-              <a:ext uri="{FF2B5EF4-FFF2-40B4-BE49-F238E27FC236}">
-                <a16:creationId xmlns:a16="http://schemas.microsoft.com/office/drawing/2014/main" id="{E321559B-3206-67B9-6ECF-0C05C3E5E4D3}"/>
-              </a:ext>
-            </a:extLst>
-          </p:cNvPr>
-          <p:cNvSpPr>
-            <a:spLocks noGrp="1"/>
-          </p:cNvSpPr>
-          <p:nvPr>
-            <p:ph type="body" idx="1"/>
-          </p:nvPr>
-        </p:nvSpPr>
-        <p:spPr/>
-        <p:txBody>
-          <a:bodyPr/>
-          <a:lstStyle/>
-          <a:p>
-            <a:endParaRPr lang="en-NL"/>
-          </a:p>
-        </p:txBody>
-      </p:sp>
-    </p:spTree>
-    <p:extLst>
-      <p:ext uri="{BB962C8B-B14F-4D97-AF65-F5344CB8AC3E}">
-        <p14:creationId xmlns:p14="http://schemas.microsoft.com/office/powerpoint/2010/main" val="1008516795"/>
-      </p:ext>
-    </p:extLst>
-  </p:cSld>
-  <p:clrMapOvr>
-    <a:masterClrMapping/>
-  </p:clrMapOvr>
-</p:sld>
-</file>
-
-<file path=ppt/slides/slide19.xml><?xml version="1.0" encoding="utf-8"?>
-<p:sld xmlns:a="http://schemas.openxmlformats.org/drawingml/2006/main" xmlns:r="http://schemas.openxmlformats.org/officeDocument/2006/relationships" xmlns:p="http://schemas.openxmlformats.org/presentationml/2006/main">
-  <p:cSld>
-    <p:spTree>
-      <p:nvGrpSpPr>
-        <p:cNvPr id="1" name=""/>
-        <p:cNvGrpSpPr/>
-        <p:nvPr/>
-      </p:nvGrpSpPr>
-      <p:grpSpPr>
-        <a:xfrm>
-          <a:off x="0" y="0"/>
-          <a:ext cx="0" cy="0"/>
-          <a:chOff x="0" y="0"/>
-          <a:chExt cx="0" cy="0"/>
-        </a:xfrm>
-      </p:grpSpPr>
-      <p:sp>
-        <p:nvSpPr>
-          <p:cNvPr id="2" name="Title 1">
-            <a:extLst>
-              <a:ext uri="{FF2B5EF4-FFF2-40B4-BE49-F238E27FC236}">
                 <a16:creationId xmlns:a16="http://schemas.microsoft.com/office/drawing/2014/main" id="{26244896-C32D-77BA-CC93-425BE670B515}"/>
               </a:ext>
             </a:extLst>
@@ -10783,7 +10841,7 @@
           <a:p>
             <a:r>
               <a:rPr lang="en-NL" dirty="0"/>
-              <a:t>Evalaute the coverage and find the gap</a:t>
+              <a:t>Evalaute the coverage</a:t>
             </a:r>
           </a:p>
         </p:txBody>
@@ -10804,7 +10862,12 @@
             <p:ph type="body" idx="1"/>
           </p:nvPr>
         </p:nvSpPr>
-        <p:spPr/>
+        <p:spPr>
+          <a:xfrm>
+            <a:off x="729450" y="2394758"/>
+            <a:ext cx="7688700" cy="2261100"/>
+          </a:xfrm>
+        </p:spPr>
         <p:txBody>
           <a:bodyPr/>
           <a:lstStyle/>
@@ -10819,6 +10882,232 @@
         <p14:creationId xmlns:p14="http://schemas.microsoft.com/office/powerpoint/2010/main" val="848186340"/>
       </p:ext>
     </p:extLst>
+  </p:cSld>
+  <p:clrMapOvr>
+    <a:masterClrMapping/>
+  </p:clrMapOvr>
+</p:sld>
+</file>
+
+<file path=ppt/slides/slide19.xml><?xml version="1.0" encoding="utf-8"?>
+<p:sld xmlns:a="http://schemas.openxmlformats.org/drawingml/2006/main" xmlns:r="http://schemas.openxmlformats.org/officeDocument/2006/relationships" xmlns:p="http://schemas.openxmlformats.org/presentationml/2006/main" show="0">
+  <p:cSld>
+    <p:spTree>
+      <p:nvGrpSpPr>
+        <p:cNvPr id="1" name="Shape 165"/>
+        <p:cNvGrpSpPr/>
+        <p:nvPr/>
+      </p:nvGrpSpPr>
+      <p:grpSpPr>
+        <a:xfrm>
+          <a:off x="0" y="0"/>
+          <a:ext cx="0" cy="0"/>
+          <a:chOff x="0" y="0"/>
+          <a:chExt cx="0" cy="0"/>
+        </a:xfrm>
+      </p:grpSpPr>
+      <p:sp>
+        <p:nvSpPr>
+          <p:cNvPr id="166" name="Google Shape;166;p25"/>
+          <p:cNvSpPr txBox="1">
+            <a:spLocks noGrp="1"/>
+          </p:cNvSpPr>
+          <p:nvPr>
+            <p:ph type="title"/>
+          </p:nvPr>
+        </p:nvSpPr>
+        <p:spPr>
+          <a:xfrm>
+            <a:off x="729450" y="1318650"/>
+            <a:ext cx="7688700" cy="535200"/>
+          </a:xfrm>
+          <a:prstGeom prst="rect">
+            <a:avLst/>
+          </a:prstGeom>
+        </p:spPr>
+        <p:txBody>
+          <a:bodyPr spcFirstLastPara="1" wrap="square" lIns="91425" tIns="91425" rIns="91425" bIns="91425" anchor="t" anchorCtr="0">
+            <a:normAutofit fontScale="90000"/>
+          </a:bodyPr>
+          <a:lstStyle/>
+          <a:p>
+            <a:pPr marL="0" lvl="0" indent="0" algn="l" rtl="0">
+              <a:spcBef>
+                <a:spcPts val="0"/>
+              </a:spcBef>
+              <a:spcAft>
+                <a:spcPts val="0"/>
+              </a:spcAft>
+              <a:buNone/>
+            </a:pPr>
+            <a:r>
+              <a:rPr lang="en-GB" dirty="0"/>
+              <a:t>Metadata Schemas and Portal Releases</a:t>
+            </a:r>
+            <a:endParaRPr dirty="0"/>
+          </a:p>
+          <a:p>
+            <a:pPr marL="0" lvl="0" indent="0" algn="l" rtl="0">
+              <a:spcBef>
+                <a:spcPts val="0"/>
+              </a:spcBef>
+              <a:spcAft>
+                <a:spcPts val="0"/>
+              </a:spcAft>
+              <a:buNone/>
+            </a:pPr>
+            <a:endParaRPr dirty="0"/>
+          </a:p>
+        </p:txBody>
+      </p:sp>
+      <p:sp>
+        <p:nvSpPr>
+          <p:cNvPr id="167" name="Google Shape;167;p25"/>
+          <p:cNvSpPr txBox="1">
+            <a:spLocks noGrp="1"/>
+          </p:cNvSpPr>
+          <p:nvPr>
+            <p:ph type="body" idx="1"/>
+          </p:nvPr>
+        </p:nvSpPr>
+        <p:spPr>
+          <a:xfrm>
+            <a:off x="729450" y="2078875"/>
+            <a:ext cx="7688700" cy="2261100"/>
+          </a:xfrm>
+          <a:prstGeom prst="rect">
+            <a:avLst/>
+          </a:prstGeom>
+        </p:spPr>
+        <p:txBody>
+          <a:bodyPr spcFirstLastPara="1" wrap="square" lIns="91425" tIns="91425" rIns="91425" bIns="91425" anchor="t" anchorCtr="0">
+            <a:noAutofit/>
+          </a:bodyPr>
+          <a:lstStyle/>
+          <a:p>
+            <a:pPr marL="457200" lvl="0" indent="-311150" algn="l" rtl="0">
+              <a:spcBef>
+                <a:spcPts val="0"/>
+              </a:spcBef>
+              <a:spcAft>
+                <a:spcPts val="0"/>
+              </a:spcAft>
+              <a:buSzPts val="1300"/>
+              <a:buChar char="●"/>
+            </a:pPr>
+            <a:r>
+              <a:rPr lang="en-GB"/>
+              <a:t>Published HRI Core Metadata Schema </a:t>
+            </a:r>
+            <a:r>
+              <a:rPr lang="en-GB" i="1"/>
+              <a:t>(w obligatory fields of DCAT AP + what apart from DCAT-AP do we need?)</a:t>
+            </a:r>
+            <a:endParaRPr i="1"/>
+          </a:p>
+          <a:p>
+            <a:pPr marL="457200" lvl="0" indent="-311150" algn="l" rtl="0">
+              <a:spcBef>
+                <a:spcPts val="0"/>
+              </a:spcBef>
+              <a:spcAft>
+                <a:spcPts val="0"/>
+              </a:spcAft>
+              <a:buSzPts val="1300"/>
+              <a:buChar char="●"/>
+            </a:pPr>
+            <a:r>
+              <a:rPr lang="en-GB"/>
+              <a:t>Published Domain Schemas (Leaves) </a:t>
+            </a:r>
+            <a:r>
+              <a:rPr lang="en-GB" i="1"/>
+              <a:t>(w obligatory fields per domain)</a:t>
+            </a:r>
+            <a:endParaRPr i="1"/>
+          </a:p>
+          <a:p>
+            <a:pPr marL="457200" lvl="0" indent="-311150" algn="l" rtl="0">
+              <a:spcBef>
+                <a:spcPts val="0"/>
+              </a:spcBef>
+              <a:spcAft>
+                <a:spcPts val="0"/>
+              </a:spcAft>
+              <a:buSzPts val="1300"/>
+              <a:buChar char="●"/>
+            </a:pPr>
+            <a:r>
+              <a:rPr lang="en-GB"/>
+              <a:t>Documentation for users to follow on “how to describe their resource”</a:t>
+            </a:r>
+            <a:endParaRPr/>
+          </a:p>
+          <a:p>
+            <a:pPr marL="0" lvl="0" indent="0" algn="l" rtl="0">
+              <a:spcBef>
+                <a:spcPts val="1200"/>
+              </a:spcBef>
+              <a:spcAft>
+                <a:spcPts val="0"/>
+              </a:spcAft>
+              <a:buNone/>
+            </a:pPr>
+            <a:r>
+              <a:rPr lang="en-GB"/>
+              <a:t>Releases</a:t>
+            </a:r>
+            <a:endParaRPr/>
+          </a:p>
+          <a:p>
+            <a:pPr marL="457200" lvl="0" indent="-311150" algn="l" rtl="0">
+              <a:spcBef>
+                <a:spcPts val="1200"/>
+              </a:spcBef>
+              <a:spcAft>
+                <a:spcPts val="0"/>
+              </a:spcAft>
+              <a:buSzPts val="1300"/>
+              <a:buChar char="●"/>
+            </a:pPr>
+            <a:r>
+              <a:rPr lang="en-GB"/>
+              <a:t>DCAT-AP Portals mandatory fields will be required for portal </a:t>
+            </a:r>
+            <a:r>
+              <a:rPr lang="en-GB" b="1"/>
+              <a:t>0.9</a:t>
+            </a:r>
+            <a:r>
+              <a:rPr lang="en-GB"/>
+              <a:t> release </a:t>
+            </a:r>
+            <a:endParaRPr/>
+          </a:p>
+          <a:p>
+            <a:pPr marL="457200" lvl="0" indent="-311150" algn="l" rtl="0">
+              <a:spcBef>
+                <a:spcPts val="0"/>
+              </a:spcBef>
+              <a:spcAft>
+                <a:spcPts val="0"/>
+              </a:spcAft>
+              <a:buSzPts val="1300"/>
+              <a:buChar char="●"/>
+            </a:pPr>
+            <a:r>
+              <a:rPr lang="en-GB"/>
+              <a:t>HRI Core Metadata Schema (what apart from DCAT-AP do we need?) and leaves expected to be released for portal release </a:t>
+            </a:r>
+            <a:r>
+              <a:rPr lang="en-GB" b="1"/>
+              <a:t>2.0</a:t>
+            </a:r>
+            <a:endParaRPr b="1"/>
+          </a:p>
+        </p:txBody>
+      </p:sp>
+    </p:spTree>
   </p:cSld>
   <p:clrMapOvr>
     <a:masterClrMapping/>
@@ -10974,232 +11263,6 @@
 </file>
 
 <file path=ppt/slides/slide20.xml><?xml version="1.0" encoding="utf-8"?>
-<p:sld xmlns:a="http://schemas.openxmlformats.org/drawingml/2006/main" xmlns:r="http://schemas.openxmlformats.org/officeDocument/2006/relationships" xmlns:p="http://schemas.openxmlformats.org/presentationml/2006/main" show="0">
-  <p:cSld>
-    <p:spTree>
-      <p:nvGrpSpPr>
-        <p:cNvPr id="1" name="Shape 165"/>
-        <p:cNvGrpSpPr/>
-        <p:nvPr/>
-      </p:nvGrpSpPr>
-      <p:grpSpPr>
-        <a:xfrm>
-          <a:off x="0" y="0"/>
-          <a:ext cx="0" cy="0"/>
-          <a:chOff x="0" y="0"/>
-          <a:chExt cx="0" cy="0"/>
-        </a:xfrm>
-      </p:grpSpPr>
-      <p:sp>
-        <p:nvSpPr>
-          <p:cNvPr id="166" name="Google Shape;166;p25"/>
-          <p:cNvSpPr txBox="1">
-            <a:spLocks noGrp="1"/>
-          </p:cNvSpPr>
-          <p:nvPr>
-            <p:ph type="title"/>
-          </p:nvPr>
-        </p:nvSpPr>
-        <p:spPr>
-          <a:xfrm>
-            <a:off x="729450" y="1318650"/>
-            <a:ext cx="7688700" cy="535200"/>
-          </a:xfrm>
-          <a:prstGeom prst="rect">
-            <a:avLst/>
-          </a:prstGeom>
-        </p:spPr>
-        <p:txBody>
-          <a:bodyPr spcFirstLastPara="1" wrap="square" lIns="91425" tIns="91425" rIns="91425" bIns="91425" anchor="t" anchorCtr="0">
-            <a:normAutofit fontScale="90000"/>
-          </a:bodyPr>
-          <a:lstStyle/>
-          <a:p>
-            <a:pPr marL="0" lvl="0" indent="0" algn="l" rtl="0">
-              <a:spcBef>
-                <a:spcPts val="0"/>
-              </a:spcBef>
-              <a:spcAft>
-                <a:spcPts val="0"/>
-              </a:spcAft>
-              <a:buNone/>
-            </a:pPr>
-            <a:r>
-              <a:rPr lang="en-GB" dirty="0"/>
-              <a:t>Metadata Schemas and Portal Releases</a:t>
-            </a:r>
-            <a:endParaRPr dirty="0"/>
-          </a:p>
-          <a:p>
-            <a:pPr marL="0" lvl="0" indent="0" algn="l" rtl="0">
-              <a:spcBef>
-                <a:spcPts val="0"/>
-              </a:spcBef>
-              <a:spcAft>
-                <a:spcPts val="0"/>
-              </a:spcAft>
-              <a:buNone/>
-            </a:pPr>
-            <a:endParaRPr dirty="0"/>
-          </a:p>
-        </p:txBody>
-      </p:sp>
-      <p:sp>
-        <p:nvSpPr>
-          <p:cNvPr id="167" name="Google Shape;167;p25"/>
-          <p:cNvSpPr txBox="1">
-            <a:spLocks noGrp="1"/>
-          </p:cNvSpPr>
-          <p:nvPr>
-            <p:ph type="body" idx="1"/>
-          </p:nvPr>
-        </p:nvSpPr>
-        <p:spPr>
-          <a:xfrm>
-            <a:off x="729450" y="2078875"/>
-            <a:ext cx="7688700" cy="2261100"/>
-          </a:xfrm>
-          <a:prstGeom prst="rect">
-            <a:avLst/>
-          </a:prstGeom>
-        </p:spPr>
-        <p:txBody>
-          <a:bodyPr spcFirstLastPara="1" wrap="square" lIns="91425" tIns="91425" rIns="91425" bIns="91425" anchor="t" anchorCtr="0">
-            <a:noAutofit/>
-          </a:bodyPr>
-          <a:lstStyle/>
-          <a:p>
-            <a:pPr marL="457200" lvl="0" indent="-311150" algn="l" rtl="0">
-              <a:spcBef>
-                <a:spcPts val="0"/>
-              </a:spcBef>
-              <a:spcAft>
-                <a:spcPts val="0"/>
-              </a:spcAft>
-              <a:buSzPts val="1300"/>
-              <a:buChar char="●"/>
-            </a:pPr>
-            <a:r>
-              <a:rPr lang="en-GB"/>
-              <a:t>Published HRI Core Metadata Schema </a:t>
-            </a:r>
-            <a:r>
-              <a:rPr lang="en-GB" i="1"/>
-              <a:t>(w obligatory fields of DCAT AP + what apart from DCAT-AP do we need?)</a:t>
-            </a:r>
-            <a:endParaRPr i="1"/>
-          </a:p>
-          <a:p>
-            <a:pPr marL="457200" lvl="0" indent="-311150" algn="l" rtl="0">
-              <a:spcBef>
-                <a:spcPts val="0"/>
-              </a:spcBef>
-              <a:spcAft>
-                <a:spcPts val="0"/>
-              </a:spcAft>
-              <a:buSzPts val="1300"/>
-              <a:buChar char="●"/>
-            </a:pPr>
-            <a:r>
-              <a:rPr lang="en-GB"/>
-              <a:t>Published Domain Schemas (Leaves) </a:t>
-            </a:r>
-            <a:r>
-              <a:rPr lang="en-GB" i="1"/>
-              <a:t>(w obligatory fields per domain)</a:t>
-            </a:r>
-            <a:endParaRPr i="1"/>
-          </a:p>
-          <a:p>
-            <a:pPr marL="457200" lvl="0" indent="-311150" algn="l" rtl="0">
-              <a:spcBef>
-                <a:spcPts val="0"/>
-              </a:spcBef>
-              <a:spcAft>
-                <a:spcPts val="0"/>
-              </a:spcAft>
-              <a:buSzPts val="1300"/>
-              <a:buChar char="●"/>
-            </a:pPr>
-            <a:r>
-              <a:rPr lang="en-GB"/>
-              <a:t>Documentation for users to follow on “how to describe their resource”</a:t>
-            </a:r>
-            <a:endParaRPr/>
-          </a:p>
-          <a:p>
-            <a:pPr marL="0" lvl="0" indent="0" algn="l" rtl="0">
-              <a:spcBef>
-                <a:spcPts val="1200"/>
-              </a:spcBef>
-              <a:spcAft>
-                <a:spcPts val="0"/>
-              </a:spcAft>
-              <a:buNone/>
-            </a:pPr>
-            <a:r>
-              <a:rPr lang="en-GB"/>
-              <a:t>Releases</a:t>
-            </a:r>
-            <a:endParaRPr/>
-          </a:p>
-          <a:p>
-            <a:pPr marL="457200" lvl="0" indent="-311150" algn="l" rtl="0">
-              <a:spcBef>
-                <a:spcPts val="1200"/>
-              </a:spcBef>
-              <a:spcAft>
-                <a:spcPts val="0"/>
-              </a:spcAft>
-              <a:buSzPts val="1300"/>
-              <a:buChar char="●"/>
-            </a:pPr>
-            <a:r>
-              <a:rPr lang="en-GB"/>
-              <a:t>DCAT-AP Portals mandatory fields will be required for portal </a:t>
-            </a:r>
-            <a:r>
-              <a:rPr lang="en-GB" b="1"/>
-              <a:t>0.9</a:t>
-            </a:r>
-            <a:r>
-              <a:rPr lang="en-GB"/>
-              <a:t> release </a:t>
-            </a:r>
-            <a:endParaRPr/>
-          </a:p>
-          <a:p>
-            <a:pPr marL="457200" lvl="0" indent="-311150" algn="l" rtl="0">
-              <a:spcBef>
-                <a:spcPts val="0"/>
-              </a:spcBef>
-              <a:spcAft>
-                <a:spcPts val="0"/>
-              </a:spcAft>
-              <a:buSzPts val="1300"/>
-              <a:buChar char="●"/>
-            </a:pPr>
-            <a:r>
-              <a:rPr lang="en-GB"/>
-              <a:t>HRI Core Metadata Schema (what apart from DCAT-AP do we need?) and leaves expected to be released for portal release </a:t>
-            </a:r>
-            <a:r>
-              <a:rPr lang="en-GB" b="1"/>
-              <a:t>2.0</a:t>
-            </a:r>
-            <a:endParaRPr b="1"/>
-          </a:p>
-        </p:txBody>
-      </p:sp>
-    </p:spTree>
-  </p:cSld>
-  <p:clrMapOvr>
-    <a:masterClrMapping/>
-  </p:clrMapOvr>
-</p:sld>
-</file>
-
-<file path=ppt/slides/slide21.xml><?xml version="1.0" encoding="utf-8"?>
 <p:sld xmlns:a="http://schemas.openxmlformats.org/drawingml/2006/main" xmlns:r="http://schemas.openxmlformats.org/officeDocument/2006/relationships" xmlns:p="http://schemas.openxmlformats.org/presentationml/2006/main">
   <p:cSld>
     <p:spTree>
@@ -14368,7 +14431,7 @@
 </p:sld>
 </file>
 
-<file path=ppt/slides/slide22.xml><?xml version="1.0" encoding="utf-8"?>
+<file path=ppt/slides/slide21.xml><?xml version="1.0" encoding="utf-8"?>
 <p:sld xmlns:a="http://schemas.openxmlformats.org/drawingml/2006/main" xmlns:r="http://schemas.openxmlformats.org/officeDocument/2006/relationships" xmlns:p="http://schemas.openxmlformats.org/presentationml/2006/main">
   <p:cSld>
     <p:spTree>
@@ -14420,10 +14483,10 @@
               <a:buNone/>
             </a:pPr>
             <a:r>
-              <a:rPr lang="en-GB"/>
-              <a:t>TMI - What do I do now?</a:t>
-            </a:r>
-            <a:endParaRPr/>
+              <a:rPr lang="en-GB" dirty="0"/>
+              <a:t>Take away -- TMI - What do I do now? </a:t>
+            </a:r>
+            <a:endParaRPr dirty="0"/>
           </a:p>
         </p:txBody>
       </p:sp>
@@ -14463,10 +14526,10 @@
               <a:buChar char="●"/>
             </a:pPr>
             <a:r>
-              <a:rPr lang="en-GB"/>
+              <a:rPr lang="en-GB" dirty="0"/>
               <a:t>Identify pre-existing standards in your field (see X-Omics Project, ISA Tab)</a:t>
             </a:r>
-            <a:endParaRPr/>
+            <a:endParaRPr dirty="0"/>
           </a:p>
           <a:p>
             <a:pPr marL="457200" lvl="0" indent="-311150" algn="l" rtl="0">
@@ -14480,10 +14543,10 @@
               <a:buChar char="●"/>
             </a:pPr>
             <a:r>
-              <a:rPr lang="en-GB"/>
+              <a:rPr lang="en-GB" dirty="0"/>
               <a:t>Find your main classes (datasets?)</a:t>
             </a:r>
-            <a:endParaRPr/>
+            <a:endParaRPr dirty="0"/>
           </a:p>
           <a:p>
             <a:pPr marL="457200" lvl="0" indent="-311150" algn="l" rtl="0">
@@ -14497,10 +14560,10 @@
               <a:buChar char="●"/>
             </a:pPr>
             <a:r>
-              <a:rPr lang="en-GB"/>
+              <a:rPr lang="en-GB" dirty="0"/>
               <a:t>Describe your main classes properties </a:t>
             </a:r>
-            <a:endParaRPr/>
+            <a:endParaRPr dirty="0"/>
           </a:p>
           <a:p>
             <a:pPr marL="457200" lvl="0" indent="-311150" algn="l" rtl="0">
@@ -14514,10 +14577,10 @@
               <a:buChar char="●"/>
             </a:pPr>
             <a:r>
-              <a:rPr lang="en-GB"/>
+              <a:rPr lang="en-GB" dirty="0"/>
               <a:t>Request Rob (or Jeroen) for GitHub access</a:t>
             </a:r>
-            <a:endParaRPr/>
+            <a:endParaRPr dirty="0"/>
           </a:p>
           <a:p>
             <a:pPr marL="457200" lvl="0" indent="-311150" algn="l" rtl="0">
@@ -14531,10 +14594,10 @@
               <a:buChar char="●"/>
             </a:pPr>
             <a:r>
-              <a:rPr lang="en-GB"/>
+              <a:rPr lang="en-GB" dirty="0"/>
               <a:t>Keep your versioning in GitHub 🌻</a:t>
             </a:r>
-            <a:endParaRPr/>
+            <a:endParaRPr dirty="0"/>
           </a:p>
           <a:p>
             <a:pPr marL="457200" lvl="0" indent="-311150" algn="l" rtl="0">
@@ -14548,10 +14611,10 @@
               <a:buChar char="●"/>
             </a:pPr>
             <a:r>
-              <a:rPr lang="en-GB"/>
-              <a:t>Need Omics help? Talk to your group leaders (Rob and Mascha) 🧙 </a:t>
-            </a:r>
-            <a:endParaRPr/>
+              <a:rPr lang="en-GB" dirty="0"/>
+              <a:t>Need specialised help? Talk to your group leaders  🧙 </a:t>
+            </a:r>
+            <a:endParaRPr dirty="0"/>
           </a:p>
           <a:p>
             <a:pPr marL="457200" lvl="0" indent="-311150" algn="l" rtl="0">
@@ -14565,10 +14628,18 @@
               <a:buChar char="●"/>
             </a:pPr>
             <a:r>
-              <a:rPr lang="en-GB"/>
-              <a:t>Need more Metadata/Modelling/FDP help?  Talk to Luiz Bonino, Kees Burgers or Bruna Vieira</a:t>
-            </a:r>
-            <a:endParaRPr/>
+              <a:rPr lang="en-GB" dirty="0"/>
+              <a:t>Need more Metadata/Modelling/FDP help?  Talk to Luiz Bonino, </a:t>
+            </a:r>
+            <a:r>
+              <a:rPr lang="en-GB" dirty="0" err="1"/>
+              <a:t>Kees</a:t>
+            </a:r>
+            <a:r>
+              <a:rPr lang="en-GB" dirty="0"/>
+              <a:t> Burgers or Bruna Vieira, Dena Tahvildari</a:t>
+            </a:r>
+            <a:endParaRPr dirty="0"/>
           </a:p>
           <a:p>
             <a:pPr marL="914400" lvl="1" indent="-298450" algn="l" rtl="0">
@@ -14582,14 +14653,14 @@
               <a:buChar char="○"/>
             </a:pPr>
             <a:r>
-              <a:rPr lang="en-GB" b="1"/>
+              <a:rPr lang="en-GB" b="1" dirty="0"/>
               <a:t>Want to offer help? Contact us! </a:t>
             </a:r>
             <a:r>
-              <a:rPr lang="en-GB"/>
+              <a:rPr lang="en-GB" dirty="0"/>
               <a:t> </a:t>
             </a:r>
-            <a:endParaRPr/>
+            <a:endParaRPr dirty="0"/>
           </a:p>
         </p:txBody>
       </p:sp>
@@ -14657,7 +14728,7 @@
 </p:sld>
 </file>
 
-<file path=ppt/slides/slide23.xml><?xml version="1.0" encoding="utf-8"?>
+<file path=ppt/slides/slide22.xml><?xml version="1.0" encoding="utf-8"?>
 <p:sld xmlns:a="http://schemas.openxmlformats.org/drawingml/2006/main" xmlns:r="http://schemas.openxmlformats.org/officeDocument/2006/relationships" xmlns:p="http://schemas.openxmlformats.org/presentationml/2006/main">
   <p:cSld>
     <p:spTree>
@@ -15294,7 +15365,7 @@
         </p:nvSpPr>
         <p:spPr>
           <a:xfrm>
-            <a:off x="729450" y="2078874"/>
+            <a:off x="364725" y="2012373"/>
             <a:ext cx="8414550" cy="2944681"/>
           </a:xfrm>
         </p:spPr>
@@ -15318,7 +15389,7 @@
             </a:r>
             <a:r>
               <a:rPr lang="en-GB" sz="1900" dirty="0"/>
-              <a:t> Graph Model, the metadata schema is known as an Ontology and it is represented in the RDF schema (RDFS) or OWL (Web Ontology Language) languages or other dialects )(</a:t>
+              <a:t> Graph Model, the metadata schema is known as an Ontology and it is represented in the RDF schema (RDFS) or OWL (Web Ontology Language) languages or other dialects (</a:t>
             </a:r>
             <a:r>
               <a:rPr lang="en-GB" sz="1900" dirty="0" err="1"/>
@@ -15537,6 +15608,9 @@
           <a:prstGeom prst="ellipse">
             <a:avLst/>
           </a:prstGeom>
+          <a:solidFill>
+            <a:schemeClr val="accent2"/>
+          </a:solidFill>
         </p:spPr>
         <p:style>
           <a:lnRef idx="2">
@@ -15586,6 +15660,9 @@
           <a:prstGeom prst="ellipse">
             <a:avLst/>
           </a:prstGeom>
+          <a:solidFill>
+            <a:schemeClr val="accent2"/>
+          </a:solidFill>
         </p:spPr>
         <p:style>
           <a:lnRef idx="2">
@@ -15638,6 +15715,9 @@
             <a:avLst/>
           </a:prstGeom>
           <a:ln>
+            <a:solidFill>
+              <a:schemeClr val="tx1"/>
+            </a:solidFill>
             <a:tailEnd type="triangle"/>
           </a:ln>
         </p:spPr>
@@ -15670,7 +15750,7 @@
         </p:nvSpPr>
         <p:spPr>
           <a:xfrm>
-            <a:off x="2764946" y="2419553"/>
+            <a:off x="2717463" y="2272549"/>
             <a:ext cx="1538794" cy="307777"/>
           </a:xfrm>
           <a:prstGeom prst="rect">
@@ -15711,6 +15791,12 @@
           <a:prstGeom prst="ellipse">
             <a:avLst/>
           </a:prstGeom>
+          <a:solidFill>
+            <a:schemeClr val="accent5">
+              <a:lumMod val="20000"/>
+              <a:lumOff val="80000"/>
+            </a:schemeClr>
+          </a:solidFill>
         </p:spPr>
         <p:style>
           <a:lnRef idx="2">
@@ -15842,6 +15928,12 @@
           <a:prstGeom prst="ellipse">
             <a:avLst/>
           </a:prstGeom>
+          <a:solidFill>
+            <a:schemeClr val="accent5">
+              <a:lumMod val="20000"/>
+              <a:lumOff val="80000"/>
+            </a:schemeClr>
+          </a:solidFill>
         </p:spPr>
         <p:style>
           <a:lnRef idx="2">
@@ -16007,6 +16099,9 @@
             <a:avLst/>
           </a:prstGeom>
           <a:ln>
+            <a:solidFill>
+              <a:schemeClr val="tx1"/>
+            </a:solidFill>
             <a:tailEnd type="triangle"/>
           </a:ln>
         </p:spPr>
@@ -16039,7 +16134,7 @@
         </p:nvSpPr>
         <p:spPr>
           <a:xfrm>
-            <a:off x="1165123" y="3683134"/>
+            <a:off x="1287157" y="3835317"/>
             <a:ext cx="5428184" cy="1053423"/>
           </a:xfrm>
           <a:prstGeom prst="rect">
@@ -16072,7 +16167,7 @@
           <a:lstStyle/>
           <a:p>
             <a:pPr algn="ctr"/>
-            <a:endParaRPr lang="en-NL"/>
+            <a:endParaRPr lang="en-NL" dirty="0"/>
           </a:p>
         </p:txBody>
       </p:sp>
@@ -16125,7 +16220,7 @@
         </p:nvSpPr>
         <p:spPr>
           <a:xfrm>
-            <a:off x="6589006" y="2647125"/>
+            <a:off x="-175352" y="2674220"/>
             <a:ext cx="1516762" cy="307777"/>
           </a:xfrm>
           <a:prstGeom prst="rect">
@@ -16147,6 +16242,259 @@
               <a:rPr lang="en-NL" dirty="0"/>
               <a:t>etadata model </a:t>
             </a:r>
+          </a:p>
+        </p:txBody>
+      </p:sp>
+      <p:sp>
+        <p:nvSpPr>
+          <p:cNvPr id="26" name="Oval 25">
+            <a:extLst>
+              <a:ext uri="{FF2B5EF4-FFF2-40B4-BE49-F238E27FC236}">
+                <a16:creationId xmlns:a16="http://schemas.microsoft.com/office/drawing/2014/main" id="{2E6D54E8-FFE1-7FE7-BF7D-1CC9F91A6A31}"/>
+              </a:ext>
+            </a:extLst>
+          </p:cNvPr>
+          <p:cNvSpPr/>
+          <p:nvPr/>
+        </p:nvSpPr>
+        <p:spPr>
+          <a:xfrm>
+            <a:off x="7362702" y="3241484"/>
+            <a:ext cx="901320" cy="660681"/>
+          </a:xfrm>
+          <a:prstGeom prst="ellipse">
+            <a:avLst/>
+          </a:prstGeom>
+          <a:solidFill>
+            <a:schemeClr val="accent2"/>
+          </a:solidFill>
+        </p:spPr>
+        <p:style>
+          <a:lnRef idx="2">
+            <a:schemeClr val="accent1">
+              <a:shade val="15000"/>
+            </a:schemeClr>
+          </a:lnRef>
+          <a:fillRef idx="1">
+            <a:schemeClr val="accent1"/>
+          </a:fillRef>
+          <a:effectRef idx="0">
+            <a:schemeClr val="accent1"/>
+          </a:effectRef>
+          <a:fontRef idx="minor">
+            <a:schemeClr val="lt1"/>
+          </a:fontRef>
+        </p:style>
+        <p:txBody>
+          <a:bodyPr rtlCol="0" anchor="ctr"/>
+          <a:lstStyle/>
+          <a:p>
+            <a:pPr algn="ctr"/>
+            <a:endParaRPr lang="en-NL" dirty="0"/>
+          </a:p>
+        </p:txBody>
+      </p:sp>
+      <p:sp>
+        <p:nvSpPr>
+          <p:cNvPr id="28" name="Oval 27">
+            <a:extLst>
+              <a:ext uri="{FF2B5EF4-FFF2-40B4-BE49-F238E27FC236}">
+                <a16:creationId xmlns:a16="http://schemas.microsoft.com/office/drawing/2014/main" id="{1B3B99AD-9694-C63E-29A2-047510612917}"/>
+              </a:ext>
+            </a:extLst>
+          </p:cNvPr>
+          <p:cNvSpPr/>
+          <p:nvPr/>
+        </p:nvSpPr>
+        <p:spPr>
+          <a:xfrm>
+            <a:off x="7378726" y="3977344"/>
+            <a:ext cx="901320" cy="712269"/>
+          </a:xfrm>
+          <a:prstGeom prst="ellipse">
+            <a:avLst/>
+          </a:prstGeom>
+          <a:solidFill>
+            <a:schemeClr val="accent5">
+              <a:lumMod val="20000"/>
+              <a:lumOff val="80000"/>
+            </a:schemeClr>
+          </a:solidFill>
+        </p:spPr>
+        <p:style>
+          <a:lnRef idx="2">
+            <a:schemeClr val="accent1">
+              <a:shade val="15000"/>
+            </a:schemeClr>
+          </a:lnRef>
+          <a:fillRef idx="1">
+            <a:schemeClr val="accent1"/>
+          </a:fillRef>
+          <a:effectRef idx="0">
+            <a:schemeClr val="accent1"/>
+          </a:effectRef>
+          <a:fontRef idx="minor">
+            <a:schemeClr val="lt1"/>
+          </a:fontRef>
+        </p:style>
+        <p:txBody>
+          <a:bodyPr rtlCol="0" anchor="ctr"/>
+          <a:lstStyle/>
+          <a:p>
+            <a:pPr algn="ctr"/>
+            <a:endParaRPr lang="en-NL" dirty="0"/>
+          </a:p>
+        </p:txBody>
+      </p:sp>
+      <p:sp>
+        <p:nvSpPr>
+          <p:cNvPr id="29" name="TextBox 28">
+            <a:extLst>
+              <a:ext uri="{FF2B5EF4-FFF2-40B4-BE49-F238E27FC236}">
+                <a16:creationId xmlns:a16="http://schemas.microsoft.com/office/drawing/2014/main" id="{6BAD4D12-7D0E-D742-356F-45DF7CE5AE14}"/>
+              </a:ext>
+            </a:extLst>
+          </p:cNvPr>
+          <p:cNvSpPr txBox="1"/>
+          <p:nvPr/>
+        </p:nvSpPr>
+        <p:spPr>
+          <a:xfrm>
+            <a:off x="8387305" y="3474388"/>
+            <a:ext cx="774571" cy="307777"/>
+          </a:xfrm>
+          <a:prstGeom prst="rect">
+            <a:avLst/>
+          </a:prstGeom>
+          <a:noFill/>
+        </p:spPr>
+        <p:txBody>
+          <a:bodyPr wrap="none" rtlCol="0">
+            <a:spAutoFit/>
+          </a:bodyPr>
+          <a:lstStyle/>
+          <a:p>
+            <a:r>
+              <a:rPr lang="en-US" dirty="0"/>
+              <a:t>CLASS</a:t>
+            </a:r>
+            <a:endParaRPr lang="en-NL" dirty="0"/>
+          </a:p>
+        </p:txBody>
+      </p:sp>
+      <p:sp>
+        <p:nvSpPr>
+          <p:cNvPr id="30" name="TextBox 29">
+            <a:extLst>
+              <a:ext uri="{FF2B5EF4-FFF2-40B4-BE49-F238E27FC236}">
+                <a16:creationId xmlns:a16="http://schemas.microsoft.com/office/drawing/2014/main" id="{1DD3A3C7-346E-A590-A46A-3617A86386A2}"/>
+              </a:ext>
+            </a:extLst>
+          </p:cNvPr>
+          <p:cNvSpPr txBox="1"/>
+          <p:nvPr/>
+        </p:nvSpPr>
+        <p:spPr>
+          <a:xfrm>
+            <a:off x="8465532" y="4151397"/>
+            <a:ext cx="861133" cy="307777"/>
+          </a:xfrm>
+          <a:prstGeom prst="rect">
+            <a:avLst/>
+          </a:prstGeom>
+          <a:noFill/>
+        </p:spPr>
+        <p:txBody>
+          <a:bodyPr wrap="none" rtlCol="0">
+            <a:spAutoFit/>
+          </a:bodyPr>
+          <a:lstStyle/>
+          <a:p>
+            <a:r>
+              <a:rPr lang="en-US" dirty="0"/>
+              <a:t>Instance</a:t>
+            </a:r>
+            <a:endParaRPr lang="en-NL" dirty="0"/>
+          </a:p>
+        </p:txBody>
+      </p:sp>
+      <p:cxnSp>
+        <p:nvCxnSpPr>
+          <p:cNvPr id="31" name="Straight Arrow Connector 30">
+            <a:extLst>
+              <a:ext uri="{FF2B5EF4-FFF2-40B4-BE49-F238E27FC236}">
+                <a16:creationId xmlns:a16="http://schemas.microsoft.com/office/drawing/2014/main" id="{80E4195E-972A-9986-DDC8-E0D3FFEF8CB8}"/>
+              </a:ext>
+            </a:extLst>
+          </p:cNvPr>
+          <p:cNvCxnSpPr>
+            <a:cxnSpLocks/>
+          </p:cNvCxnSpPr>
+          <p:nvPr/>
+        </p:nvCxnSpPr>
+        <p:spPr>
+          <a:xfrm flipV="1">
+            <a:off x="7366387" y="4823680"/>
+            <a:ext cx="1099145" cy="4726"/>
+          </a:xfrm>
+          <a:prstGeom prst="straightConnector1">
+            <a:avLst/>
+          </a:prstGeom>
+          <a:ln>
+            <a:solidFill>
+              <a:schemeClr val="tx1"/>
+            </a:solidFill>
+            <a:tailEnd type="triangle"/>
+          </a:ln>
+        </p:spPr>
+        <p:style>
+          <a:lnRef idx="1">
+            <a:schemeClr val="accent1"/>
+          </a:lnRef>
+          <a:fillRef idx="0">
+            <a:schemeClr val="accent1"/>
+          </a:fillRef>
+          <a:effectRef idx="0">
+            <a:schemeClr val="accent1"/>
+          </a:effectRef>
+          <a:fontRef idx="minor">
+            <a:schemeClr val="tx1"/>
+          </a:fontRef>
+        </p:style>
+      </p:cxnSp>
+      <p:sp>
+        <p:nvSpPr>
+          <p:cNvPr id="33" name="TextBox 32">
+            <a:extLst>
+              <a:ext uri="{FF2B5EF4-FFF2-40B4-BE49-F238E27FC236}">
+                <a16:creationId xmlns:a16="http://schemas.microsoft.com/office/drawing/2014/main" id="{AC5F3E32-FAFD-D80B-3702-E44956840104}"/>
+              </a:ext>
+            </a:extLst>
+          </p:cNvPr>
+          <p:cNvSpPr txBox="1"/>
+          <p:nvPr/>
+        </p:nvSpPr>
+        <p:spPr>
+          <a:xfrm>
+            <a:off x="8648982" y="4580963"/>
+            <a:ext cx="981359" cy="307777"/>
+          </a:xfrm>
+          <a:prstGeom prst="rect">
+            <a:avLst/>
+          </a:prstGeom>
+          <a:noFill/>
+        </p:spPr>
+        <p:txBody>
+          <a:bodyPr wrap="none" rtlCol="0">
+            <a:spAutoFit/>
+          </a:bodyPr>
+          <a:lstStyle/>
+          <a:p>
+            <a:r>
+              <a:rPr lang="en-US" dirty="0"/>
+              <a:t>Relations </a:t>
+            </a:r>
+            <a:endParaRPr lang="en-NL" dirty="0"/>
           </a:p>
         </p:txBody>
       </p:sp>

--- a/Presentations/HRI_Metadata_Schema_ImagingGroup_KickOff (1).pptx
+++ b/Presentations/HRI_Metadata_Schema_ImagingGroup_KickOff (1).pptx
@@ -19,15 +19,15 @@
     <p:sldId id="262" r:id="rId10"/>
     <p:sldId id="263" r:id="rId11"/>
     <p:sldId id="275" r:id="rId12"/>
-    <p:sldId id="264" r:id="rId13"/>
-    <p:sldId id="265" r:id="rId14"/>
-    <p:sldId id="266" r:id="rId15"/>
-    <p:sldId id="267" r:id="rId16"/>
-    <p:sldId id="278" r:id="rId17"/>
-    <p:sldId id="277" r:id="rId18"/>
-    <p:sldId id="279" r:id="rId19"/>
-    <p:sldId id="268" r:id="rId20"/>
-    <p:sldId id="269" r:id="rId21"/>
+    <p:sldId id="269" r:id="rId13"/>
+    <p:sldId id="264" r:id="rId14"/>
+    <p:sldId id="265" r:id="rId15"/>
+    <p:sldId id="266" r:id="rId16"/>
+    <p:sldId id="267" r:id="rId17"/>
+    <p:sldId id="278" r:id="rId18"/>
+    <p:sldId id="277" r:id="rId19"/>
+    <p:sldId id="279" r:id="rId20"/>
+    <p:sldId id="268" r:id="rId21"/>
     <p:sldId id="270" r:id="rId22"/>
     <p:sldId id="271" r:id="rId23"/>
   </p:sldIdLst>
@@ -920,7 +920,7 @@
   <p:cSld>
     <p:spTree>
       <p:nvGrpSpPr>
-        <p:cNvPr id="1" name="Shape 138"/>
+        <p:cNvPr id="1" name="Shape 168"/>
         <p:cNvGrpSpPr/>
         <p:nvPr/>
       </p:nvGrpSpPr>
@@ -934,7 +934,7 @@
       </p:grpSpPr>
       <p:sp>
         <p:nvSpPr>
-          <p:cNvPr id="139" name="Google Shape;139;g249d16b04f2_0_21:notes"/>
+          <p:cNvPr id="169" name="Google Shape;169;g24bc57abd04_0_73:notes"/>
           <p:cNvSpPr>
             <a:spLocks noGrp="1" noRot="1" noChangeAspect="1"/>
           </p:cNvSpPr>
@@ -975,7 +975,7 @@
       </p:sp>
       <p:sp>
         <p:nvSpPr>
-          <p:cNvPr id="140" name="Google Shape;140;g249d16b04f2_0_21:notes"/>
+          <p:cNvPr id="170" name="Google Shape;170;g24bc57abd04_0_73:notes"/>
           <p:cNvSpPr txBox="1">
             <a:spLocks noGrp="1"/>
           </p:cNvSpPr>
@@ -1024,7 +1024,7 @@
   <p:cSld>
     <p:spTree>
       <p:nvGrpSpPr>
-        <p:cNvPr id="1" name="Shape 144"/>
+        <p:cNvPr id="1" name="Shape 138"/>
         <p:cNvGrpSpPr/>
         <p:nvPr/>
       </p:nvGrpSpPr>
@@ -1038,7 +1038,7 @@
       </p:grpSpPr>
       <p:sp>
         <p:nvSpPr>
-          <p:cNvPr id="145" name="Google Shape;145;g249d16b04f2_0_41:notes"/>
+          <p:cNvPr id="139" name="Google Shape;139;g249d16b04f2_0_21:notes"/>
           <p:cNvSpPr>
             <a:spLocks noGrp="1" noRot="1" noChangeAspect="1"/>
           </p:cNvSpPr>
@@ -1048,7 +1048,7 @@
         </p:nvSpPr>
         <p:spPr>
           <a:xfrm>
-            <a:off x="381300" y="685800"/>
+            <a:off x="381000" y="685800"/>
             <a:ext cx="6096000" cy="3429000"/>
           </a:xfrm>
           <a:custGeom>
@@ -1079,7 +1079,7 @@
       </p:sp>
       <p:sp>
         <p:nvSpPr>
-          <p:cNvPr id="146" name="Google Shape;146;g249d16b04f2_0_41:notes"/>
+          <p:cNvPr id="140" name="Google Shape;140;g249d16b04f2_0_21:notes"/>
           <p:cNvSpPr txBox="1">
             <a:spLocks noGrp="1"/>
           </p:cNvSpPr>
@@ -1128,7 +1128,7 @@
   <p:cSld>
     <p:spTree>
       <p:nvGrpSpPr>
-        <p:cNvPr id="1" name="Shape 150"/>
+        <p:cNvPr id="1" name="Shape 144"/>
         <p:cNvGrpSpPr/>
         <p:nvPr/>
       </p:nvGrpSpPr>
@@ -1142,7 +1142,7 @@
       </p:grpSpPr>
       <p:sp>
         <p:nvSpPr>
-          <p:cNvPr id="151" name="Google Shape;151;g249d16b04f2_0_0:notes"/>
+          <p:cNvPr id="145" name="Google Shape;145;g249d16b04f2_0_41:notes"/>
           <p:cNvSpPr>
             <a:spLocks noGrp="1" noRot="1" noChangeAspect="1"/>
           </p:cNvSpPr>
@@ -1183,7 +1183,7 @@
       </p:sp>
       <p:sp>
         <p:nvSpPr>
-          <p:cNvPr id="152" name="Google Shape;152;g249d16b04f2_0_0:notes"/>
+          <p:cNvPr id="146" name="Google Shape;146;g249d16b04f2_0_41:notes"/>
           <p:cNvSpPr txBox="1">
             <a:spLocks noGrp="1"/>
           </p:cNvSpPr>
@@ -1232,7 +1232,7 @@
   <p:cSld>
     <p:spTree>
       <p:nvGrpSpPr>
-        <p:cNvPr id="1" name="Shape 156"/>
+        <p:cNvPr id="1" name="Shape 150"/>
         <p:cNvGrpSpPr/>
         <p:nvPr/>
       </p:nvGrpSpPr>
@@ -1246,7 +1246,7 @@
       </p:grpSpPr>
       <p:sp>
         <p:nvSpPr>
-          <p:cNvPr id="157" name="Google Shape;157;g24a2a59763f_0_0:notes"/>
+          <p:cNvPr id="151" name="Google Shape;151;g249d16b04f2_0_0:notes"/>
           <p:cNvSpPr>
             <a:spLocks noGrp="1" noRot="1" noChangeAspect="1"/>
           </p:cNvSpPr>
@@ -1287,7 +1287,7 @@
       </p:sp>
       <p:sp>
         <p:nvSpPr>
-          <p:cNvPr id="158" name="Google Shape;158;g24a2a59763f_0_0:notes"/>
+          <p:cNvPr id="152" name="Google Shape;152;g249d16b04f2_0_0:notes"/>
           <p:cNvSpPr txBox="1">
             <a:spLocks noGrp="1"/>
           </p:cNvSpPr>
@@ -1336,7 +1336,7 @@
   <p:cSld>
     <p:spTree>
       <p:nvGrpSpPr>
-        <p:cNvPr id="1" name="Shape 162"/>
+        <p:cNvPr id="1" name="Shape 156"/>
         <p:cNvGrpSpPr/>
         <p:nvPr/>
       </p:nvGrpSpPr>
@@ -1350,7 +1350,7 @@
       </p:grpSpPr>
       <p:sp>
         <p:nvSpPr>
-          <p:cNvPr id="163" name="Google Shape;163;g249d16b04f2_0_51:notes"/>
+          <p:cNvPr id="157" name="Google Shape;157;g24a2a59763f_0_0:notes"/>
           <p:cNvSpPr>
             <a:spLocks noGrp="1" noRot="1" noChangeAspect="1"/>
           </p:cNvSpPr>
@@ -1391,7 +1391,7 @@
       </p:sp>
       <p:sp>
         <p:nvSpPr>
-          <p:cNvPr id="164" name="Google Shape;164;g249d16b04f2_0_51:notes"/>
+          <p:cNvPr id="158" name="Google Shape;158;g24a2a59763f_0_0:notes"/>
           <p:cNvSpPr txBox="1">
             <a:spLocks noGrp="1"/>
           </p:cNvSpPr>
@@ -1440,7 +1440,7 @@
   <p:cSld>
     <p:spTree>
       <p:nvGrpSpPr>
-        <p:cNvPr id="1" name="Shape 168"/>
+        <p:cNvPr id="1" name="Shape 162"/>
         <p:cNvGrpSpPr/>
         <p:nvPr/>
       </p:nvGrpSpPr>
@@ -1454,7 +1454,7 @@
       </p:grpSpPr>
       <p:sp>
         <p:nvSpPr>
-          <p:cNvPr id="169" name="Google Shape;169;g24bc57abd04_0_73:notes"/>
+          <p:cNvPr id="163" name="Google Shape;163;g249d16b04f2_0_51:notes"/>
           <p:cNvSpPr>
             <a:spLocks noGrp="1" noRot="1" noChangeAspect="1"/>
           </p:cNvSpPr>
@@ -1495,7 +1495,7 @@
       </p:sp>
       <p:sp>
         <p:nvSpPr>
-          <p:cNvPr id="170" name="Google Shape;170;g24bc57abd04_0_73:notes"/>
+          <p:cNvPr id="164" name="Google Shape;164;g249d16b04f2_0_51:notes"/>
           <p:cNvSpPr txBox="1">
             <a:spLocks noGrp="1"/>
           </p:cNvSpPr>
@@ -9551,6 +9551,3175 @@
   <p:cSld>
     <p:spTree>
       <p:nvGrpSpPr>
+        <p:cNvPr id="1" name="Shape 171"/>
+        <p:cNvGrpSpPr/>
+        <p:nvPr/>
+      </p:nvGrpSpPr>
+      <p:grpSpPr>
+        <a:xfrm>
+          <a:off x="0" y="0"/>
+          <a:ext cx="0" cy="0"/>
+          <a:chOff x="0" y="0"/>
+          <a:chExt cx="0" cy="0"/>
+        </a:xfrm>
+      </p:grpSpPr>
+      <p:sp>
+        <p:nvSpPr>
+          <p:cNvPr id="172" name="Google Shape;172;p26"/>
+          <p:cNvSpPr/>
+          <p:nvPr/>
+        </p:nvSpPr>
+        <p:spPr>
+          <a:xfrm rot="188886">
+            <a:off x="7535786" y="532524"/>
+            <a:ext cx="961451" cy="1098000"/>
+          </a:xfrm>
+          <a:prstGeom prst="teardrop">
+            <a:avLst>
+              <a:gd name="adj" fmla="val 125256"/>
+            </a:avLst>
+          </a:prstGeom>
+          <a:solidFill>
+            <a:srgbClr val="FFD966"/>
+          </a:solidFill>
+          <a:ln w="9525" cap="flat" cmpd="sng">
+            <a:solidFill>
+              <a:schemeClr val="dk2"/>
+            </a:solidFill>
+            <a:prstDash val="solid"/>
+            <a:round/>
+            <a:headEnd type="none" w="sm" len="sm"/>
+            <a:tailEnd type="none" w="sm" len="sm"/>
+          </a:ln>
+        </p:spPr>
+        <p:txBody>
+          <a:bodyPr spcFirstLastPara="1" wrap="square" lIns="91425" tIns="91425" rIns="91425" bIns="91425" anchor="t" anchorCtr="0">
+            <a:noAutofit/>
+          </a:bodyPr>
+          <a:lstStyle/>
+          <a:p>
+            <a:pPr marL="0" lvl="0" indent="0" algn="r" rtl="0">
+              <a:spcBef>
+                <a:spcPts val="0"/>
+              </a:spcBef>
+              <a:spcAft>
+                <a:spcPts val="0"/>
+              </a:spcAft>
+              <a:buNone/>
+            </a:pPr>
+            <a:r>
+              <a:rPr lang="en-GB">
+                <a:solidFill>
+                  <a:schemeClr val="dk2"/>
+                </a:solidFill>
+                <a:latin typeface="Roboto"/>
+                <a:ea typeface="Roboto"/>
+                <a:cs typeface="Roboto"/>
+                <a:sym typeface="Roboto"/>
+              </a:rPr>
+              <a:t>NWO</a:t>
+            </a:r>
+            <a:endParaRPr>
+              <a:solidFill>
+                <a:schemeClr val="dk2"/>
+              </a:solidFill>
+              <a:latin typeface="Roboto"/>
+              <a:ea typeface="Roboto"/>
+              <a:cs typeface="Roboto"/>
+              <a:sym typeface="Roboto"/>
+            </a:endParaRPr>
+          </a:p>
+        </p:txBody>
+      </p:sp>
+      <p:sp>
+        <p:nvSpPr>
+          <p:cNvPr id="173" name="Google Shape;173;p26"/>
+          <p:cNvSpPr/>
+          <p:nvPr/>
+        </p:nvSpPr>
+        <p:spPr>
+          <a:xfrm rot="-10187366">
+            <a:off x="3639178" y="3780897"/>
+            <a:ext cx="1076346" cy="1098944"/>
+          </a:xfrm>
+          <a:prstGeom prst="teardrop">
+            <a:avLst>
+              <a:gd name="adj" fmla="val 125256"/>
+            </a:avLst>
+          </a:prstGeom>
+          <a:solidFill>
+            <a:srgbClr val="FFD966"/>
+          </a:solidFill>
+          <a:ln w="9525" cap="flat" cmpd="sng">
+            <a:solidFill>
+              <a:schemeClr val="dk2"/>
+            </a:solidFill>
+            <a:prstDash val="solid"/>
+            <a:round/>
+            <a:headEnd type="none" w="sm" len="sm"/>
+            <a:tailEnd type="none" w="sm" len="sm"/>
+          </a:ln>
+        </p:spPr>
+        <p:txBody>
+          <a:bodyPr spcFirstLastPara="1" wrap="square" lIns="91425" tIns="91425" rIns="91425" bIns="91425" anchor="ctr" anchorCtr="0">
+            <a:noAutofit/>
+          </a:bodyPr>
+          <a:lstStyle/>
+          <a:p>
+            <a:pPr marL="0" lvl="0" indent="0" algn="l" rtl="0">
+              <a:spcBef>
+                <a:spcPts val="0"/>
+              </a:spcBef>
+              <a:spcAft>
+                <a:spcPts val="0"/>
+              </a:spcAft>
+              <a:buNone/>
+            </a:pPr>
+            <a:endParaRPr>
+              <a:solidFill>
+                <a:schemeClr val="dk2"/>
+              </a:solidFill>
+              <a:latin typeface="Roboto"/>
+              <a:ea typeface="Roboto"/>
+              <a:cs typeface="Roboto"/>
+              <a:sym typeface="Roboto"/>
+            </a:endParaRPr>
+          </a:p>
+        </p:txBody>
+      </p:sp>
+      <p:sp>
+        <p:nvSpPr>
+          <p:cNvPr id="174" name="Google Shape;174;p26"/>
+          <p:cNvSpPr/>
+          <p:nvPr/>
+        </p:nvSpPr>
+        <p:spPr>
+          <a:xfrm rot="-5782781" flipH="1">
+            <a:off x="5182097" y="3663494"/>
+            <a:ext cx="961152" cy="1098173"/>
+          </a:xfrm>
+          <a:prstGeom prst="teardrop">
+            <a:avLst>
+              <a:gd name="adj" fmla="val 125256"/>
+            </a:avLst>
+          </a:prstGeom>
+          <a:solidFill>
+            <a:srgbClr val="FFD966"/>
+          </a:solidFill>
+          <a:ln w="9525" cap="flat" cmpd="sng">
+            <a:solidFill>
+              <a:schemeClr val="dk2"/>
+            </a:solidFill>
+            <a:prstDash val="solid"/>
+            <a:round/>
+            <a:headEnd type="none" w="sm" len="sm"/>
+            <a:tailEnd type="none" w="sm" len="sm"/>
+          </a:ln>
+        </p:spPr>
+        <p:txBody>
+          <a:bodyPr spcFirstLastPara="1" wrap="square" lIns="91425" tIns="91425" rIns="91425" bIns="91425" anchor="ctr" anchorCtr="0">
+            <a:noAutofit/>
+          </a:bodyPr>
+          <a:lstStyle/>
+          <a:p>
+            <a:pPr marL="0" lvl="0" indent="0" algn="l" rtl="0">
+              <a:spcBef>
+                <a:spcPts val="0"/>
+              </a:spcBef>
+              <a:spcAft>
+                <a:spcPts val="0"/>
+              </a:spcAft>
+              <a:buNone/>
+            </a:pPr>
+            <a:endParaRPr>
+              <a:solidFill>
+                <a:schemeClr val="dk2"/>
+              </a:solidFill>
+              <a:latin typeface="Roboto"/>
+              <a:ea typeface="Roboto"/>
+              <a:cs typeface="Roboto"/>
+              <a:sym typeface="Roboto"/>
+            </a:endParaRPr>
+          </a:p>
+        </p:txBody>
+      </p:sp>
+      <p:sp>
+        <p:nvSpPr>
+          <p:cNvPr id="175" name="Google Shape;175;p26"/>
+          <p:cNvSpPr/>
+          <p:nvPr/>
+        </p:nvSpPr>
+        <p:spPr>
+          <a:xfrm rot="-7678441">
+            <a:off x="3870187" y="3079519"/>
+            <a:ext cx="959038" cy="1101818"/>
+          </a:xfrm>
+          <a:prstGeom prst="teardrop">
+            <a:avLst>
+              <a:gd name="adj" fmla="val 125256"/>
+            </a:avLst>
+          </a:prstGeom>
+          <a:solidFill>
+            <a:srgbClr val="FFD966"/>
+          </a:solidFill>
+          <a:ln w="9525" cap="flat" cmpd="sng">
+            <a:solidFill>
+              <a:schemeClr val="dk2"/>
+            </a:solidFill>
+            <a:prstDash val="solid"/>
+            <a:round/>
+            <a:headEnd type="none" w="sm" len="sm"/>
+            <a:tailEnd type="none" w="sm" len="sm"/>
+          </a:ln>
+        </p:spPr>
+        <p:txBody>
+          <a:bodyPr spcFirstLastPara="1" wrap="square" lIns="91425" tIns="91425" rIns="91425" bIns="91425" anchor="ctr" anchorCtr="0">
+            <a:noAutofit/>
+          </a:bodyPr>
+          <a:lstStyle/>
+          <a:p>
+            <a:pPr marL="0" lvl="0" indent="0" algn="l" rtl="0">
+              <a:spcBef>
+                <a:spcPts val="0"/>
+              </a:spcBef>
+              <a:spcAft>
+                <a:spcPts val="0"/>
+              </a:spcAft>
+              <a:buNone/>
+            </a:pPr>
+            <a:endParaRPr>
+              <a:solidFill>
+                <a:schemeClr val="dk2"/>
+              </a:solidFill>
+              <a:latin typeface="Roboto"/>
+              <a:ea typeface="Roboto"/>
+              <a:cs typeface="Roboto"/>
+              <a:sym typeface="Roboto"/>
+            </a:endParaRPr>
+          </a:p>
+        </p:txBody>
+      </p:sp>
+      <p:sp>
+        <p:nvSpPr>
+          <p:cNvPr id="176" name="Google Shape;176;p26"/>
+          <p:cNvSpPr/>
+          <p:nvPr/>
+        </p:nvSpPr>
+        <p:spPr>
+          <a:xfrm rot="8683438">
+            <a:off x="4241131" y="3802569"/>
+            <a:ext cx="946986" cy="1112827"/>
+          </a:xfrm>
+          <a:prstGeom prst="teardrop">
+            <a:avLst>
+              <a:gd name="adj" fmla="val 125256"/>
+            </a:avLst>
+          </a:prstGeom>
+          <a:solidFill>
+            <a:srgbClr val="FFD966"/>
+          </a:solidFill>
+          <a:ln w="9525" cap="flat" cmpd="sng">
+            <a:solidFill>
+              <a:schemeClr val="dk2"/>
+            </a:solidFill>
+            <a:prstDash val="solid"/>
+            <a:round/>
+            <a:headEnd type="none" w="sm" len="sm"/>
+            <a:tailEnd type="none" w="sm" len="sm"/>
+          </a:ln>
+        </p:spPr>
+        <p:txBody>
+          <a:bodyPr spcFirstLastPara="1" wrap="square" lIns="91425" tIns="91425" rIns="91425" bIns="91425" anchor="ctr" anchorCtr="0">
+            <a:noAutofit/>
+          </a:bodyPr>
+          <a:lstStyle/>
+          <a:p>
+            <a:pPr marL="0" lvl="0" indent="0" algn="l" rtl="0">
+              <a:spcBef>
+                <a:spcPts val="0"/>
+              </a:spcBef>
+              <a:spcAft>
+                <a:spcPts val="0"/>
+              </a:spcAft>
+              <a:buNone/>
+            </a:pPr>
+            <a:endParaRPr>
+              <a:solidFill>
+                <a:schemeClr val="dk2"/>
+              </a:solidFill>
+              <a:latin typeface="Roboto"/>
+              <a:ea typeface="Roboto"/>
+              <a:cs typeface="Roboto"/>
+              <a:sym typeface="Roboto"/>
+            </a:endParaRPr>
+          </a:p>
+        </p:txBody>
+      </p:sp>
+      <p:sp>
+        <p:nvSpPr>
+          <p:cNvPr id="177" name="Google Shape;177;p26"/>
+          <p:cNvSpPr/>
+          <p:nvPr/>
+        </p:nvSpPr>
+        <p:spPr>
+          <a:xfrm rot="-9533352" flipH="1">
+            <a:off x="6800839" y="3192541"/>
+            <a:ext cx="942881" cy="1118766"/>
+          </a:xfrm>
+          <a:prstGeom prst="teardrop">
+            <a:avLst>
+              <a:gd name="adj" fmla="val 125256"/>
+            </a:avLst>
+          </a:prstGeom>
+          <a:solidFill>
+            <a:srgbClr val="FFD966"/>
+          </a:solidFill>
+          <a:ln w="9525" cap="flat" cmpd="sng">
+            <a:solidFill>
+              <a:schemeClr val="dk2"/>
+            </a:solidFill>
+            <a:prstDash val="solid"/>
+            <a:round/>
+            <a:headEnd type="none" w="sm" len="sm"/>
+            <a:tailEnd type="none" w="sm" len="sm"/>
+          </a:ln>
+        </p:spPr>
+        <p:txBody>
+          <a:bodyPr spcFirstLastPara="1" wrap="square" lIns="91425" tIns="91425" rIns="91425" bIns="91425" anchor="ctr" anchorCtr="0">
+            <a:noAutofit/>
+          </a:bodyPr>
+          <a:lstStyle/>
+          <a:p>
+            <a:pPr marL="0" lvl="0" indent="0" algn="l" rtl="0">
+              <a:spcBef>
+                <a:spcPts val="0"/>
+              </a:spcBef>
+              <a:spcAft>
+                <a:spcPts val="0"/>
+              </a:spcAft>
+              <a:buNone/>
+            </a:pPr>
+            <a:endParaRPr>
+              <a:solidFill>
+                <a:schemeClr val="dk2"/>
+              </a:solidFill>
+              <a:latin typeface="Roboto"/>
+              <a:ea typeface="Roboto"/>
+              <a:cs typeface="Roboto"/>
+              <a:sym typeface="Roboto"/>
+            </a:endParaRPr>
+          </a:p>
+        </p:txBody>
+      </p:sp>
+      <p:sp>
+        <p:nvSpPr>
+          <p:cNvPr id="178" name="Google Shape;178;p26"/>
+          <p:cNvSpPr/>
+          <p:nvPr/>
+        </p:nvSpPr>
+        <p:spPr>
+          <a:xfrm rot="-767528">
+            <a:off x="6852525" y="635408"/>
+            <a:ext cx="941673" cy="1120509"/>
+          </a:xfrm>
+          <a:prstGeom prst="teardrop">
+            <a:avLst>
+              <a:gd name="adj" fmla="val 125256"/>
+            </a:avLst>
+          </a:prstGeom>
+          <a:solidFill>
+            <a:srgbClr val="FFD966"/>
+          </a:solidFill>
+          <a:ln w="9525" cap="flat" cmpd="sng">
+            <a:solidFill>
+              <a:schemeClr val="dk2"/>
+            </a:solidFill>
+            <a:prstDash val="solid"/>
+            <a:round/>
+            <a:headEnd type="none" w="sm" len="sm"/>
+            <a:tailEnd type="none" w="sm" len="sm"/>
+          </a:ln>
+        </p:spPr>
+        <p:txBody>
+          <a:bodyPr spcFirstLastPara="1" wrap="square" lIns="91425" tIns="91425" rIns="91425" bIns="91425" anchor="t" anchorCtr="0">
+            <a:noAutofit/>
+          </a:bodyPr>
+          <a:lstStyle/>
+          <a:p>
+            <a:pPr marL="0" lvl="0" indent="0" algn="r" rtl="0">
+              <a:spcBef>
+                <a:spcPts val="0"/>
+              </a:spcBef>
+              <a:spcAft>
+                <a:spcPts val="0"/>
+              </a:spcAft>
+              <a:buNone/>
+            </a:pPr>
+            <a:r>
+              <a:rPr lang="en-GB">
+                <a:solidFill>
+                  <a:schemeClr val="dk2"/>
+                </a:solidFill>
+                <a:latin typeface="Roboto"/>
+                <a:ea typeface="Roboto"/>
+                <a:cs typeface="Roboto"/>
+                <a:sym typeface="Roboto"/>
+              </a:rPr>
+              <a:t>KWF</a:t>
+            </a:r>
+            <a:endParaRPr>
+              <a:solidFill>
+                <a:schemeClr val="dk2"/>
+              </a:solidFill>
+              <a:latin typeface="Roboto"/>
+              <a:ea typeface="Roboto"/>
+              <a:cs typeface="Roboto"/>
+              <a:sym typeface="Roboto"/>
+            </a:endParaRPr>
+          </a:p>
+        </p:txBody>
+      </p:sp>
+      <p:sp>
+        <p:nvSpPr>
+          <p:cNvPr id="179" name="Google Shape;179;p26"/>
+          <p:cNvSpPr/>
+          <p:nvPr/>
+        </p:nvSpPr>
+        <p:spPr>
+          <a:xfrm rot="-2369681" flipH="1">
+            <a:off x="3213005" y="1719928"/>
+            <a:ext cx="948575" cy="1114175"/>
+          </a:xfrm>
+          <a:prstGeom prst="teardrop">
+            <a:avLst>
+              <a:gd name="adj" fmla="val 125256"/>
+            </a:avLst>
+          </a:prstGeom>
+          <a:solidFill>
+            <a:srgbClr val="FFD966"/>
+          </a:solidFill>
+          <a:ln w="9525" cap="flat" cmpd="sng">
+            <a:solidFill>
+              <a:schemeClr val="dk2"/>
+            </a:solidFill>
+            <a:prstDash val="solid"/>
+            <a:round/>
+            <a:headEnd type="none" w="sm" len="sm"/>
+            <a:tailEnd type="none" w="sm" len="sm"/>
+          </a:ln>
+        </p:spPr>
+        <p:txBody>
+          <a:bodyPr spcFirstLastPara="1" wrap="square" lIns="91425" tIns="91425" rIns="91425" bIns="91425" anchor="ctr" anchorCtr="0">
+            <a:noAutofit/>
+          </a:bodyPr>
+          <a:lstStyle/>
+          <a:p>
+            <a:pPr marL="0" lvl="0" indent="0" algn="l" rtl="0">
+              <a:spcBef>
+                <a:spcPts val="0"/>
+              </a:spcBef>
+              <a:spcAft>
+                <a:spcPts val="0"/>
+              </a:spcAft>
+              <a:buNone/>
+            </a:pPr>
+            <a:endParaRPr>
+              <a:solidFill>
+                <a:schemeClr val="dk2"/>
+              </a:solidFill>
+              <a:latin typeface="Roboto"/>
+              <a:ea typeface="Roboto"/>
+              <a:cs typeface="Roboto"/>
+              <a:sym typeface="Roboto"/>
+            </a:endParaRPr>
+          </a:p>
+        </p:txBody>
+      </p:sp>
+      <p:sp>
+        <p:nvSpPr>
+          <p:cNvPr id="180" name="Google Shape;180;p26"/>
+          <p:cNvSpPr/>
+          <p:nvPr/>
+        </p:nvSpPr>
+        <p:spPr>
+          <a:xfrm rot="-10082504">
+            <a:off x="3377526" y="2202219"/>
+            <a:ext cx="941124" cy="1122094"/>
+          </a:xfrm>
+          <a:prstGeom prst="teardrop">
+            <a:avLst>
+              <a:gd name="adj" fmla="val 125256"/>
+            </a:avLst>
+          </a:prstGeom>
+          <a:solidFill>
+            <a:srgbClr val="FFD966"/>
+          </a:solidFill>
+          <a:ln w="9525" cap="flat" cmpd="sng">
+            <a:solidFill>
+              <a:schemeClr val="dk2"/>
+            </a:solidFill>
+            <a:prstDash val="solid"/>
+            <a:round/>
+            <a:headEnd type="none" w="sm" len="sm"/>
+            <a:tailEnd type="none" w="sm" len="sm"/>
+          </a:ln>
+        </p:spPr>
+        <p:txBody>
+          <a:bodyPr spcFirstLastPara="1" wrap="square" lIns="91425" tIns="91425" rIns="91425" bIns="91425" anchor="ctr" anchorCtr="0">
+            <a:noAutofit/>
+          </a:bodyPr>
+          <a:lstStyle/>
+          <a:p>
+            <a:pPr marL="0" lvl="0" indent="0" algn="l" rtl="0">
+              <a:spcBef>
+                <a:spcPts val="0"/>
+              </a:spcBef>
+              <a:spcAft>
+                <a:spcPts val="0"/>
+              </a:spcAft>
+              <a:buNone/>
+            </a:pPr>
+            <a:endParaRPr>
+              <a:solidFill>
+                <a:schemeClr val="dk2"/>
+              </a:solidFill>
+              <a:latin typeface="Roboto"/>
+              <a:ea typeface="Roboto"/>
+              <a:cs typeface="Roboto"/>
+              <a:sym typeface="Roboto"/>
+            </a:endParaRPr>
+          </a:p>
+        </p:txBody>
+      </p:sp>
+      <p:sp>
+        <p:nvSpPr>
+          <p:cNvPr id="181" name="Google Shape;181;p26"/>
+          <p:cNvSpPr/>
+          <p:nvPr/>
+        </p:nvSpPr>
+        <p:spPr>
+          <a:xfrm rot="3579564">
+            <a:off x="7021070" y="2783030"/>
+            <a:ext cx="955578" cy="1105718"/>
+          </a:xfrm>
+          <a:prstGeom prst="teardrop">
+            <a:avLst>
+              <a:gd name="adj" fmla="val 125256"/>
+            </a:avLst>
+          </a:prstGeom>
+          <a:solidFill>
+            <a:srgbClr val="FFD966"/>
+          </a:solidFill>
+          <a:ln w="9525" cap="flat" cmpd="sng">
+            <a:solidFill>
+              <a:schemeClr val="dk2"/>
+            </a:solidFill>
+            <a:prstDash val="solid"/>
+            <a:round/>
+            <a:headEnd type="none" w="sm" len="sm"/>
+            <a:tailEnd type="none" w="sm" len="sm"/>
+          </a:ln>
+        </p:spPr>
+        <p:txBody>
+          <a:bodyPr spcFirstLastPara="1" wrap="square" lIns="91425" tIns="91425" rIns="91425" bIns="91425" anchor="ctr" anchorCtr="0">
+            <a:noAutofit/>
+          </a:bodyPr>
+          <a:lstStyle/>
+          <a:p>
+            <a:pPr marL="0" lvl="0" indent="0" algn="l" rtl="0">
+              <a:spcBef>
+                <a:spcPts val="0"/>
+              </a:spcBef>
+              <a:spcAft>
+                <a:spcPts val="0"/>
+              </a:spcAft>
+              <a:buNone/>
+            </a:pPr>
+            <a:endParaRPr>
+              <a:solidFill>
+                <a:schemeClr val="dk2"/>
+              </a:solidFill>
+              <a:latin typeface="Roboto"/>
+              <a:ea typeface="Roboto"/>
+              <a:cs typeface="Roboto"/>
+              <a:sym typeface="Roboto"/>
+            </a:endParaRPr>
+          </a:p>
+        </p:txBody>
+      </p:sp>
+      <p:sp>
+        <p:nvSpPr>
+          <p:cNvPr id="182" name="Google Shape;182;p26"/>
+          <p:cNvSpPr/>
+          <p:nvPr/>
+        </p:nvSpPr>
+        <p:spPr>
+          <a:xfrm rot="6342551">
+            <a:off x="5949195" y="3628624"/>
+            <a:ext cx="959540" cy="1098913"/>
+          </a:xfrm>
+          <a:prstGeom prst="teardrop">
+            <a:avLst>
+              <a:gd name="adj" fmla="val 125256"/>
+            </a:avLst>
+          </a:prstGeom>
+          <a:solidFill>
+            <a:srgbClr val="FFD966"/>
+          </a:solidFill>
+          <a:ln w="9525" cap="flat" cmpd="sng">
+            <a:solidFill>
+              <a:schemeClr val="dk2"/>
+            </a:solidFill>
+            <a:prstDash val="solid"/>
+            <a:round/>
+            <a:headEnd type="none" w="sm" len="sm"/>
+            <a:tailEnd type="none" w="sm" len="sm"/>
+          </a:ln>
+        </p:spPr>
+        <p:txBody>
+          <a:bodyPr spcFirstLastPara="1" wrap="square" lIns="91425" tIns="91425" rIns="91425" bIns="91425" anchor="ctr" anchorCtr="0">
+            <a:noAutofit/>
+          </a:bodyPr>
+          <a:lstStyle/>
+          <a:p>
+            <a:pPr marL="0" lvl="0" indent="0" algn="l" rtl="0">
+              <a:spcBef>
+                <a:spcPts val="0"/>
+              </a:spcBef>
+              <a:spcAft>
+                <a:spcPts val="0"/>
+              </a:spcAft>
+              <a:buNone/>
+            </a:pPr>
+            <a:endParaRPr>
+              <a:solidFill>
+                <a:schemeClr val="dk2"/>
+              </a:solidFill>
+              <a:latin typeface="Roboto"/>
+              <a:ea typeface="Roboto"/>
+              <a:cs typeface="Roboto"/>
+              <a:sym typeface="Roboto"/>
+            </a:endParaRPr>
+          </a:p>
+        </p:txBody>
+      </p:sp>
+      <p:sp>
+        <p:nvSpPr>
+          <p:cNvPr id="183" name="Google Shape;183;p26"/>
+          <p:cNvSpPr/>
+          <p:nvPr/>
+        </p:nvSpPr>
+        <p:spPr>
+          <a:xfrm rot="4917807" flipH="1">
+            <a:off x="5876961" y="349011"/>
+            <a:ext cx="961341" cy="1098096"/>
+          </a:xfrm>
+          <a:prstGeom prst="teardrop">
+            <a:avLst>
+              <a:gd name="adj" fmla="val 125256"/>
+            </a:avLst>
+          </a:prstGeom>
+          <a:solidFill>
+            <a:srgbClr val="FFD966"/>
+          </a:solidFill>
+          <a:ln w="9525" cap="flat" cmpd="sng">
+            <a:solidFill>
+              <a:schemeClr val="dk2"/>
+            </a:solidFill>
+            <a:prstDash val="solid"/>
+            <a:round/>
+            <a:headEnd type="none" w="sm" len="sm"/>
+            <a:tailEnd type="none" w="sm" len="sm"/>
+          </a:ln>
+        </p:spPr>
+        <p:txBody>
+          <a:bodyPr spcFirstLastPara="1" wrap="square" lIns="91425" tIns="91425" rIns="91425" bIns="91425" anchor="ctr" anchorCtr="0">
+            <a:noAutofit/>
+          </a:bodyPr>
+          <a:lstStyle/>
+          <a:p>
+            <a:pPr marL="0" lvl="0" indent="0" algn="l" rtl="0">
+              <a:spcBef>
+                <a:spcPts val="0"/>
+              </a:spcBef>
+              <a:spcAft>
+                <a:spcPts val="0"/>
+              </a:spcAft>
+              <a:buNone/>
+            </a:pPr>
+            <a:endParaRPr>
+              <a:solidFill>
+                <a:schemeClr val="dk2"/>
+              </a:solidFill>
+              <a:latin typeface="Roboto"/>
+              <a:ea typeface="Roboto"/>
+              <a:cs typeface="Roboto"/>
+              <a:sym typeface="Roboto"/>
+            </a:endParaRPr>
+          </a:p>
+        </p:txBody>
+      </p:sp>
+      <p:sp>
+        <p:nvSpPr>
+          <p:cNvPr id="184" name="Google Shape;184;p26"/>
+          <p:cNvSpPr/>
+          <p:nvPr/>
+        </p:nvSpPr>
+        <p:spPr>
+          <a:xfrm rot="-5028002">
+            <a:off x="5147658" y="364173"/>
+            <a:ext cx="961122" cy="1097981"/>
+          </a:xfrm>
+          <a:prstGeom prst="teardrop">
+            <a:avLst>
+              <a:gd name="adj" fmla="val 125256"/>
+            </a:avLst>
+          </a:prstGeom>
+          <a:solidFill>
+            <a:srgbClr val="FFD966"/>
+          </a:solidFill>
+          <a:ln w="9525" cap="flat" cmpd="sng">
+            <a:solidFill>
+              <a:schemeClr val="dk2"/>
+            </a:solidFill>
+            <a:prstDash val="solid"/>
+            <a:round/>
+            <a:headEnd type="none" w="sm" len="sm"/>
+            <a:tailEnd type="none" w="sm" len="sm"/>
+          </a:ln>
+        </p:spPr>
+        <p:txBody>
+          <a:bodyPr spcFirstLastPara="1" wrap="square" lIns="91425" tIns="91425" rIns="91425" bIns="91425" anchor="ctr" anchorCtr="0">
+            <a:noAutofit/>
+          </a:bodyPr>
+          <a:lstStyle/>
+          <a:p>
+            <a:pPr marL="0" lvl="0" indent="0" algn="l" rtl="0">
+              <a:spcBef>
+                <a:spcPts val="0"/>
+              </a:spcBef>
+              <a:spcAft>
+                <a:spcPts val="0"/>
+              </a:spcAft>
+              <a:buNone/>
+            </a:pPr>
+            <a:endParaRPr>
+              <a:solidFill>
+                <a:schemeClr val="dk2"/>
+              </a:solidFill>
+              <a:latin typeface="Roboto"/>
+              <a:ea typeface="Roboto"/>
+              <a:cs typeface="Roboto"/>
+              <a:sym typeface="Roboto"/>
+            </a:endParaRPr>
+          </a:p>
+        </p:txBody>
+      </p:sp>
+      <p:sp>
+        <p:nvSpPr>
+          <p:cNvPr id="185" name="Google Shape;185;p26"/>
+          <p:cNvSpPr/>
+          <p:nvPr/>
+        </p:nvSpPr>
+        <p:spPr>
+          <a:xfrm rot="-4457449">
+            <a:off x="3738405" y="473279"/>
+            <a:ext cx="959540" cy="1098913"/>
+          </a:xfrm>
+          <a:prstGeom prst="teardrop">
+            <a:avLst>
+              <a:gd name="adj" fmla="val 125256"/>
+            </a:avLst>
+          </a:prstGeom>
+          <a:solidFill>
+            <a:srgbClr val="FFD966"/>
+          </a:solidFill>
+          <a:ln w="9525" cap="flat" cmpd="sng">
+            <a:solidFill>
+              <a:schemeClr val="dk2"/>
+            </a:solidFill>
+            <a:prstDash val="solid"/>
+            <a:round/>
+            <a:headEnd type="none" w="sm" len="sm"/>
+            <a:tailEnd type="none" w="sm" len="sm"/>
+          </a:ln>
+        </p:spPr>
+        <p:txBody>
+          <a:bodyPr spcFirstLastPara="1" wrap="square" lIns="91425" tIns="91425" rIns="91425" bIns="91425" anchor="ctr" anchorCtr="0">
+            <a:noAutofit/>
+          </a:bodyPr>
+          <a:lstStyle/>
+          <a:p>
+            <a:pPr marL="0" lvl="0" indent="0" algn="l" rtl="0">
+              <a:spcBef>
+                <a:spcPts val="0"/>
+              </a:spcBef>
+              <a:spcAft>
+                <a:spcPts val="0"/>
+              </a:spcAft>
+              <a:buNone/>
+            </a:pPr>
+            <a:endParaRPr>
+              <a:solidFill>
+                <a:schemeClr val="dk2"/>
+              </a:solidFill>
+              <a:latin typeface="Roboto"/>
+              <a:ea typeface="Roboto"/>
+              <a:cs typeface="Roboto"/>
+              <a:sym typeface="Roboto"/>
+            </a:endParaRPr>
+          </a:p>
+        </p:txBody>
+      </p:sp>
+      <p:sp>
+        <p:nvSpPr>
+          <p:cNvPr id="186" name="Google Shape;186;p26"/>
+          <p:cNvSpPr txBox="1"/>
+          <p:nvPr/>
+        </p:nvSpPr>
+        <p:spPr>
+          <a:xfrm rot="-1443084">
+            <a:off x="3493255" y="500447"/>
+            <a:ext cx="942202" cy="353898"/>
+          </a:xfrm>
+          <a:prstGeom prst="rect">
+            <a:avLst/>
+          </a:prstGeom>
+          <a:noFill/>
+          <a:ln>
+            <a:noFill/>
+          </a:ln>
+        </p:spPr>
+        <p:txBody>
+          <a:bodyPr spcFirstLastPara="1" wrap="square" lIns="91425" tIns="91425" rIns="91425" bIns="91425" anchor="t" anchorCtr="0">
+            <a:spAutoFit/>
+          </a:bodyPr>
+          <a:lstStyle/>
+          <a:p>
+            <a:pPr marL="0" lvl="0" indent="0" algn="ctr" rtl="0">
+              <a:spcBef>
+                <a:spcPts val="0"/>
+              </a:spcBef>
+              <a:spcAft>
+                <a:spcPts val="0"/>
+              </a:spcAft>
+              <a:buNone/>
+            </a:pPr>
+            <a:r>
+              <a:rPr lang="en-GB" sz="1100">
+                <a:solidFill>
+                  <a:schemeClr val="dk2"/>
+                </a:solidFill>
+                <a:latin typeface="Roboto"/>
+                <a:ea typeface="Roboto"/>
+                <a:cs typeface="Roboto"/>
+                <a:sym typeface="Roboto"/>
+              </a:rPr>
+              <a:t>Proteo</a:t>
+            </a:r>
+            <a:endParaRPr sz="1100">
+              <a:solidFill>
+                <a:schemeClr val="dk2"/>
+              </a:solidFill>
+              <a:latin typeface="Roboto"/>
+              <a:ea typeface="Roboto"/>
+              <a:cs typeface="Roboto"/>
+              <a:sym typeface="Roboto"/>
+            </a:endParaRPr>
+          </a:p>
+        </p:txBody>
+      </p:sp>
+      <p:sp>
+        <p:nvSpPr>
+          <p:cNvPr id="187" name="Google Shape;187;p26"/>
+          <p:cNvSpPr/>
+          <p:nvPr/>
+        </p:nvSpPr>
+        <p:spPr>
+          <a:xfrm rot="1643025">
+            <a:off x="7461907" y="1058663"/>
+            <a:ext cx="901406" cy="1032202"/>
+          </a:xfrm>
+          <a:prstGeom prst="teardrop">
+            <a:avLst>
+              <a:gd name="adj" fmla="val 125256"/>
+            </a:avLst>
+          </a:prstGeom>
+          <a:solidFill>
+            <a:srgbClr val="FFD966"/>
+          </a:solidFill>
+          <a:ln w="9525" cap="flat" cmpd="sng">
+            <a:solidFill>
+              <a:schemeClr val="dk2"/>
+            </a:solidFill>
+            <a:prstDash val="solid"/>
+            <a:round/>
+            <a:headEnd type="none" w="sm" len="sm"/>
+            <a:tailEnd type="none" w="sm" len="sm"/>
+          </a:ln>
+        </p:spPr>
+        <p:txBody>
+          <a:bodyPr spcFirstLastPara="1" wrap="square" lIns="91425" tIns="91425" rIns="91425" bIns="91425" anchor="ctr" anchorCtr="0">
+            <a:noAutofit/>
+          </a:bodyPr>
+          <a:lstStyle/>
+          <a:p>
+            <a:pPr marL="0" lvl="0" indent="0" algn="l" rtl="0">
+              <a:spcBef>
+                <a:spcPts val="0"/>
+              </a:spcBef>
+              <a:spcAft>
+                <a:spcPts val="0"/>
+              </a:spcAft>
+              <a:buNone/>
+            </a:pPr>
+            <a:endParaRPr>
+              <a:solidFill>
+                <a:schemeClr val="dk2"/>
+              </a:solidFill>
+              <a:latin typeface="Roboto"/>
+              <a:ea typeface="Roboto"/>
+              <a:cs typeface="Roboto"/>
+              <a:sym typeface="Roboto"/>
+            </a:endParaRPr>
+          </a:p>
+        </p:txBody>
+      </p:sp>
+      <p:sp>
+        <p:nvSpPr>
+          <p:cNvPr id="188" name="Google Shape;188;p26"/>
+          <p:cNvSpPr/>
+          <p:nvPr/>
+        </p:nvSpPr>
+        <p:spPr>
+          <a:xfrm rot="-5892055">
+            <a:off x="3773051" y="1010830"/>
+            <a:ext cx="961129" cy="1098896"/>
+          </a:xfrm>
+          <a:prstGeom prst="teardrop">
+            <a:avLst>
+              <a:gd name="adj" fmla="val 125256"/>
+            </a:avLst>
+          </a:prstGeom>
+          <a:solidFill>
+            <a:srgbClr val="FFD966"/>
+          </a:solidFill>
+          <a:ln w="9525" cap="flat" cmpd="sng">
+            <a:solidFill>
+              <a:schemeClr val="dk2"/>
+            </a:solidFill>
+            <a:prstDash val="solid"/>
+            <a:round/>
+            <a:headEnd type="none" w="sm" len="sm"/>
+            <a:tailEnd type="none" w="sm" len="sm"/>
+          </a:ln>
+        </p:spPr>
+        <p:txBody>
+          <a:bodyPr spcFirstLastPara="1" wrap="square" lIns="91425" tIns="91425" rIns="91425" bIns="91425" anchor="ctr" anchorCtr="0">
+            <a:noAutofit/>
+          </a:bodyPr>
+          <a:lstStyle/>
+          <a:p>
+            <a:pPr marL="0" lvl="0" indent="0" algn="l" rtl="0">
+              <a:spcBef>
+                <a:spcPts val="0"/>
+              </a:spcBef>
+              <a:spcAft>
+                <a:spcPts val="0"/>
+              </a:spcAft>
+              <a:buNone/>
+            </a:pPr>
+            <a:endParaRPr>
+              <a:solidFill>
+                <a:schemeClr val="dk2"/>
+              </a:solidFill>
+              <a:latin typeface="Roboto"/>
+              <a:ea typeface="Roboto"/>
+              <a:cs typeface="Roboto"/>
+              <a:sym typeface="Roboto"/>
+            </a:endParaRPr>
+          </a:p>
+        </p:txBody>
+      </p:sp>
+      <p:sp>
+        <p:nvSpPr>
+          <p:cNvPr id="189" name="Google Shape;189;p26"/>
+          <p:cNvSpPr/>
+          <p:nvPr/>
+        </p:nvSpPr>
+        <p:spPr>
+          <a:xfrm rot="-1996322">
+            <a:off x="4303793" y="786558"/>
+            <a:ext cx="946566" cy="1113606"/>
+          </a:xfrm>
+          <a:prstGeom prst="teardrop">
+            <a:avLst>
+              <a:gd name="adj" fmla="val 125256"/>
+            </a:avLst>
+          </a:prstGeom>
+          <a:solidFill>
+            <a:srgbClr val="FFD966"/>
+          </a:solidFill>
+          <a:ln w="9525" cap="flat" cmpd="sng">
+            <a:solidFill>
+              <a:schemeClr val="dk2"/>
+            </a:solidFill>
+            <a:prstDash val="solid"/>
+            <a:round/>
+            <a:headEnd type="none" w="sm" len="sm"/>
+            <a:tailEnd type="none" w="sm" len="sm"/>
+          </a:ln>
+        </p:spPr>
+        <p:txBody>
+          <a:bodyPr spcFirstLastPara="1" wrap="square" lIns="91425" tIns="91425" rIns="91425" bIns="91425" anchor="ctr" anchorCtr="0">
+            <a:noAutofit/>
+          </a:bodyPr>
+          <a:lstStyle/>
+          <a:p>
+            <a:pPr marL="0" lvl="0" indent="0" algn="l" rtl="0">
+              <a:spcBef>
+                <a:spcPts val="0"/>
+              </a:spcBef>
+              <a:spcAft>
+                <a:spcPts val="0"/>
+              </a:spcAft>
+              <a:buNone/>
+            </a:pPr>
+            <a:endParaRPr>
+              <a:solidFill>
+                <a:schemeClr val="dk2"/>
+              </a:solidFill>
+              <a:latin typeface="Roboto"/>
+              <a:ea typeface="Roboto"/>
+              <a:cs typeface="Roboto"/>
+              <a:sym typeface="Roboto"/>
+            </a:endParaRPr>
+          </a:p>
+        </p:txBody>
+      </p:sp>
+      <p:sp>
+        <p:nvSpPr>
+          <p:cNvPr id="190" name="Google Shape;190;p26"/>
+          <p:cNvSpPr/>
+          <p:nvPr/>
+        </p:nvSpPr>
+        <p:spPr>
+          <a:xfrm rot="2624157">
+            <a:off x="7101930" y="1762574"/>
+            <a:ext cx="1442425" cy="1377924"/>
+          </a:xfrm>
+          <a:prstGeom prst="teardrop">
+            <a:avLst>
+              <a:gd name="adj" fmla="val 126091"/>
+            </a:avLst>
+          </a:prstGeom>
+          <a:solidFill>
+            <a:srgbClr val="F1C232"/>
+          </a:solidFill>
+          <a:ln w="9525" cap="flat" cmpd="sng">
+            <a:solidFill>
+              <a:schemeClr val="dk2"/>
+            </a:solidFill>
+            <a:prstDash val="solid"/>
+            <a:round/>
+            <a:headEnd type="none" w="sm" len="sm"/>
+            <a:tailEnd type="none" w="sm" len="sm"/>
+          </a:ln>
+        </p:spPr>
+        <p:txBody>
+          <a:bodyPr spcFirstLastPara="1" wrap="square" lIns="91425" tIns="91425" rIns="91425" bIns="91425" anchor="ctr" anchorCtr="0">
+            <a:noAutofit/>
+          </a:bodyPr>
+          <a:lstStyle/>
+          <a:p>
+            <a:pPr marL="0" marR="0" lvl="0" indent="0" algn="l" rtl="0">
+              <a:lnSpc>
+                <a:spcPct val="100000"/>
+              </a:lnSpc>
+              <a:spcBef>
+                <a:spcPts val="0"/>
+              </a:spcBef>
+              <a:spcAft>
+                <a:spcPts val="0"/>
+              </a:spcAft>
+              <a:buNone/>
+            </a:pPr>
+            <a:endParaRPr>
+              <a:solidFill>
+                <a:schemeClr val="dk2"/>
+              </a:solidFill>
+              <a:latin typeface="Roboto"/>
+              <a:ea typeface="Roboto"/>
+              <a:cs typeface="Roboto"/>
+              <a:sym typeface="Roboto"/>
+            </a:endParaRPr>
+          </a:p>
+        </p:txBody>
+      </p:sp>
+      <p:sp>
+        <p:nvSpPr>
+          <p:cNvPr id="191" name="Google Shape;191;p26"/>
+          <p:cNvSpPr/>
+          <p:nvPr/>
+        </p:nvSpPr>
+        <p:spPr>
+          <a:xfrm rot="-5400000">
+            <a:off x="4316639" y="1171847"/>
+            <a:ext cx="2181300" cy="2210400"/>
+          </a:xfrm>
+          <a:prstGeom prst="teardrop">
+            <a:avLst>
+              <a:gd name="adj" fmla="val 130446"/>
+            </a:avLst>
+          </a:prstGeom>
+          <a:solidFill>
+            <a:srgbClr val="F1C232"/>
+          </a:solidFill>
+          <a:ln w="9525" cap="flat" cmpd="sng">
+            <a:solidFill>
+              <a:schemeClr val="dk2"/>
+            </a:solidFill>
+            <a:prstDash val="solid"/>
+            <a:round/>
+            <a:headEnd type="none" w="sm" len="sm"/>
+            <a:tailEnd type="none" w="sm" len="sm"/>
+          </a:ln>
+        </p:spPr>
+        <p:txBody>
+          <a:bodyPr spcFirstLastPara="1" wrap="square" lIns="91425" tIns="91425" rIns="91425" bIns="91425" anchor="ctr" anchorCtr="0">
+            <a:noAutofit/>
+          </a:bodyPr>
+          <a:lstStyle/>
+          <a:p>
+            <a:pPr marL="0" marR="0" lvl="0" indent="0" algn="l" rtl="0">
+              <a:lnSpc>
+                <a:spcPct val="100000"/>
+              </a:lnSpc>
+              <a:spcBef>
+                <a:spcPts val="0"/>
+              </a:spcBef>
+              <a:spcAft>
+                <a:spcPts val="0"/>
+              </a:spcAft>
+              <a:buNone/>
+            </a:pPr>
+            <a:endParaRPr>
+              <a:solidFill>
+                <a:schemeClr val="dk2"/>
+              </a:solidFill>
+              <a:latin typeface="Roboto"/>
+              <a:ea typeface="Roboto"/>
+              <a:cs typeface="Roboto"/>
+              <a:sym typeface="Roboto"/>
+            </a:endParaRPr>
+          </a:p>
+        </p:txBody>
+      </p:sp>
+      <p:sp>
+        <p:nvSpPr>
+          <p:cNvPr id="192" name="Google Shape;192;p26"/>
+          <p:cNvSpPr/>
+          <p:nvPr/>
+        </p:nvSpPr>
+        <p:spPr>
+          <a:xfrm rot="-5400000" flipH="1">
+            <a:off x="4316639" y="2179047"/>
+            <a:ext cx="2181300" cy="2210400"/>
+          </a:xfrm>
+          <a:prstGeom prst="teardrop">
+            <a:avLst>
+              <a:gd name="adj" fmla="val 130446"/>
+            </a:avLst>
+          </a:prstGeom>
+          <a:solidFill>
+            <a:srgbClr val="F1C232"/>
+          </a:solidFill>
+          <a:ln w="9525" cap="flat" cmpd="sng">
+            <a:solidFill>
+              <a:schemeClr val="dk2"/>
+            </a:solidFill>
+            <a:prstDash val="solid"/>
+            <a:round/>
+            <a:headEnd type="none" w="sm" len="sm"/>
+            <a:tailEnd type="none" w="sm" len="sm"/>
+          </a:ln>
+        </p:spPr>
+        <p:txBody>
+          <a:bodyPr spcFirstLastPara="1" wrap="square" lIns="91425" tIns="91425" rIns="91425" bIns="91425" anchor="ctr" anchorCtr="0">
+            <a:noAutofit/>
+          </a:bodyPr>
+          <a:lstStyle/>
+          <a:p>
+            <a:pPr marL="0" marR="0" lvl="0" indent="0" algn="l" rtl="0">
+              <a:lnSpc>
+                <a:spcPct val="100000"/>
+              </a:lnSpc>
+              <a:spcBef>
+                <a:spcPts val="0"/>
+              </a:spcBef>
+              <a:spcAft>
+                <a:spcPts val="0"/>
+              </a:spcAft>
+              <a:buNone/>
+            </a:pPr>
+            <a:endParaRPr>
+              <a:solidFill>
+                <a:schemeClr val="dk2"/>
+              </a:solidFill>
+              <a:latin typeface="Roboto"/>
+              <a:ea typeface="Roboto"/>
+              <a:cs typeface="Roboto"/>
+              <a:sym typeface="Roboto"/>
+            </a:endParaRPr>
+          </a:p>
+        </p:txBody>
+      </p:sp>
+      <p:sp>
+        <p:nvSpPr>
+          <p:cNvPr id="193" name="Google Shape;193;p26"/>
+          <p:cNvSpPr/>
+          <p:nvPr/>
+        </p:nvSpPr>
+        <p:spPr>
+          <a:xfrm rot="5400000">
+            <a:off x="6360163" y="2468330"/>
+            <a:ext cx="1410000" cy="1408200"/>
+          </a:xfrm>
+          <a:prstGeom prst="teardrop">
+            <a:avLst>
+              <a:gd name="adj" fmla="val 159381"/>
+            </a:avLst>
+          </a:prstGeom>
+          <a:solidFill>
+            <a:srgbClr val="F1C232"/>
+          </a:solidFill>
+          <a:ln w="9525" cap="flat" cmpd="sng">
+            <a:solidFill>
+              <a:schemeClr val="dk2"/>
+            </a:solidFill>
+            <a:prstDash val="solid"/>
+            <a:round/>
+            <a:headEnd type="none" w="sm" len="sm"/>
+            <a:tailEnd type="none" w="sm" len="sm"/>
+          </a:ln>
+        </p:spPr>
+        <p:txBody>
+          <a:bodyPr spcFirstLastPara="1" wrap="square" lIns="91425" tIns="91425" rIns="91425" bIns="91425" anchor="ctr" anchorCtr="0">
+            <a:noAutofit/>
+          </a:bodyPr>
+          <a:lstStyle/>
+          <a:p>
+            <a:pPr marL="0" marR="0" lvl="0" indent="0" algn="l" rtl="0">
+              <a:lnSpc>
+                <a:spcPct val="100000"/>
+              </a:lnSpc>
+              <a:spcBef>
+                <a:spcPts val="0"/>
+              </a:spcBef>
+              <a:spcAft>
+                <a:spcPts val="0"/>
+              </a:spcAft>
+              <a:buNone/>
+            </a:pPr>
+            <a:endParaRPr>
+              <a:solidFill>
+                <a:schemeClr val="dk2"/>
+              </a:solidFill>
+              <a:latin typeface="Roboto"/>
+              <a:ea typeface="Roboto"/>
+              <a:cs typeface="Roboto"/>
+              <a:sym typeface="Roboto"/>
+            </a:endParaRPr>
+          </a:p>
+        </p:txBody>
+      </p:sp>
+      <p:sp>
+        <p:nvSpPr>
+          <p:cNvPr id="194" name="Google Shape;194;p26"/>
+          <p:cNvSpPr/>
+          <p:nvPr/>
+        </p:nvSpPr>
+        <p:spPr>
+          <a:xfrm rot="8037705">
+            <a:off x="5299227" y="3193707"/>
+            <a:ext cx="1439977" cy="1380500"/>
+          </a:xfrm>
+          <a:prstGeom prst="teardrop">
+            <a:avLst>
+              <a:gd name="adj" fmla="val 130469"/>
+            </a:avLst>
+          </a:prstGeom>
+          <a:solidFill>
+            <a:srgbClr val="F1C232"/>
+          </a:solidFill>
+          <a:ln w="9525" cap="flat" cmpd="sng">
+            <a:solidFill>
+              <a:schemeClr val="dk2"/>
+            </a:solidFill>
+            <a:prstDash val="solid"/>
+            <a:round/>
+            <a:headEnd type="none" w="sm" len="sm"/>
+            <a:tailEnd type="none" w="sm" len="sm"/>
+          </a:ln>
+        </p:spPr>
+        <p:txBody>
+          <a:bodyPr spcFirstLastPara="1" wrap="square" lIns="91425" tIns="91425" rIns="91425" bIns="91425" anchor="ctr" anchorCtr="0">
+            <a:noAutofit/>
+          </a:bodyPr>
+          <a:lstStyle/>
+          <a:p>
+            <a:pPr marL="0" marR="0" lvl="0" indent="0" algn="l" rtl="0">
+              <a:lnSpc>
+                <a:spcPct val="100000"/>
+              </a:lnSpc>
+              <a:spcBef>
+                <a:spcPts val="0"/>
+              </a:spcBef>
+              <a:spcAft>
+                <a:spcPts val="0"/>
+              </a:spcAft>
+              <a:buNone/>
+            </a:pPr>
+            <a:endParaRPr>
+              <a:solidFill>
+                <a:schemeClr val="dk2"/>
+              </a:solidFill>
+              <a:latin typeface="Roboto"/>
+              <a:ea typeface="Roboto"/>
+              <a:cs typeface="Roboto"/>
+              <a:sym typeface="Roboto"/>
+            </a:endParaRPr>
+          </a:p>
+        </p:txBody>
+      </p:sp>
+      <p:sp>
+        <p:nvSpPr>
+          <p:cNvPr id="195" name="Google Shape;195;p26"/>
+          <p:cNvSpPr/>
+          <p:nvPr/>
+        </p:nvSpPr>
+        <p:spPr>
+          <a:xfrm rot="-2623641">
+            <a:off x="5297952" y="582867"/>
+            <a:ext cx="1442217" cy="1377924"/>
+          </a:xfrm>
+          <a:prstGeom prst="teardrop">
+            <a:avLst>
+              <a:gd name="adj" fmla="val 148163"/>
+            </a:avLst>
+          </a:prstGeom>
+          <a:solidFill>
+            <a:srgbClr val="F1C232"/>
+          </a:solidFill>
+          <a:ln w="9525" cap="flat" cmpd="sng">
+            <a:solidFill>
+              <a:schemeClr val="dk2"/>
+            </a:solidFill>
+            <a:prstDash val="solid"/>
+            <a:round/>
+            <a:headEnd type="none" w="sm" len="sm"/>
+            <a:tailEnd type="none" w="sm" len="sm"/>
+          </a:ln>
+        </p:spPr>
+        <p:txBody>
+          <a:bodyPr spcFirstLastPara="1" wrap="square" lIns="91425" tIns="91425" rIns="91425" bIns="91425" anchor="ctr" anchorCtr="0">
+            <a:noAutofit/>
+          </a:bodyPr>
+          <a:lstStyle/>
+          <a:p>
+            <a:pPr marL="0" lvl="0" indent="0" algn="l" rtl="0">
+              <a:spcBef>
+                <a:spcPts val="0"/>
+              </a:spcBef>
+              <a:spcAft>
+                <a:spcPts val="0"/>
+              </a:spcAft>
+              <a:buNone/>
+            </a:pPr>
+            <a:endParaRPr>
+              <a:solidFill>
+                <a:schemeClr val="dk2"/>
+              </a:solidFill>
+              <a:latin typeface="Roboto"/>
+              <a:ea typeface="Roboto"/>
+              <a:cs typeface="Roboto"/>
+              <a:sym typeface="Roboto"/>
+            </a:endParaRPr>
+          </a:p>
+        </p:txBody>
+      </p:sp>
+      <p:sp>
+        <p:nvSpPr>
+          <p:cNvPr id="196" name="Google Shape;196;p26"/>
+          <p:cNvSpPr/>
+          <p:nvPr/>
+        </p:nvSpPr>
+        <p:spPr>
+          <a:xfrm>
+            <a:off x="5763479" y="1186235"/>
+            <a:ext cx="2038500" cy="1904100"/>
+          </a:xfrm>
+          <a:prstGeom prst="teardrop">
+            <a:avLst>
+              <a:gd name="adj" fmla="val 125791"/>
+            </a:avLst>
+          </a:prstGeom>
+          <a:solidFill>
+            <a:srgbClr val="F1C232"/>
+          </a:solidFill>
+          <a:ln w="9525" cap="flat" cmpd="sng">
+            <a:solidFill>
+              <a:schemeClr val="dk2"/>
+            </a:solidFill>
+            <a:prstDash val="solid"/>
+            <a:round/>
+            <a:headEnd type="none" w="sm" len="sm"/>
+            <a:tailEnd type="none" w="sm" len="sm"/>
+          </a:ln>
+        </p:spPr>
+        <p:txBody>
+          <a:bodyPr spcFirstLastPara="1" wrap="square" lIns="91425" tIns="91425" rIns="91425" bIns="91425" anchor="ctr" anchorCtr="0">
+            <a:noAutofit/>
+          </a:bodyPr>
+          <a:lstStyle/>
+          <a:p>
+            <a:pPr marL="0" marR="0" lvl="0" indent="0" algn="l" rtl="0">
+              <a:lnSpc>
+                <a:spcPct val="100000"/>
+              </a:lnSpc>
+              <a:spcBef>
+                <a:spcPts val="0"/>
+              </a:spcBef>
+              <a:spcAft>
+                <a:spcPts val="0"/>
+              </a:spcAft>
+              <a:buNone/>
+            </a:pPr>
+            <a:endParaRPr>
+              <a:solidFill>
+                <a:schemeClr val="dk2"/>
+              </a:solidFill>
+              <a:latin typeface="Roboto"/>
+              <a:ea typeface="Roboto"/>
+              <a:cs typeface="Roboto"/>
+              <a:sym typeface="Roboto"/>
+            </a:endParaRPr>
+          </a:p>
+        </p:txBody>
+      </p:sp>
+      <p:sp>
+        <p:nvSpPr>
+          <p:cNvPr id="197" name="Google Shape;197;p26"/>
+          <p:cNvSpPr/>
+          <p:nvPr/>
+        </p:nvSpPr>
+        <p:spPr>
+          <a:xfrm rot="-8296455">
+            <a:off x="3696810" y="1788506"/>
+            <a:ext cx="1656485" cy="1547634"/>
+          </a:xfrm>
+          <a:prstGeom prst="teardrop">
+            <a:avLst>
+              <a:gd name="adj" fmla="val 130378"/>
+            </a:avLst>
+          </a:prstGeom>
+          <a:solidFill>
+            <a:srgbClr val="F1C232"/>
+          </a:solidFill>
+          <a:ln w="9525" cap="flat" cmpd="sng">
+            <a:solidFill>
+              <a:schemeClr val="dk2"/>
+            </a:solidFill>
+            <a:prstDash val="solid"/>
+            <a:round/>
+            <a:headEnd type="none" w="sm" len="sm"/>
+            <a:tailEnd type="none" w="sm" len="sm"/>
+          </a:ln>
+        </p:spPr>
+        <p:txBody>
+          <a:bodyPr spcFirstLastPara="1" wrap="square" lIns="91425" tIns="91425" rIns="91425" bIns="91425" anchor="ctr" anchorCtr="0">
+            <a:noAutofit/>
+          </a:bodyPr>
+          <a:lstStyle/>
+          <a:p>
+            <a:pPr marL="0" marR="0" lvl="0" indent="0" algn="l" rtl="0">
+              <a:lnSpc>
+                <a:spcPct val="100000"/>
+              </a:lnSpc>
+              <a:spcBef>
+                <a:spcPts val="0"/>
+              </a:spcBef>
+              <a:spcAft>
+                <a:spcPts val="0"/>
+              </a:spcAft>
+              <a:buNone/>
+            </a:pPr>
+            <a:endParaRPr>
+              <a:solidFill>
+                <a:schemeClr val="dk2"/>
+              </a:solidFill>
+              <a:latin typeface="Roboto"/>
+              <a:ea typeface="Roboto"/>
+              <a:cs typeface="Roboto"/>
+              <a:sym typeface="Roboto"/>
+            </a:endParaRPr>
+          </a:p>
+        </p:txBody>
+      </p:sp>
+      <p:sp>
+        <p:nvSpPr>
+          <p:cNvPr id="198" name="Google Shape;198;p26"/>
+          <p:cNvSpPr/>
+          <p:nvPr/>
+        </p:nvSpPr>
+        <p:spPr>
+          <a:xfrm>
+            <a:off x="4557603" y="1155540"/>
+            <a:ext cx="2798400" cy="2878500"/>
+          </a:xfrm>
+          <a:prstGeom prst="ellipse">
+            <a:avLst/>
+          </a:prstGeom>
+          <a:solidFill>
+            <a:srgbClr val="783F04"/>
+          </a:solidFill>
+          <a:ln w="76200" cap="flat" cmpd="sng">
+            <a:solidFill>
+              <a:schemeClr val="dk2"/>
+            </a:solidFill>
+            <a:prstDash val="solid"/>
+            <a:round/>
+            <a:headEnd type="none" w="sm" len="sm"/>
+            <a:tailEnd type="none" w="sm" len="sm"/>
+          </a:ln>
+        </p:spPr>
+        <p:txBody>
+          <a:bodyPr spcFirstLastPara="1" wrap="square" lIns="91425" tIns="91425" rIns="91425" bIns="91425" anchor="ctr" anchorCtr="0">
+            <a:noAutofit/>
+          </a:bodyPr>
+          <a:lstStyle/>
+          <a:p>
+            <a:pPr marL="0" lvl="0" indent="0" algn="l" rtl="0">
+              <a:spcBef>
+                <a:spcPts val="0"/>
+              </a:spcBef>
+              <a:spcAft>
+                <a:spcPts val="0"/>
+              </a:spcAft>
+              <a:buNone/>
+            </a:pPr>
+            <a:endParaRPr>
+              <a:solidFill>
+                <a:schemeClr val="dk2"/>
+              </a:solidFill>
+              <a:latin typeface="Roboto"/>
+              <a:ea typeface="Roboto"/>
+              <a:cs typeface="Roboto"/>
+              <a:sym typeface="Roboto"/>
+            </a:endParaRPr>
+          </a:p>
+        </p:txBody>
+      </p:sp>
+      <p:sp>
+        <p:nvSpPr>
+          <p:cNvPr id="199" name="Google Shape;199;p26"/>
+          <p:cNvSpPr/>
+          <p:nvPr/>
+        </p:nvSpPr>
+        <p:spPr>
+          <a:xfrm>
+            <a:off x="4859450" y="1839474"/>
+            <a:ext cx="1680000" cy="1613100"/>
+          </a:xfrm>
+          <a:prstGeom prst="ellipse">
+            <a:avLst/>
+          </a:prstGeom>
+          <a:solidFill>
+            <a:srgbClr val="5B0F00"/>
+          </a:solidFill>
+          <a:ln w="9525" cap="flat" cmpd="sng">
+            <a:solidFill>
+              <a:schemeClr val="dk2"/>
+            </a:solidFill>
+            <a:prstDash val="solid"/>
+            <a:round/>
+            <a:headEnd type="none" w="sm" len="sm"/>
+            <a:tailEnd type="none" w="sm" len="sm"/>
+          </a:ln>
+        </p:spPr>
+        <p:txBody>
+          <a:bodyPr spcFirstLastPara="1" wrap="square" lIns="91425" tIns="91425" rIns="91425" bIns="91425" anchor="ctr" anchorCtr="0">
+            <a:noAutofit/>
+          </a:bodyPr>
+          <a:lstStyle/>
+          <a:p>
+            <a:pPr marL="0" lvl="0" indent="0" algn="l" rtl="0">
+              <a:spcBef>
+                <a:spcPts val="0"/>
+              </a:spcBef>
+              <a:spcAft>
+                <a:spcPts val="0"/>
+              </a:spcAft>
+              <a:buNone/>
+            </a:pPr>
+            <a:endParaRPr>
+              <a:solidFill>
+                <a:schemeClr val="dk2"/>
+              </a:solidFill>
+              <a:latin typeface="Roboto"/>
+              <a:ea typeface="Roboto"/>
+              <a:cs typeface="Roboto"/>
+              <a:sym typeface="Roboto"/>
+            </a:endParaRPr>
+          </a:p>
+        </p:txBody>
+      </p:sp>
+      <p:sp>
+        <p:nvSpPr>
+          <p:cNvPr id="200" name="Google Shape;200;p26"/>
+          <p:cNvSpPr txBox="1"/>
+          <p:nvPr/>
+        </p:nvSpPr>
+        <p:spPr>
+          <a:xfrm>
+            <a:off x="4885194" y="2082141"/>
+            <a:ext cx="1638900" cy="785100"/>
+          </a:xfrm>
+          <a:prstGeom prst="rect">
+            <a:avLst/>
+          </a:prstGeom>
+          <a:noFill/>
+          <a:ln>
+            <a:noFill/>
+          </a:ln>
+        </p:spPr>
+        <p:txBody>
+          <a:bodyPr spcFirstLastPara="1" wrap="square" lIns="91425" tIns="91425" rIns="91425" bIns="91425" anchor="t" anchorCtr="0">
+            <a:spAutoFit/>
+          </a:bodyPr>
+          <a:lstStyle/>
+          <a:p>
+            <a:pPr marL="0" lvl="0" indent="0" algn="ctr" rtl="0">
+              <a:spcBef>
+                <a:spcPts val="0"/>
+              </a:spcBef>
+              <a:spcAft>
+                <a:spcPts val="0"/>
+              </a:spcAft>
+              <a:buNone/>
+            </a:pPr>
+            <a:br>
+              <a:rPr lang="en-GB" sz="1300">
+                <a:solidFill>
+                  <a:schemeClr val="lt1"/>
+                </a:solidFill>
+                <a:latin typeface="Roboto"/>
+                <a:ea typeface="Roboto"/>
+                <a:cs typeface="Roboto"/>
+                <a:sym typeface="Roboto"/>
+              </a:rPr>
+            </a:br>
+            <a:r>
+              <a:rPr lang="en-GB" sz="1300" b="1">
+                <a:solidFill>
+                  <a:schemeClr val="lt1"/>
+                </a:solidFill>
+                <a:latin typeface="Roboto"/>
+                <a:ea typeface="Roboto"/>
+                <a:cs typeface="Roboto"/>
+                <a:sym typeface="Roboto"/>
+              </a:rPr>
+              <a:t>DCAT AP Portals</a:t>
+            </a:r>
+            <a:endParaRPr sz="1300" b="1">
+              <a:solidFill>
+                <a:schemeClr val="lt1"/>
+              </a:solidFill>
+              <a:latin typeface="Roboto"/>
+              <a:ea typeface="Roboto"/>
+              <a:cs typeface="Roboto"/>
+              <a:sym typeface="Roboto"/>
+            </a:endParaRPr>
+          </a:p>
+          <a:p>
+            <a:pPr marL="0" lvl="0" indent="0" algn="ctr" rtl="0">
+              <a:spcBef>
+                <a:spcPts val="0"/>
+              </a:spcBef>
+              <a:spcAft>
+                <a:spcPts val="0"/>
+              </a:spcAft>
+              <a:buNone/>
+            </a:pPr>
+            <a:r>
+              <a:rPr lang="en-GB" sz="1300" b="1">
+                <a:solidFill>
+                  <a:schemeClr val="lt1"/>
+                </a:solidFill>
+                <a:latin typeface="Roboto"/>
+                <a:ea typeface="Roboto"/>
+                <a:cs typeface="Roboto"/>
+                <a:sym typeface="Roboto"/>
+              </a:rPr>
+              <a:t>(mandatory fields)</a:t>
+            </a:r>
+            <a:endParaRPr sz="1300" b="1">
+              <a:solidFill>
+                <a:schemeClr val="lt1"/>
+              </a:solidFill>
+              <a:latin typeface="Roboto"/>
+              <a:ea typeface="Roboto"/>
+              <a:cs typeface="Roboto"/>
+              <a:sym typeface="Roboto"/>
+            </a:endParaRPr>
+          </a:p>
+        </p:txBody>
+      </p:sp>
+      <p:sp>
+        <p:nvSpPr>
+          <p:cNvPr id="201" name="Google Shape;201;p26"/>
+          <p:cNvSpPr txBox="1"/>
+          <p:nvPr/>
+        </p:nvSpPr>
+        <p:spPr>
+          <a:xfrm>
+            <a:off x="6562213" y="1518174"/>
+            <a:ext cx="1408200" cy="1477500"/>
+          </a:xfrm>
+          <a:prstGeom prst="rect">
+            <a:avLst/>
+          </a:prstGeom>
+          <a:noFill/>
+          <a:ln>
+            <a:noFill/>
+          </a:ln>
+        </p:spPr>
+        <p:txBody>
+          <a:bodyPr spcFirstLastPara="1" wrap="square" lIns="91425" tIns="91425" rIns="91425" bIns="91425" anchor="t" anchorCtr="0">
+            <a:spAutoFit/>
+          </a:bodyPr>
+          <a:lstStyle/>
+          <a:p>
+            <a:pPr marL="0" lvl="0" indent="0" algn="l" rtl="0">
+              <a:spcBef>
+                <a:spcPts val="0"/>
+              </a:spcBef>
+              <a:spcAft>
+                <a:spcPts val="0"/>
+              </a:spcAft>
+              <a:buNone/>
+            </a:pPr>
+            <a:br>
+              <a:rPr lang="en-GB" sz="1200">
+                <a:solidFill>
+                  <a:schemeClr val="lt1"/>
+                </a:solidFill>
+                <a:latin typeface="Roboto"/>
+                <a:ea typeface="Roboto"/>
+                <a:cs typeface="Roboto"/>
+                <a:sym typeface="Roboto"/>
+              </a:rPr>
+            </a:br>
+            <a:br>
+              <a:rPr lang="en-GB" sz="1200">
+                <a:solidFill>
+                  <a:schemeClr val="lt1"/>
+                </a:solidFill>
+                <a:latin typeface="Roboto"/>
+                <a:ea typeface="Roboto"/>
+                <a:cs typeface="Roboto"/>
+                <a:sym typeface="Roboto"/>
+              </a:rPr>
+            </a:br>
+            <a:r>
+              <a:rPr lang="en-GB" sz="1200">
+                <a:solidFill>
+                  <a:schemeClr val="lt1"/>
+                </a:solidFill>
+                <a:latin typeface="Roboto"/>
+                <a:ea typeface="Roboto"/>
+                <a:cs typeface="Roboto"/>
+                <a:sym typeface="Roboto"/>
+              </a:rPr>
+              <a:t>What </a:t>
+            </a:r>
+            <a:br>
+              <a:rPr lang="en-GB" sz="1200">
+                <a:solidFill>
+                  <a:schemeClr val="lt1"/>
+                </a:solidFill>
+                <a:latin typeface="Roboto"/>
+                <a:ea typeface="Roboto"/>
+                <a:cs typeface="Roboto"/>
+                <a:sym typeface="Roboto"/>
+              </a:rPr>
+            </a:br>
+            <a:r>
+              <a:rPr lang="en-GB" sz="1200">
+                <a:solidFill>
+                  <a:schemeClr val="lt1"/>
+                </a:solidFill>
+                <a:latin typeface="Roboto"/>
+                <a:ea typeface="Roboto"/>
+                <a:cs typeface="Roboto"/>
+                <a:sym typeface="Roboto"/>
+              </a:rPr>
+              <a:t>Apart</a:t>
+            </a:r>
+            <a:br>
+              <a:rPr lang="en-GB" sz="1200">
+                <a:solidFill>
+                  <a:schemeClr val="lt1"/>
+                </a:solidFill>
+                <a:latin typeface="Roboto"/>
+                <a:ea typeface="Roboto"/>
+                <a:cs typeface="Roboto"/>
+                <a:sym typeface="Roboto"/>
+              </a:rPr>
+            </a:br>
+            <a:r>
+              <a:rPr lang="en-GB" sz="1200">
+                <a:solidFill>
+                  <a:schemeClr val="lt1"/>
+                </a:solidFill>
+                <a:latin typeface="Roboto"/>
+                <a:ea typeface="Roboto"/>
+                <a:cs typeface="Roboto"/>
+                <a:sym typeface="Roboto"/>
+              </a:rPr>
+              <a:t>from</a:t>
+            </a:r>
+            <a:br>
+              <a:rPr lang="en-GB" sz="1200">
+                <a:solidFill>
+                  <a:schemeClr val="lt1"/>
+                </a:solidFill>
+                <a:latin typeface="Roboto"/>
+                <a:ea typeface="Roboto"/>
+                <a:cs typeface="Roboto"/>
+                <a:sym typeface="Roboto"/>
+              </a:rPr>
+            </a:br>
+            <a:r>
+              <a:rPr lang="en-GB" sz="1200">
+                <a:solidFill>
+                  <a:schemeClr val="lt1"/>
+                </a:solidFill>
+                <a:latin typeface="Roboto"/>
+                <a:ea typeface="Roboto"/>
+                <a:cs typeface="Roboto"/>
+                <a:sym typeface="Roboto"/>
+              </a:rPr>
+              <a:t>DCAT AP </a:t>
+            </a:r>
+            <a:br>
+              <a:rPr lang="en-GB" sz="1200">
+                <a:solidFill>
+                  <a:schemeClr val="lt1"/>
+                </a:solidFill>
+                <a:latin typeface="Roboto"/>
+                <a:ea typeface="Roboto"/>
+                <a:cs typeface="Roboto"/>
+                <a:sym typeface="Roboto"/>
+              </a:rPr>
+            </a:br>
+            <a:r>
+              <a:rPr lang="en-GB" sz="1200">
+                <a:solidFill>
+                  <a:schemeClr val="lt1"/>
+                </a:solidFill>
+                <a:latin typeface="Roboto"/>
+                <a:ea typeface="Roboto"/>
+                <a:cs typeface="Roboto"/>
+                <a:sym typeface="Roboto"/>
+              </a:rPr>
+              <a:t>Potals?</a:t>
+            </a:r>
+            <a:endParaRPr sz="1200">
+              <a:solidFill>
+                <a:schemeClr val="lt1"/>
+              </a:solidFill>
+              <a:latin typeface="Roboto"/>
+              <a:ea typeface="Roboto"/>
+              <a:cs typeface="Roboto"/>
+              <a:sym typeface="Roboto"/>
+            </a:endParaRPr>
+          </a:p>
+        </p:txBody>
+      </p:sp>
+      <p:sp>
+        <p:nvSpPr>
+          <p:cNvPr id="202" name="Google Shape;202;p26"/>
+          <p:cNvSpPr txBox="1"/>
+          <p:nvPr/>
+        </p:nvSpPr>
+        <p:spPr>
+          <a:xfrm>
+            <a:off x="5448934" y="3024503"/>
+            <a:ext cx="1035600" cy="1046700"/>
+          </a:xfrm>
+          <a:prstGeom prst="rect">
+            <a:avLst/>
+          </a:prstGeom>
+          <a:noFill/>
+          <a:ln>
+            <a:noFill/>
+          </a:ln>
+        </p:spPr>
+        <p:txBody>
+          <a:bodyPr spcFirstLastPara="1" wrap="square" lIns="91425" tIns="91425" rIns="91425" bIns="91425" anchor="t" anchorCtr="0">
+            <a:spAutoFit/>
+          </a:bodyPr>
+          <a:lstStyle/>
+          <a:p>
+            <a:pPr marL="0" lvl="0" indent="0" algn="l" rtl="0">
+              <a:spcBef>
+                <a:spcPts val="0"/>
+              </a:spcBef>
+              <a:spcAft>
+                <a:spcPts val="0"/>
+              </a:spcAft>
+              <a:buNone/>
+            </a:pPr>
+            <a:r>
+              <a:rPr lang="en-GB" b="1">
+                <a:solidFill>
+                  <a:schemeClr val="lt1"/>
+                </a:solidFill>
+              </a:rPr>
+              <a:t>0.9                   </a:t>
+            </a:r>
+            <a:endParaRPr b="1">
+              <a:solidFill>
+                <a:schemeClr val="lt1"/>
+              </a:solidFill>
+            </a:endParaRPr>
+          </a:p>
+          <a:p>
+            <a:pPr marL="0" lvl="0" indent="0" algn="l" rtl="0">
+              <a:spcBef>
+                <a:spcPts val="0"/>
+              </a:spcBef>
+              <a:spcAft>
+                <a:spcPts val="0"/>
+              </a:spcAft>
+              <a:buNone/>
+            </a:pPr>
+            <a:r>
+              <a:rPr lang="en-GB">
+                <a:solidFill>
+                  <a:schemeClr val="lt1"/>
+                </a:solidFill>
+              </a:rPr>
+              <a:t>    </a:t>
+            </a:r>
+            <a:endParaRPr>
+              <a:solidFill>
+                <a:schemeClr val="lt1"/>
+              </a:solidFill>
+            </a:endParaRPr>
+          </a:p>
+          <a:p>
+            <a:pPr marL="0" lvl="0" indent="0" algn="l" rtl="0">
+              <a:spcBef>
+                <a:spcPts val="0"/>
+              </a:spcBef>
+              <a:spcAft>
+                <a:spcPts val="0"/>
+              </a:spcAft>
+              <a:buNone/>
+            </a:pPr>
+            <a:endParaRPr>
+              <a:solidFill>
+                <a:schemeClr val="lt1"/>
+              </a:solidFill>
+            </a:endParaRPr>
+          </a:p>
+          <a:p>
+            <a:pPr marL="0" lvl="0" indent="0" algn="l" rtl="0">
+              <a:spcBef>
+                <a:spcPts val="0"/>
+              </a:spcBef>
+              <a:spcAft>
+                <a:spcPts val="0"/>
+              </a:spcAft>
+              <a:buNone/>
+            </a:pPr>
+            <a:r>
+              <a:rPr lang="en-GB">
+                <a:solidFill>
+                  <a:schemeClr val="lt1"/>
+                </a:solidFill>
+              </a:rPr>
+              <a:t>      2.0</a:t>
+            </a:r>
+            <a:endParaRPr>
+              <a:solidFill>
+                <a:schemeClr val="lt1"/>
+              </a:solidFill>
+            </a:endParaRPr>
+          </a:p>
+        </p:txBody>
+      </p:sp>
+      <p:sp>
+        <p:nvSpPr>
+          <p:cNvPr id="203" name="Google Shape;203;p26"/>
+          <p:cNvSpPr txBox="1"/>
+          <p:nvPr/>
+        </p:nvSpPr>
+        <p:spPr>
+          <a:xfrm rot="2014141">
+            <a:off x="4165853" y="1306127"/>
+            <a:ext cx="945128" cy="384917"/>
+          </a:xfrm>
+          <a:prstGeom prst="rect">
+            <a:avLst/>
+          </a:prstGeom>
+          <a:noFill/>
+          <a:ln>
+            <a:noFill/>
+          </a:ln>
+        </p:spPr>
+        <p:txBody>
+          <a:bodyPr spcFirstLastPara="1" wrap="square" lIns="91425" tIns="91425" rIns="91425" bIns="91425" anchor="t" anchorCtr="0">
+            <a:spAutoFit/>
+          </a:bodyPr>
+          <a:lstStyle/>
+          <a:p>
+            <a:pPr marL="0" lvl="0" indent="0" algn="ctr" rtl="0">
+              <a:spcBef>
+                <a:spcPts val="0"/>
+              </a:spcBef>
+              <a:spcAft>
+                <a:spcPts val="0"/>
+              </a:spcAft>
+              <a:buNone/>
+            </a:pPr>
+            <a:r>
+              <a:rPr lang="en-GB" sz="1300">
+                <a:solidFill>
+                  <a:schemeClr val="dk2"/>
+                </a:solidFill>
+                <a:latin typeface="Roboto"/>
+                <a:ea typeface="Roboto"/>
+                <a:cs typeface="Roboto"/>
+                <a:sym typeface="Roboto"/>
+              </a:rPr>
+              <a:t>Omics</a:t>
+            </a:r>
+            <a:endParaRPr sz="1300">
+              <a:solidFill>
+                <a:schemeClr val="dk2"/>
+              </a:solidFill>
+              <a:latin typeface="Roboto"/>
+              <a:ea typeface="Roboto"/>
+              <a:cs typeface="Roboto"/>
+              <a:sym typeface="Roboto"/>
+            </a:endParaRPr>
+          </a:p>
+        </p:txBody>
+      </p:sp>
+      <p:sp>
+        <p:nvSpPr>
+          <p:cNvPr id="204" name="Google Shape;204;p26"/>
+          <p:cNvSpPr txBox="1"/>
+          <p:nvPr/>
+        </p:nvSpPr>
+        <p:spPr>
+          <a:xfrm rot="1082178">
+            <a:off x="4338999" y="735515"/>
+            <a:ext cx="940832" cy="354118"/>
+          </a:xfrm>
+          <a:prstGeom prst="rect">
+            <a:avLst/>
+          </a:prstGeom>
+          <a:noFill/>
+          <a:ln>
+            <a:noFill/>
+          </a:ln>
+        </p:spPr>
+        <p:txBody>
+          <a:bodyPr spcFirstLastPara="1" wrap="square" lIns="91425" tIns="91425" rIns="91425" bIns="91425" anchor="t" anchorCtr="0">
+            <a:spAutoFit/>
+          </a:bodyPr>
+          <a:lstStyle/>
+          <a:p>
+            <a:pPr marL="0" lvl="0" indent="0" algn="ctr" rtl="0">
+              <a:spcBef>
+                <a:spcPts val="0"/>
+              </a:spcBef>
+              <a:spcAft>
+                <a:spcPts val="0"/>
+              </a:spcAft>
+              <a:buNone/>
+            </a:pPr>
+            <a:r>
+              <a:rPr lang="en-GB" sz="1100">
+                <a:solidFill>
+                  <a:schemeClr val="dk2"/>
+                </a:solidFill>
+                <a:latin typeface="Roboto"/>
+                <a:ea typeface="Roboto"/>
+                <a:cs typeface="Roboto"/>
+                <a:sym typeface="Roboto"/>
+              </a:rPr>
+              <a:t>Metab</a:t>
+            </a:r>
+            <a:endParaRPr sz="1100">
+              <a:solidFill>
+                <a:schemeClr val="dk2"/>
+              </a:solidFill>
+              <a:latin typeface="Roboto"/>
+              <a:ea typeface="Roboto"/>
+              <a:cs typeface="Roboto"/>
+              <a:sym typeface="Roboto"/>
+            </a:endParaRPr>
+          </a:p>
+        </p:txBody>
+      </p:sp>
+      <p:sp>
+        <p:nvSpPr>
+          <p:cNvPr id="205" name="Google Shape;205;p26"/>
+          <p:cNvSpPr txBox="1"/>
+          <p:nvPr/>
+        </p:nvSpPr>
+        <p:spPr>
+          <a:xfrm rot="2159638">
+            <a:off x="3420253" y="1235365"/>
+            <a:ext cx="945891" cy="354032"/>
+          </a:xfrm>
+          <a:prstGeom prst="rect">
+            <a:avLst/>
+          </a:prstGeom>
+          <a:noFill/>
+          <a:ln>
+            <a:noFill/>
+          </a:ln>
+        </p:spPr>
+        <p:txBody>
+          <a:bodyPr spcFirstLastPara="1" wrap="square" lIns="91425" tIns="91425" rIns="91425" bIns="91425" anchor="t" anchorCtr="0">
+            <a:spAutoFit/>
+          </a:bodyPr>
+          <a:lstStyle/>
+          <a:p>
+            <a:pPr marL="0" lvl="0" indent="0" algn="ctr" rtl="0">
+              <a:spcBef>
+                <a:spcPts val="0"/>
+              </a:spcBef>
+              <a:spcAft>
+                <a:spcPts val="0"/>
+              </a:spcAft>
+              <a:buNone/>
+            </a:pPr>
+            <a:r>
+              <a:rPr lang="en-GB" sz="1100">
+                <a:solidFill>
+                  <a:schemeClr val="dk2"/>
+                </a:solidFill>
+                <a:latin typeface="Roboto"/>
+                <a:ea typeface="Roboto"/>
+                <a:cs typeface="Roboto"/>
+                <a:sym typeface="Roboto"/>
+              </a:rPr>
+              <a:t>Transcrip</a:t>
+            </a:r>
+            <a:endParaRPr sz="1100">
+              <a:solidFill>
+                <a:schemeClr val="dk2"/>
+              </a:solidFill>
+              <a:latin typeface="Roboto"/>
+              <a:ea typeface="Roboto"/>
+              <a:cs typeface="Roboto"/>
+              <a:sym typeface="Roboto"/>
+            </a:endParaRPr>
+          </a:p>
+        </p:txBody>
+      </p:sp>
+      <p:sp>
+        <p:nvSpPr>
+          <p:cNvPr id="206" name="Google Shape;206;p26"/>
+          <p:cNvSpPr txBox="1"/>
+          <p:nvPr/>
+        </p:nvSpPr>
+        <p:spPr>
+          <a:xfrm rot="-2012628">
+            <a:off x="6924208" y="1382494"/>
+            <a:ext cx="945212" cy="384756"/>
+          </a:xfrm>
+          <a:prstGeom prst="rect">
+            <a:avLst/>
+          </a:prstGeom>
+          <a:noFill/>
+          <a:ln>
+            <a:noFill/>
+          </a:ln>
+        </p:spPr>
+        <p:txBody>
+          <a:bodyPr spcFirstLastPara="1" wrap="square" lIns="91425" tIns="91425" rIns="91425" bIns="91425" anchor="t" anchorCtr="0">
+            <a:spAutoFit/>
+          </a:bodyPr>
+          <a:lstStyle/>
+          <a:p>
+            <a:pPr marL="0" lvl="0" indent="0" algn="ctr" rtl="0">
+              <a:spcBef>
+                <a:spcPts val="0"/>
+              </a:spcBef>
+              <a:spcAft>
+                <a:spcPts val="0"/>
+              </a:spcAft>
+              <a:buNone/>
+            </a:pPr>
+            <a:r>
+              <a:rPr lang="en-GB" sz="1300">
+                <a:solidFill>
+                  <a:schemeClr val="dk2"/>
+                </a:solidFill>
+                <a:latin typeface="Roboto"/>
+                <a:ea typeface="Roboto"/>
+                <a:cs typeface="Roboto"/>
+                <a:sym typeface="Roboto"/>
+              </a:rPr>
+              <a:t>Funders</a:t>
+            </a:r>
+            <a:endParaRPr sz="1300">
+              <a:solidFill>
+                <a:schemeClr val="dk2"/>
+              </a:solidFill>
+              <a:latin typeface="Roboto"/>
+              <a:ea typeface="Roboto"/>
+              <a:cs typeface="Roboto"/>
+              <a:sym typeface="Roboto"/>
+            </a:endParaRPr>
+          </a:p>
+        </p:txBody>
+      </p:sp>
+      <p:sp>
+        <p:nvSpPr>
+          <p:cNvPr id="207" name="Google Shape;207;p26"/>
+          <p:cNvSpPr txBox="1"/>
+          <p:nvPr/>
+        </p:nvSpPr>
+        <p:spPr>
+          <a:xfrm rot="-1929944">
+            <a:off x="7754718" y="1227588"/>
+            <a:ext cx="897684" cy="369597"/>
+          </a:xfrm>
+          <a:prstGeom prst="rect">
+            <a:avLst/>
+          </a:prstGeom>
+          <a:noFill/>
+          <a:ln>
+            <a:noFill/>
+          </a:ln>
+        </p:spPr>
+        <p:txBody>
+          <a:bodyPr spcFirstLastPara="1" wrap="square" lIns="91425" tIns="91425" rIns="91425" bIns="91425" anchor="t" anchorCtr="0">
+            <a:spAutoFit/>
+          </a:bodyPr>
+          <a:lstStyle/>
+          <a:p>
+            <a:pPr marL="0" lvl="0" indent="0" algn="ctr" rtl="0">
+              <a:spcBef>
+                <a:spcPts val="0"/>
+              </a:spcBef>
+              <a:spcAft>
+                <a:spcPts val="0"/>
+              </a:spcAft>
+              <a:buNone/>
+            </a:pPr>
+            <a:r>
+              <a:rPr lang="en-GB" sz="1200">
+                <a:solidFill>
+                  <a:schemeClr val="dk2"/>
+                </a:solidFill>
+                <a:latin typeface="Roboto"/>
+                <a:ea typeface="Roboto"/>
+                <a:cs typeface="Roboto"/>
+                <a:sym typeface="Roboto"/>
+              </a:rPr>
+              <a:t>ZonMw</a:t>
+            </a:r>
+            <a:endParaRPr sz="1200">
+              <a:solidFill>
+                <a:schemeClr val="dk2"/>
+              </a:solidFill>
+              <a:latin typeface="Roboto"/>
+              <a:ea typeface="Roboto"/>
+              <a:cs typeface="Roboto"/>
+              <a:sym typeface="Roboto"/>
+            </a:endParaRPr>
+          </a:p>
+        </p:txBody>
+      </p:sp>
+      <p:sp>
+        <p:nvSpPr>
+          <p:cNvPr id="208" name="Google Shape;208;p26"/>
+          <p:cNvSpPr txBox="1"/>
+          <p:nvPr/>
+        </p:nvSpPr>
+        <p:spPr>
+          <a:xfrm>
+            <a:off x="3433045" y="2323992"/>
+            <a:ext cx="938700" cy="384900"/>
+          </a:xfrm>
+          <a:prstGeom prst="rect">
+            <a:avLst/>
+          </a:prstGeom>
+          <a:noFill/>
+          <a:ln>
+            <a:noFill/>
+          </a:ln>
+        </p:spPr>
+        <p:txBody>
+          <a:bodyPr spcFirstLastPara="1" wrap="square" lIns="91425" tIns="91425" rIns="91425" bIns="91425" anchor="t" anchorCtr="0">
+            <a:spAutoFit/>
+          </a:bodyPr>
+          <a:lstStyle/>
+          <a:p>
+            <a:pPr marL="0" lvl="0" indent="0" algn="ctr" rtl="0">
+              <a:spcBef>
+                <a:spcPts val="0"/>
+              </a:spcBef>
+              <a:spcAft>
+                <a:spcPts val="0"/>
+              </a:spcAft>
+              <a:buNone/>
+            </a:pPr>
+            <a:r>
+              <a:rPr lang="en-GB" sz="1300">
+                <a:solidFill>
+                  <a:schemeClr val="dk2"/>
+                </a:solidFill>
+                <a:latin typeface="Roboto"/>
+                <a:ea typeface="Roboto"/>
+                <a:cs typeface="Roboto"/>
+                <a:sym typeface="Roboto"/>
+              </a:rPr>
+              <a:t>Clinical</a:t>
+            </a:r>
+            <a:endParaRPr sz="1300">
+              <a:solidFill>
+                <a:schemeClr val="dk2"/>
+              </a:solidFill>
+              <a:latin typeface="Roboto"/>
+              <a:ea typeface="Roboto"/>
+              <a:cs typeface="Roboto"/>
+              <a:sym typeface="Roboto"/>
+            </a:endParaRPr>
+          </a:p>
+        </p:txBody>
+      </p:sp>
+      <p:sp>
+        <p:nvSpPr>
+          <p:cNvPr id="209" name="Google Shape;209;p26"/>
+          <p:cNvSpPr txBox="1"/>
+          <p:nvPr/>
+        </p:nvSpPr>
+        <p:spPr>
+          <a:xfrm>
+            <a:off x="7807531" y="2275118"/>
+            <a:ext cx="938700" cy="384900"/>
+          </a:xfrm>
+          <a:prstGeom prst="rect">
+            <a:avLst/>
+          </a:prstGeom>
+          <a:noFill/>
+          <a:ln>
+            <a:noFill/>
+          </a:ln>
+        </p:spPr>
+        <p:txBody>
+          <a:bodyPr spcFirstLastPara="1" wrap="square" lIns="91425" tIns="91425" rIns="91425" bIns="91425" anchor="t" anchorCtr="0">
+            <a:spAutoFit/>
+          </a:bodyPr>
+          <a:lstStyle/>
+          <a:p>
+            <a:pPr marL="0" lvl="0" indent="0" algn="ctr" rtl="0">
+              <a:spcBef>
+                <a:spcPts val="0"/>
+              </a:spcBef>
+              <a:spcAft>
+                <a:spcPts val="0"/>
+              </a:spcAft>
+              <a:buNone/>
+            </a:pPr>
+            <a:r>
+              <a:rPr lang="en-GB" sz="1300">
+                <a:solidFill>
+                  <a:schemeClr val="dk2"/>
+                </a:solidFill>
+                <a:latin typeface="Roboto"/>
+                <a:ea typeface="Roboto"/>
+                <a:cs typeface="Roboto"/>
+                <a:sym typeface="Roboto"/>
+              </a:rPr>
+              <a:t>Biobank</a:t>
+            </a:r>
+            <a:endParaRPr sz="1300">
+              <a:solidFill>
+                <a:schemeClr val="dk2"/>
+              </a:solidFill>
+              <a:latin typeface="Roboto"/>
+              <a:ea typeface="Roboto"/>
+              <a:cs typeface="Roboto"/>
+              <a:sym typeface="Roboto"/>
+            </a:endParaRPr>
+          </a:p>
+        </p:txBody>
+      </p:sp>
+      <p:sp>
+        <p:nvSpPr>
+          <p:cNvPr id="210" name="Google Shape;210;p26"/>
+          <p:cNvSpPr txBox="1"/>
+          <p:nvPr/>
+        </p:nvSpPr>
+        <p:spPr>
+          <a:xfrm rot="1971133">
+            <a:off x="6992841" y="3421045"/>
+            <a:ext cx="944561" cy="384976"/>
+          </a:xfrm>
+          <a:prstGeom prst="rect">
+            <a:avLst/>
+          </a:prstGeom>
+          <a:noFill/>
+          <a:ln>
+            <a:noFill/>
+          </a:ln>
+        </p:spPr>
+        <p:txBody>
+          <a:bodyPr spcFirstLastPara="1" wrap="square" lIns="91425" tIns="91425" rIns="91425" bIns="91425" anchor="t" anchorCtr="0">
+            <a:spAutoFit/>
+          </a:bodyPr>
+          <a:lstStyle/>
+          <a:p>
+            <a:pPr marL="0" lvl="0" indent="0" algn="ctr" rtl="0">
+              <a:spcBef>
+                <a:spcPts val="0"/>
+              </a:spcBef>
+              <a:spcAft>
+                <a:spcPts val="0"/>
+              </a:spcAft>
+              <a:buNone/>
+            </a:pPr>
+            <a:r>
+              <a:rPr lang="en-GB" sz="1300">
+                <a:solidFill>
+                  <a:schemeClr val="dk2"/>
+                </a:solidFill>
+                <a:latin typeface="Roboto"/>
+                <a:ea typeface="Roboto"/>
+                <a:cs typeface="Roboto"/>
+                <a:sym typeface="Roboto"/>
+              </a:rPr>
+              <a:t>Cohorts</a:t>
+            </a:r>
+            <a:endParaRPr sz="1300">
+              <a:solidFill>
+                <a:schemeClr val="dk2"/>
+              </a:solidFill>
+              <a:latin typeface="Roboto"/>
+              <a:ea typeface="Roboto"/>
+              <a:cs typeface="Roboto"/>
+              <a:sym typeface="Roboto"/>
+            </a:endParaRPr>
+          </a:p>
+        </p:txBody>
+      </p:sp>
+      <p:sp>
+        <p:nvSpPr>
+          <p:cNvPr id="211" name="Google Shape;211;p26"/>
+          <p:cNvSpPr txBox="1"/>
+          <p:nvPr/>
+        </p:nvSpPr>
+        <p:spPr>
+          <a:xfrm>
+            <a:off x="2899832" y="1835517"/>
+            <a:ext cx="938700" cy="354000"/>
+          </a:xfrm>
+          <a:prstGeom prst="rect">
+            <a:avLst/>
+          </a:prstGeom>
+          <a:noFill/>
+          <a:ln>
+            <a:noFill/>
+          </a:ln>
+        </p:spPr>
+        <p:txBody>
+          <a:bodyPr spcFirstLastPara="1" wrap="square" lIns="91425" tIns="91425" rIns="91425" bIns="91425" anchor="t" anchorCtr="0">
+            <a:spAutoFit/>
+          </a:bodyPr>
+          <a:lstStyle/>
+          <a:p>
+            <a:pPr marL="0" lvl="0" indent="0" algn="ctr" rtl="0">
+              <a:spcBef>
+                <a:spcPts val="0"/>
+              </a:spcBef>
+              <a:spcAft>
+                <a:spcPts val="0"/>
+              </a:spcAft>
+              <a:buNone/>
+            </a:pPr>
+            <a:endParaRPr sz="1100">
+              <a:solidFill>
+                <a:schemeClr val="dk2"/>
+              </a:solidFill>
+              <a:latin typeface="Roboto"/>
+              <a:ea typeface="Roboto"/>
+              <a:cs typeface="Roboto"/>
+              <a:sym typeface="Roboto"/>
+            </a:endParaRPr>
+          </a:p>
+        </p:txBody>
+      </p:sp>
+      <p:sp>
+        <p:nvSpPr>
+          <p:cNvPr id="212" name="Google Shape;212;p26"/>
+          <p:cNvSpPr txBox="1"/>
+          <p:nvPr/>
+        </p:nvSpPr>
+        <p:spPr>
+          <a:xfrm>
+            <a:off x="4307720" y="3581467"/>
+            <a:ext cx="938700" cy="585000"/>
+          </a:xfrm>
+          <a:prstGeom prst="rect">
+            <a:avLst/>
+          </a:prstGeom>
+          <a:noFill/>
+          <a:ln>
+            <a:noFill/>
+          </a:ln>
+        </p:spPr>
+        <p:txBody>
+          <a:bodyPr spcFirstLastPara="1" wrap="square" lIns="91425" tIns="91425" rIns="91425" bIns="91425" anchor="t" anchorCtr="0">
+            <a:spAutoFit/>
+          </a:bodyPr>
+          <a:lstStyle/>
+          <a:p>
+            <a:pPr marL="0" lvl="0" indent="0" algn="ctr" rtl="0">
+              <a:spcBef>
+                <a:spcPts val="0"/>
+              </a:spcBef>
+              <a:spcAft>
+                <a:spcPts val="0"/>
+              </a:spcAft>
+              <a:buNone/>
+            </a:pPr>
+            <a:r>
+              <a:rPr lang="en-GB" sz="1300" dirty="0">
+                <a:solidFill>
+                  <a:schemeClr val="dk2"/>
+                </a:solidFill>
+                <a:latin typeface="Roboto"/>
+                <a:ea typeface="Roboto"/>
+                <a:cs typeface="Roboto"/>
+                <a:sym typeface="Roboto"/>
+              </a:rPr>
+              <a:t>Rare Diseases</a:t>
+            </a:r>
+            <a:endParaRPr sz="1300" dirty="0">
+              <a:solidFill>
+                <a:schemeClr val="dk2"/>
+              </a:solidFill>
+              <a:latin typeface="Roboto"/>
+              <a:ea typeface="Roboto"/>
+              <a:cs typeface="Roboto"/>
+              <a:sym typeface="Roboto"/>
+            </a:endParaRPr>
+          </a:p>
+        </p:txBody>
+      </p:sp>
+      <p:sp>
+        <p:nvSpPr>
+          <p:cNvPr id="213" name="Google Shape;213;p26"/>
+          <p:cNvSpPr txBox="1"/>
+          <p:nvPr/>
+        </p:nvSpPr>
+        <p:spPr>
+          <a:xfrm rot="-1393791">
+            <a:off x="3582551" y="3470414"/>
+            <a:ext cx="938592" cy="353976"/>
+          </a:xfrm>
+          <a:prstGeom prst="rect">
+            <a:avLst/>
+          </a:prstGeom>
+          <a:noFill/>
+          <a:ln>
+            <a:noFill/>
+          </a:ln>
+        </p:spPr>
+        <p:txBody>
+          <a:bodyPr spcFirstLastPara="1" wrap="square" lIns="91425" tIns="91425" rIns="91425" bIns="91425" anchor="t" anchorCtr="0">
+            <a:spAutoFit/>
+          </a:bodyPr>
+          <a:lstStyle/>
+          <a:p>
+            <a:pPr marL="0" lvl="0" indent="0" algn="ctr" rtl="0">
+              <a:spcBef>
+                <a:spcPts val="0"/>
+              </a:spcBef>
+              <a:spcAft>
+                <a:spcPts val="0"/>
+              </a:spcAft>
+              <a:buNone/>
+            </a:pPr>
+            <a:r>
+              <a:rPr lang="en-GB" sz="1100">
+                <a:solidFill>
+                  <a:schemeClr val="dk2"/>
+                </a:solidFill>
+                <a:latin typeface="Roboto"/>
+                <a:ea typeface="Roboto"/>
+                <a:cs typeface="Roboto"/>
+                <a:sym typeface="Roboto"/>
+              </a:rPr>
+              <a:t>CDEs</a:t>
+            </a:r>
+            <a:endParaRPr sz="1100">
+              <a:solidFill>
+                <a:schemeClr val="dk2"/>
+              </a:solidFill>
+              <a:latin typeface="Roboto"/>
+              <a:ea typeface="Roboto"/>
+              <a:cs typeface="Roboto"/>
+              <a:sym typeface="Roboto"/>
+            </a:endParaRPr>
+          </a:p>
+        </p:txBody>
+      </p:sp>
+      <p:sp>
+        <p:nvSpPr>
+          <p:cNvPr id="214" name="Google Shape;214;p26"/>
+          <p:cNvSpPr txBox="1"/>
+          <p:nvPr/>
+        </p:nvSpPr>
+        <p:spPr>
+          <a:xfrm>
+            <a:off x="4321482" y="4417667"/>
+            <a:ext cx="938700" cy="354000"/>
+          </a:xfrm>
+          <a:prstGeom prst="rect">
+            <a:avLst/>
+          </a:prstGeom>
+          <a:noFill/>
+          <a:ln>
+            <a:noFill/>
+          </a:ln>
+        </p:spPr>
+        <p:txBody>
+          <a:bodyPr spcFirstLastPara="1" wrap="square" lIns="91425" tIns="91425" rIns="91425" bIns="91425" anchor="t" anchorCtr="0">
+            <a:spAutoFit/>
+          </a:bodyPr>
+          <a:lstStyle/>
+          <a:p>
+            <a:pPr marL="0" lvl="0" indent="0" algn="ctr" rtl="0">
+              <a:spcBef>
+                <a:spcPts val="0"/>
+              </a:spcBef>
+              <a:spcAft>
+                <a:spcPts val="0"/>
+              </a:spcAft>
+              <a:buNone/>
+            </a:pPr>
+            <a:r>
+              <a:rPr lang="en-GB" sz="1100">
+                <a:solidFill>
+                  <a:schemeClr val="dk2"/>
+                </a:solidFill>
+                <a:latin typeface="Roboto"/>
+                <a:ea typeface="Roboto"/>
+                <a:cs typeface="Roboto"/>
+                <a:sym typeface="Roboto"/>
+              </a:rPr>
+              <a:t>DCDEs</a:t>
+            </a:r>
+            <a:endParaRPr sz="1100">
+              <a:solidFill>
+                <a:schemeClr val="dk2"/>
+              </a:solidFill>
+              <a:latin typeface="Roboto"/>
+              <a:ea typeface="Roboto"/>
+              <a:cs typeface="Roboto"/>
+              <a:sym typeface="Roboto"/>
+            </a:endParaRPr>
+          </a:p>
+        </p:txBody>
+      </p:sp>
+      <p:sp>
+        <p:nvSpPr>
+          <p:cNvPr id="215" name="Google Shape;215;p26"/>
+          <p:cNvSpPr txBox="1"/>
+          <p:nvPr/>
+        </p:nvSpPr>
+        <p:spPr>
+          <a:xfrm rot="-3749584">
+            <a:off x="3363435" y="4240525"/>
+            <a:ext cx="938605" cy="354106"/>
+          </a:xfrm>
+          <a:prstGeom prst="rect">
+            <a:avLst/>
+          </a:prstGeom>
+          <a:noFill/>
+          <a:ln>
+            <a:noFill/>
+          </a:ln>
+        </p:spPr>
+        <p:txBody>
+          <a:bodyPr spcFirstLastPara="1" wrap="square" lIns="91425" tIns="91425" rIns="91425" bIns="91425" anchor="t" anchorCtr="0">
+            <a:spAutoFit/>
+          </a:bodyPr>
+          <a:lstStyle/>
+          <a:p>
+            <a:pPr marL="0" lvl="0" indent="0" algn="ctr" rtl="0">
+              <a:spcBef>
+                <a:spcPts val="0"/>
+              </a:spcBef>
+              <a:spcAft>
+                <a:spcPts val="0"/>
+              </a:spcAft>
+              <a:buNone/>
+            </a:pPr>
+            <a:r>
+              <a:rPr lang="en-GB" sz="1100">
+                <a:solidFill>
+                  <a:schemeClr val="dk2"/>
+                </a:solidFill>
+                <a:latin typeface="Roboto"/>
+                <a:ea typeface="Roboto"/>
+                <a:cs typeface="Roboto"/>
+                <a:sym typeface="Roboto"/>
+              </a:rPr>
+              <a:t>PROMS</a:t>
+            </a:r>
+            <a:endParaRPr sz="1100">
+              <a:solidFill>
+                <a:schemeClr val="dk2"/>
+              </a:solidFill>
+              <a:latin typeface="Roboto"/>
+              <a:ea typeface="Roboto"/>
+              <a:cs typeface="Roboto"/>
+              <a:sym typeface="Roboto"/>
+            </a:endParaRPr>
+          </a:p>
+        </p:txBody>
+      </p:sp>
+      <p:sp>
+        <p:nvSpPr>
+          <p:cNvPr id="216" name="Google Shape;216;p26"/>
+          <p:cNvSpPr txBox="1"/>
+          <p:nvPr/>
+        </p:nvSpPr>
+        <p:spPr>
+          <a:xfrm>
+            <a:off x="173575" y="1656925"/>
+            <a:ext cx="3113100" cy="3631733"/>
+          </a:xfrm>
+          <a:prstGeom prst="rect">
+            <a:avLst/>
+          </a:prstGeom>
+          <a:noFill/>
+          <a:ln>
+            <a:noFill/>
+          </a:ln>
+        </p:spPr>
+        <p:txBody>
+          <a:bodyPr spcFirstLastPara="1" wrap="square" lIns="91425" tIns="91425" rIns="91425" bIns="91425" anchor="t" anchorCtr="0">
+            <a:spAutoFit/>
+          </a:bodyPr>
+          <a:lstStyle/>
+          <a:p>
+            <a:pPr marL="0" lvl="0" indent="0" algn="l" rtl="0">
+              <a:lnSpc>
+                <a:spcPct val="115000"/>
+              </a:lnSpc>
+              <a:spcBef>
+                <a:spcPts val="0"/>
+              </a:spcBef>
+              <a:spcAft>
+                <a:spcPts val="0"/>
+              </a:spcAft>
+              <a:buNone/>
+            </a:pPr>
+            <a:r>
+              <a:rPr lang="en-GB" sz="1600" b="1" dirty="0">
+                <a:solidFill>
+                  <a:schemeClr val="dk2"/>
+                </a:solidFill>
+              </a:rPr>
+              <a:t>Core</a:t>
+            </a:r>
+            <a:r>
+              <a:rPr lang="en-GB" sz="1600" dirty="0">
+                <a:solidFill>
+                  <a:schemeClr val="dk2"/>
+                </a:solidFill>
+              </a:rPr>
+              <a:t>:</a:t>
+            </a:r>
+            <a:br>
+              <a:rPr lang="en-GB" sz="1600" dirty="0">
+                <a:solidFill>
+                  <a:schemeClr val="dk2"/>
+                </a:solidFill>
+              </a:rPr>
+            </a:br>
+            <a:r>
+              <a:rPr lang="en-GB" sz="1600" dirty="0">
+                <a:solidFill>
+                  <a:schemeClr val="lt1"/>
+                </a:solidFill>
+                <a:highlight>
+                  <a:srgbClr val="5B0F00"/>
+                </a:highlight>
+              </a:rPr>
+              <a:t>Minimal</a:t>
+            </a:r>
+            <a:r>
+              <a:rPr lang="en-GB" sz="1600" dirty="0">
+                <a:solidFill>
+                  <a:schemeClr val="lt1"/>
+                </a:solidFill>
+              </a:rPr>
+              <a:t> </a:t>
+            </a:r>
+            <a:r>
+              <a:rPr lang="en-GB" sz="1600" dirty="0">
+                <a:solidFill>
+                  <a:schemeClr val="dk2"/>
+                </a:solidFill>
+              </a:rPr>
+              <a:t>DCAT AP Portals</a:t>
+            </a:r>
+            <a:br>
+              <a:rPr lang="en-GB" sz="1600" dirty="0">
+                <a:solidFill>
+                  <a:schemeClr val="dk2"/>
+                </a:solidFill>
+              </a:rPr>
+            </a:br>
+            <a:r>
+              <a:rPr lang="en-GB" sz="1600" dirty="0">
+                <a:solidFill>
+                  <a:schemeClr val="lt1"/>
+                </a:solidFill>
+                <a:highlight>
+                  <a:srgbClr val="783F04"/>
+                </a:highlight>
+              </a:rPr>
+              <a:t>Extended</a:t>
+            </a:r>
+            <a:r>
+              <a:rPr lang="en-GB" sz="1600" dirty="0">
+                <a:solidFill>
+                  <a:schemeClr val="dk2"/>
+                </a:solidFill>
+                <a:highlight>
+                  <a:srgbClr val="783F04"/>
+                </a:highlight>
+              </a:rPr>
+              <a:t>:</a:t>
+            </a:r>
+            <a:r>
+              <a:rPr lang="en-GB" sz="1600" dirty="0">
+                <a:solidFill>
+                  <a:schemeClr val="dk2"/>
+                </a:solidFill>
+              </a:rPr>
+              <a:t> Health-RI </a:t>
+            </a:r>
+            <a:endParaRPr sz="1600" dirty="0">
+              <a:solidFill>
+                <a:schemeClr val="dk2"/>
+              </a:solidFill>
+            </a:endParaRPr>
+          </a:p>
+          <a:p>
+            <a:pPr marL="0" lvl="0" indent="0" algn="l" rtl="0">
+              <a:lnSpc>
+                <a:spcPct val="115000"/>
+              </a:lnSpc>
+              <a:spcBef>
+                <a:spcPts val="1200"/>
+              </a:spcBef>
+              <a:spcAft>
+                <a:spcPts val="0"/>
+              </a:spcAft>
+              <a:buNone/>
+            </a:pPr>
+            <a:r>
+              <a:rPr lang="en-GB" sz="1600" b="1" dirty="0">
+                <a:solidFill>
+                  <a:schemeClr val="dk2"/>
+                </a:solidFill>
+              </a:rPr>
+              <a:t>Leaves (Petals?):</a:t>
+            </a:r>
+            <a:br>
+              <a:rPr lang="en-GB" sz="1600" dirty="0">
+                <a:solidFill>
+                  <a:schemeClr val="dk2"/>
+                </a:solidFill>
+              </a:rPr>
+            </a:br>
+            <a:r>
+              <a:rPr lang="en-GB" sz="1600" dirty="0">
+                <a:solidFill>
+                  <a:schemeClr val="dk2"/>
+                </a:solidFill>
+              </a:rPr>
+              <a:t>-</a:t>
+            </a:r>
+            <a:r>
+              <a:rPr lang="en-GB" sz="1600" dirty="0" err="1">
+                <a:solidFill>
+                  <a:schemeClr val="dk2"/>
+                </a:solidFill>
+              </a:rPr>
+              <a:t>Domain:</a:t>
+            </a:r>
+            <a:r>
+              <a:rPr lang="en-GB" sz="1600" i="1" dirty="0" err="1">
+                <a:solidFill>
+                  <a:schemeClr val="dk2"/>
+                </a:solidFill>
+                <a:highlight>
+                  <a:srgbClr val="FFD966"/>
+                </a:highlight>
+              </a:rPr>
+              <a:t>imaging</a:t>
+            </a:r>
+            <a:br>
+              <a:rPr lang="en-GB" sz="1600" i="1" dirty="0">
+                <a:solidFill>
+                  <a:schemeClr val="dk2"/>
+                </a:solidFill>
+                <a:highlight>
+                  <a:srgbClr val="FFD966"/>
+                </a:highlight>
+              </a:rPr>
+            </a:br>
+            <a:r>
+              <a:rPr lang="en-GB" sz="1600" dirty="0">
+                <a:solidFill>
+                  <a:schemeClr val="dk2"/>
+                </a:solidFill>
+              </a:rPr>
+              <a:t>-sub-domains (</a:t>
+            </a:r>
+            <a:r>
+              <a:rPr lang="en-GB" sz="1600" dirty="0">
+                <a:solidFill>
+                  <a:schemeClr val="dk2"/>
+                </a:solidFill>
+                <a:highlight>
+                  <a:srgbClr val="FFE599"/>
+                </a:highlight>
+              </a:rPr>
+              <a:t>MRI</a:t>
+            </a:r>
+            <a:r>
+              <a:rPr lang="en-GB" sz="1600" dirty="0">
+                <a:solidFill>
+                  <a:schemeClr val="dk2"/>
+                </a:solidFill>
+              </a:rPr>
+              <a:t>)</a:t>
+            </a:r>
+            <a:br>
+              <a:rPr lang="en-GB" sz="1600" dirty="0">
+                <a:solidFill>
+                  <a:schemeClr val="dk2"/>
+                </a:solidFill>
+              </a:rPr>
+            </a:br>
+            <a:endParaRPr sz="1600" dirty="0">
+              <a:solidFill>
+                <a:schemeClr val="dk2"/>
+              </a:solidFill>
+            </a:endParaRPr>
+          </a:p>
+          <a:p>
+            <a:pPr marL="0" lvl="0" indent="0" algn="l" rtl="0">
+              <a:lnSpc>
+                <a:spcPct val="115000"/>
+              </a:lnSpc>
+              <a:spcBef>
+                <a:spcPts val="1200"/>
+              </a:spcBef>
+              <a:spcAft>
+                <a:spcPts val="0"/>
+              </a:spcAft>
+              <a:buNone/>
+            </a:pPr>
+            <a:endParaRPr sz="1600" dirty="0">
+              <a:solidFill>
+                <a:schemeClr val="dk2"/>
+              </a:solidFill>
+            </a:endParaRPr>
+          </a:p>
+          <a:p>
+            <a:pPr marL="0" lvl="0" indent="0" algn="l" rtl="0">
+              <a:lnSpc>
+                <a:spcPct val="115000"/>
+              </a:lnSpc>
+              <a:spcBef>
+                <a:spcPts val="1200"/>
+              </a:spcBef>
+              <a:spcAft>
+                <a:spcPts val="1200"/>
+              </a:spcAft>
+              <a:buNone/>
+            </a:pPr>
+            <a:r>
+              <a:rPr lang="en-GB" sz="1600" u="sng" dirty="0">
+                <a:solidFill>
+                  <a:schemeClr val="dk2"/>
+                </a:solidFill>
+                <a:hlinkClick r:id="rId3">
+                  <a:extLst>
+                    <a:ext uri="{A12FA001-AC4F-418D-AE19-62706E023703}">
+                      <ahyp:hlinkClr xmlns:ahyp="http://schemas.microsoft.com/office/drawing/2018/hyperlinkcolor" val="tx"/>
+                    </a:ext>
+                  </a:extLst>
+                </a:hlinkClick>
+              </a:rPr>
+              <a:t>https://github.com/Health-RI/health-ri-metadata/</a:t>
+            </a:r>
+            <a:r>
+              <a:rPr lang="en-GB" sz="1600" dirty="0">
+                <a:solidFill>
+                  <a:schemeClr val="dk2"/>
+                </a:solidFill>
+              </a:rPr>
+              <a:t> </a:t>
+            </a:r>
+            <a:endParaRPr sz="1600" dirty="0">
+              <a:solidFill>
+                <a:schemeClr val="dk2"/>
+              </a:solidFill>
+            </a:endParaRPr>
+          </a:p>
+        </p:txBody>
+      </p:sp>
+      <p:sp>
+        <p:nvSpPr>
+          <p:cNvPr id="217" name="Google Shape;217;p26"/>
+          <p:cNvSpPr txBox="1">
+            <a:spLocks noGrp="1"/>
+          </p:cNvSpPr>
+          <p:nvPr>
+            <p:ph type="title"/>
+          </p:nvPr>
+        </p:nvSpPr>
+        <p:spPr>
+          <a:xfrm>
+            <a:off x="680700" y="669875"/>
+            <a:ext cx="7688700" cy="535200"/>
+          </a:xfrm>
+          <a:prstGeom prst="rect">
+            <a:avLst/>
+          </a:prstGeom>
+        </p:spPr>
+        <p:txBody>
+          <a:bodyPr spcFirstLastPara="1" wrap="square" lIns="91425" tIns="91425" rIns="91425" bIns="91425" anchor="t" anchorCtr="0">
+            <a:normAutofit fontScale="90000"/>
+          </a:bodyPr>
+          <a:lstStyle/>
+          <a:p>
+            <a:pPr marL="0" lvl="0" indent="0" algn="l" rtl="0">
+              <a:spcBef>
+                <a:spcPts val="0"/>
+              </a:spcBef>
+              <a:spcAft>
+                <a:spcPts val="0"/>
+              </a:spcAft>
+              <a:buNone/>
+            </a:pPr>
+            <a:r>
+              <a:rPr lang="en-GB"/>
+              <a:t>The Sunflower</a:t>
+            </a:r>
+            <a:endParaRPr/>
+          </a:p>
+        </p:txBody>
+      </p:sp>
+      <p:sp>
+        <p:nvSpPr>
+          <p:cNvPr id="2" name="Google Shape;212;p26">
+            <a:extLst>
+              <a:ext uri="{FF2B5EF4-FFF2-40B4-BE49-F238E27FC236}">
+                <a16:creationId xmlns:a16="http://schemas.microsoft.com/office/drawing/2014/main" id="{BB1D740E-0F59-C96C-8E95-E4D24A5C92A0}"/>
+              </a:ext>
+            </a:extLst>
+          </p:cNvPr>
+          <p:cNvSpPr txBox="1"/>
+          <p:nvPr/>
+        </p:nvSpPr>
+        <p:spPr>
+          <a:xfrm>
+            <a:off x="5566927" y="3996798"/>
+            <a:ext cx="938700" cy="384690"/>
+          </a:xfrm>
+          <a:prstGeom prst="rect">
+            <a:avLst/>
+          </a:prstGeom>
+          <a:noFill/>
+          <a:ln>
+            <a:noFill/>
+          </a:ln>
+        </p:spPr>
+        <p:txBody>
+          <a:bodyPr spcFirstLastPara="1" wrap="square" lIns="91425" tIns="91425" rIns="91425" bIns="91425" anchor="t" anchorCtr="0">
+            <a:spAutoFit/>
+          </a:bodyPr>
+          <a:lstStyle/>
+          <a:p>
+            <a:pPr marL="0" lvl="0" indent="0" algn="ctr" rtl="0">
+              <a:spcBef>
+                <a:spcPts val="0"/>
+              </a:spcBef>
+              <a:spcAft>
+                <a:spcPts val="0"/>
+              </a:spcAft>
+              <a:buNone/>
+            </a:pPr>
+            <a:r>
+              <a:rPr lang="en-GB" sz="1300" dirty="0">
+                <a:solidFill>
+                  <a:schemeClr val="dk2"/>
+                </a:solidFill>
+                <a:latin typeface="Roboto"/>
+                <a:ea typeface="Roboto"/>
+                <a:cs typeface="Roboto"/>
+                <a:sym typeface="Roboto"/>
+              </a:rPr>
+              <a:t>Imaging</a:t>
+            </a:r>
+            <a:endParaRPr sz="1300" dirty="0">
+              <a:solidFill>
+                <a:schemeClr val="dk2"/>
+              </a:solidFill>
+              <a:latin typeface="Roboto"/>
+              <a:ea typeface="Roboto"/>
+              <a:cs typeface="Roboto"/>
+              <a:sym typeface="Roboto"/>
+            </a:endParaRPr>
+          </a:p>
+        </p:txBody>
+      </p:sp>
+    </p:spTree>
+  </p:cSld>
+  <p:clrMapOvr>
+    <a:masterClrMapping/>
+  </p:clrMapOvr>
+</p:sld>
+</file>
+
+<file path=ppt/slides/slide13.xml><?xml version="1.0" encoding="utf-8"?>
+<p:sld xmlns:a="http://schemas.openxmlformats.org/drawingml/2006/main" xmlns:r="http://schemas.openxmlformats.org/officeDocument/2006/relationships" xmlns:p="http://schemas.openxmlformats.org/presentationml/2006/main">
+  <p:cSld>
+    <p:spTree>
+      <p:nvGrpSpPr>
         <p:cNvPr id="1" name="Shape 141"/>
         <p:cNvGrpSpPr/>
         <p:nvPr/>
@@ -9604,7 +12773,7 @@
             </a:pPr>
             <a:r>
               <a:rPr lang="en-GB" dirty="0"/>
-              <a:t>Defining Core metadata model </a:t>
+              <a:t>Defining Core – Generic metadata</a:t>
             </a:r>
             <a:endParaRPr dirty="0"/>
           </a:p>
@@ -9829,7 +12998,7 @@
 </p:sld>
 </file>
 
-<file path=ppt/slides/slide13.xml><?xml version="1.0" encoding="utf-8"?>
+<file path=ppt/slides/slide14.xml><?xml version="1.0" encoding="utf-8"?>
 <p:sld xmlns:a="http://schemas.openxmlformats.org/drawingml/2006/main" xmlns:r="http://schemas.openxmlformats.org/officeDocument/2006/relationships" xmlns:p="http://schemas.openxmlformats.org/presentationml/2006/main">
   <p:cSld>
     <p:spTree>
@@ -9882,7 +13051,7 @@
             </a:pPr>
             <a:r>
               <a:rPr lang="en-GB" dirty="0"/>
-              <a:t>Defining Leaves </a:t>
+              <a:t>Defining Leaves – Specialized/domain Metadata </a:t>
             </a:r>
             <a:endParaRPr dirty="0"/>
           </a:p>
@@ -9925,9 +13094,8 @@
             </a:pPr>
             <a:r>
               <a:rPr lang="en-GB" dirty="0"/>
-              <a:t>Domains (e.g. Omics group) will specialize the generic schema into their needs and properties (e.g. add omics metadata such as ISA tab elements, or the extensions made in the FAIR data cube, FAIR Genome and X-Omics projects)</a:t>
-            </a:r>
-            <a:endParaRPr dirty="0"/>
+              <a:t>Domains (e.g. Image group) will specialize the generic schema into their needs and properties </a:t>
+            </a:r>
           </a:p>
           <a:p>
             <a:pPr marL="457200" lvl="0" indent="-311150" algn="l" rtl="0">
@@ -10016,7 +13184,7 @@
 </p:sld>
 </file>
 
-<file path=ppt/slides/slide14.xml><?xml version="1.0" encoding="utf-8"?>
+<file path=ppt/slides/slide15.xml><?xml version="1.0" encoding="utf-8"?>
 <p:sld xmlns:a="http://schemas.openxmlformats.org/drawingml/2006/main" xmlns:r="http://schemas.openxmlformats.org/officeDocument/2006/relationships" xmlns:p="http://schemas.openxmlformats.org/presentationml/2006/main">
   <p:cSld>
     <p:spTree>
@@ -10117,10 +13285,10 @@
               <a:buNone/>
             </a:pPr>
             <a:r>
-              <a:rPr lang="en-GB"/>
+              <a:rPr lang="en-GB" dirty="0"/>
               <a:t>FAIR</a:t>
             </a:r>
-            <a:endParaRPr/>
+            <a:endParaRPr dirty="0"/>
           </a:p>
           <a:p>
             <a:pPr marL="457200" lvl="0" indent="-304958" algn="l" rtl="0">
@@ -10134,18 +13302,26 @@
               <a:buChar char="●"/>
             </a:pPr>
             <a:r>
-              <a:rPr lang="en-GB"/>
+              <a:rPr lang="en-GB" dirty="0"/>
               <a:t>Important to </a:t>
             </a:r>
             <a:r>
-              <a:rPr lang="en-GB" b="1"/>
+              <a:rPr lang="en-GB" b="1" dirty="0"/>
               <a:t>find</a:t>
             </a:r>
             <a:r>
-              <a:rPr lang="en-GB"/>
-              <a:t> your dataset (e.g. diagnosis, sample size, subjects (people,demo)</a:t>
-            </a:r>
-            <a:endParaRPr/>
+              <a:rPr lang="en-GB" dirty="0"/>
+              <a:t> your dataset (e.g. diagnosis, sample size, subjects (</a:t>
+            </a:r>
+            <a:r>
+              <a:rPr lang="en-GB" dirty="0" err="1"/>
+              <a:t>people,demo</a:t>
+            </a:r>
+            <a:r>
+              <a:rPr lang="en-GB" dirty="0"/>
+              <a:t>)</a:t>
+            </a:r>
+            <a:endParaRPr dirty="0"/>
           </a:p>
           <a:p>
             <a:pPr marL="457200" lvl="0" indent="-304958" algn="l" rtl="0">
@@ -10159,10 +13335,10 @@
               <a:buChar char="●"/>
             </a:pPr>
             <a:r>
-              <a:rPr lang="en-GB"/>
+              <a:rPr lang="en-GB" dirty="0"/>
               <a:t>Increase accessibility (which protocol was used e.g. a form sent to the medical ethical committee)</a:t>
             </a:r>
-            <a:endParaRPr/>
+            <a:endParaRPr dirty="0"/>
           </a:p>
           <a:p>
             <a:pPr marL="457200" lvl="0" indent="-304958" algn="l" rtl="0">
@@ -10176,10 +13352,10 @@
               <a:buChar char="●"/>
             </a:pPr>
             <a:r>
-              <a:rPr lang="en-GB"/>
+              <a:rPr lang="en-GB" dirty="0"/>
               <a:t>Increase interoperability (which vocabulary, coding language was used in your data)</a:t>
             </a:r>
-            <a:endParaRPr/>
+            <a:endParaRPr dirty="0"/>
           </a:p>
           <a:p>
             <a:pPr marL="457200" lvl="0" indent="-304958" algn="l" rtl="0">
@@ -10193,10 +13369,10 @@
               <a:buChar char="●"/>
             </a:pPr>
             <a:r>
-              <a:rPr lang="en-GB"/>
+              <a:rPr lang="en-GB" dirty="0"/>
               <a:t>Increase reusability (consent/license, provenance, standards used for coding your data, study protocols as a quality standard, pointer to the data)</a:t>
             </a:r>
-            <a:endParaRPr/>
+            <a:endParaRPr dirty="0"/>
           </a:p>
           <a:p>
             <a:pPr marL="0" lvl="0" indent="0" algn="l" rtl="0">
@@ -10209,10 +13385,10 @@
               <a:buNone/>
             </a:pPr>
             <a:r>
-              <a:rPr lang="en-GB"/>
+              <a:rPr lang="en-GB" dirty="0"/>
               <a:t>Other</a:t>
             </a:r>
-            <a:endParaRPr/>
+            <a:endParaRPr dirty="0"/>
           </a:p>
           <a:p>
             <a:pPr marL="457200" lvl="0" indent="-304958" algn="l" rtl="0">
@@ -10226,10 +13402,10 @@
               <a:buChar char="●"/>
             </a:pPr>
             <a:r>
-              <a:rPr lang="en-GB"/>
+              <a:rPr lang="en-GB" dirty="0"/>
               <a:t>Important for the “visuals” of the portal (e.g. Logo URL, Landing Page URL)</a:t>
             </a:r>
-            <a:endParaRPr/>
+            <a:endParaRPr dirty="0"/>
           </a:p>
           <a:p>
             <a:pPr marL="457200" lvl="0" indent="-304958" algn="l" rtl="0">
@@ -10243,10 +13419,10 @@
               <a:buChar char="●"/>
             </a:pPr>
             <a:r>
-              <a:rPr lang="en-GB"/>
-              <a:t>Important for your domain (e.g. tnm for an onco/ cancer dataset, profiling for omics)</a:t>
-            </a:r>
-            <a:endParaRPr/>
+              <a:rPr lang="en-GB" dirty="0"/>
+              <a:t>Important for your domain (e.g. imaging example)</a:t>
+            </a:r>
+            <a:endParaRPr dirty="0"/>
           </a:p>
         </p:txBody>
       </p:sp>
@@ -10258,7 +13434,7 @@
 </p:sld>
 </file>
 
-<file path=ppt/slides/slide15.xml><?xml version="1.0" encoding="utf-8"?>
+<file path=ppt/slides/slide16.xml><?xml version="1.0" encoding="utf-8"?>
 <p:sld xmlns:a="http://schemas.openxmlformats.org/drawingml/2006/main" xmlns:r="http://schemas.openxmlformats.org/officeDocument/2006/relationships" xmlns:p="http://schemas.openxmlformats.org/presentationml/2006/main">
   <p:cSld>
     <p:spTree>
@@ -10311,15 +13487,11 @@
             </a:pPr>
             <a:r>
               <a:rPr lang="en-GB" dirty="0"/>
-              <a:t>Requirements: </a:t>
+              <a:t>Collect Requirements </a:t>
             </a:r>
             <a:br>
               <a:rPr lang="en-GB" dirty="0"/>
             </a:br>
-            <a:r>
-              <a:rPr lang="en-GB" dirty="0"/>
-              <a:t>Agreeing on properties - example</a:t>
-            </a:r>
             <a:endParaRPr dirty="0"/>
           </a:p>
         </p:txBody>
@@ -10336,7 +13508,7 @@
         </p:nvSpPr>
         <p:spPr>
           <a:xfrm>
-            <a:off x="469113" y="2078875"/>
+            <a:off x="469113" y="1823839"/>
             <a:ext cx="7949037" cy="3064625"/>
           </a:xfrm>
           <a:prstGeom prst="rect">
@@ -10586,97 +13758,6 @@
         </p:txBody>
       </p:sp>
     </p:spTree>
-  </p:cSld>
-  <p:clrMapOvr>
-    <a:masterClrMapping/>
-  </p:clrMapOvr>
-</p:sld>
-</file>
-
-<file path=ppt/slides/slide16.xml><?xml version="1.0" encoding="utf-8"?>
-<p:sld xmlns:a="http://schemas.openxmlformats.org/drawingml/2006/main" xmlns:r="http://schemas.openxmlformats.org/officeDocument/2006/relationships" xmlns:p="http://schemas.openxmlformats.org/presentationml/2006/main">
-  <p:cSld>
-    <p:spTree>
-      <p:nvGrpSpPr>
-        <p:cNvPr id="1" name=""/>
-        <p:cNvGrpSpPr/>
-        <p:nvPr/>
-      </p:nvGrpSpPr>
-      <p:grpSpPr>
-        <a:xfrm>
-          <a:off x="0" y="0"/>
-          <a:ext cx="0" cy="0"/>
-          <a:chOff x="0" y="0"/>
-          <a:chExt cx="0" cy="0"/>
-        </a:xfrm>
-      </p:grpSpPr>
-      <p:sp>
-        <p:nvSpPr>
-          <p:cNvPr id="2" name="Title 1">
-            <a:extLst>
-              <a:ext uri="{FF2B5EF4-FFF2-40B4-BE49-F238E27FC236}">
-                <a16:creationId xmlns:a16="http://schemas.microsoft.com/office/drawing/2014/main" id="{A8098AFD-F7A1-6E32-9FA2-7E71C04D4775}"/>
-              </a:ext>
-            </a:extLst>
-          </p:cNvPr>
-          <p:cNvSpPr>
-            <a:spLocks noGrp="1"/>
-          </p:cNvSpPr>
-          <p:nvPr>
-            <p:ph type="title"/>
-          </p:nvPr>
-        </p:nvSpPr>
-        <p:spPr/>
-        <p:txBody>
-          <a:bodyPr>
-            <a:normAutofit fontScale="90000"/>
-          </a:bodyPr>
-          <a:lstStyle/>
-          <a:p>
-            <a:r>
-              <a:rPr lang="en-NL" dirty="0"/>
-              <a:t>Always Reuse -- Existing schema in your domain</a:t>
-            </a:r>
-          </a:p>
-        </p:txBody>
-      </p:sp>
-      <p:sp>
-        <p:nvSpPr>
-          <p:cNvPr id="3" name="Text Placeholder 2">
-            <a:extLst>
-              <a:ext uri="{FF2B5EF4-FFF2-40B4-BE49-F238E27FC236}">
-                <a16:creationId xmlns:a16="http://schemas.microsoft.com/office/drawing/2014/main" id="{CCD19D7E-D319-C04F-AB57-48963E19DA97}"/>
-              </a:ext>
-            </a:extLst>
-          </p:cNvPr>
-          <p:cNvSpPr>
-            <a:spLocks noGrp="1"/>
-          </p:cNvSpPr>
-          <p:nvPr>
-            <p:ph type="body" idx="1"/>
-          </p:nvPr>
-        </p:nvSpPr>
-        <p:spPr/>
-        <p:txBody>
-          <a:bodyPr/>
-          <a:lstStyle/>
-          <a:p>
-            <a:pPr marL="146050" indent="0">
-              <a:buNone/>
-            </a:pPr>
-            <a:r>
-              <a:rPr lang="en-NL" dirty="0"/>
-              <a:t>-</a:t>
-            </a:r>
-          </a:p>
-        </p:txBody>
-      </p:sp>
-    </p:spTree>
-    <p:extLst>
-      <p:ext uri="{BB962C8B-B14F-4D97-AF65-F5344CB8AC3E}">
-        <p14:creationId xmlns:p14="http://schemas.microsoft.com/office/powerpoint/2010/main" val="2466657901"/>
-      </p:ext>
-    </p:extLst>
   </p:cSld>
   <p:clrMapOvr>
     <a:masterClrMapping/>
@@ -10706,7 +13787,7 @@
           <p:cNvPr id="2" name="Title 1">
             <a:extLst>
               <a:ext uri="{FF2B5EF4-FFF2-40B4-BE49-F238E27FC236}">
-                <a16:creationId xmlns:a16="http://schemas.microsoft.com/office/drawing/2014/main" id="{B39C9844-5101-1152-9170-AF90CC06CAA0}"/>
+                <a16:creationId xmlns:a16="http://schemas.microsoft.com/office/drawing/2014/main" id="{A8098AFD-F7A1-6E32-9FA2-7E71C04D4775}"/>
               </a:ext>
             </a:extLst>
           </p:cNvPr>
@@ -10726,7 +13807,7 @@
           <a:p>
             <a:r>
               <a:rPr lang="en-NL" dirty="0"/>
-              <a:t>Map it to the Core Metadata Model</a:t>
+              <a:t>Always Reuse -- Existing standards</a:t>
             </a:r>
           </a:p>
         </p:txBody>
@@ -10736,7 +13817,7 @@
           <p:cNvPr id="3" name="Text Placeholder 2">
             <a:extLst>
               <a:ext uri="{FF2B5EF4-FFF2-40B4-BE49-F238E27FC236}">
-                <a16:creationId xmlns:a16="http://schemas.microsoft.com/office/drawing/2014/main" id="{E321559B-3206-67B9-6ECF-0C05C3E5E4D3}"/>
+                <a16:creationId xmlns:a16="http://schemas.microsoft.com/office/drawing/2014/main" id="{CCD19D7E-D319-C04F-AB57-48963E19DA97}"/>
               </a:ext>
             </a:extLst>
           </p:cNvPr>
@@ -10752,36 +13833,72 @@
           <a:bodyPr/>
           <a:lstStyle/>
           <a:p>
+            <a:pPr marL="146050" indent="0">
+              <a:buNone/>
+            </a:pPr>
+            <a:r>
+              <a:rPr lang="en-NL" dirty="0"/>
+              <a:t>Mapp your requirements to the existing standards and reuse if applicable. </a:t>
+            </a:r>
+          </a:p>
+          <a:p>
+            <a:pPr marL="146050" indent="0">
+              <a:buNone/>
+            </a:pPr>
+            <a:endParaRPr lang="en-NL" dirty="0"/>
+          </a:p>
+          <a:p>
+            <a:pPr marL="146050" indent="0">
+              <a:buNone/>
+            </a:pPr>
+            <a:r>
+              <a:rPr lang="en-NL" dirty="0"/>
+              <a:t>-</a:t>
+            </a:r>
             <a:r>
               <a:rPr lang="en-GB" dirty="0"/>
-              <a:t>M</a:t>
-            </a:r>
-            <a:r>
-              <a:rPr lang="en-NL" dirty="0"/>
-              <a:t>apping excersie</a:t>
-            </a:r>
-          </a:p>
-          <a:p>
-            <a:endParaRPr lang="en-NL" dirty="0"/>
-          </a:p>
-          <a:p>
+              <a:t>DICOM® is the international standard to transmit, store, retrieve, print, process, and display medical imaging information”</a:t>
+            </a:r>
+          </a:p>
+          <a:p>
+            <a:pPr marL="146050" indent="0">
+              <a:buNone/>
+            </a:pPr>
             <a:r>
               <a:rPr lang="en-GB" dirty="0"/>
-              <a:t>[L</a:t>
-            </a:r>
-            <a:r>
-              <a:rPr lang="en-NL" dirty="0"/>
-              <a:t>ink] </a:t>
-            </a:r>
-            <a:r>
-              <a:rPr lang="en-GB" dirty="0">
-                <a:hlinkClick r:id="rId2"/>
-              </a:rPr>
-              <a:t>https://docs.google.com/spreadsheets/d/1KKfAxn4ftoOAM2v3WsqT2XcPhdmTjnf1BZkvFf9FqF8/edit#gid=0</a:t>
-            </a:r>
+              <a:t>From https://</a:t>
+            </a:r>
+            <a:r>
+              <a:rPr lang="en-GB" dirty="0" err="1"/>
+              <a:t>www.dicomstandard.org</a:t>
+            </a:r>
+            <a:r>
+              <a:rPr lang="en-GB" dirty="0"/>
+              <a:t>/, (</a:t>
+            </a:r>
+            <a:r>
+              <a:rPr lang="en-GB" dirty="0" err="1"/>
+              <a:t>Mildenberger</a:t>
+            </a:r>
+            <a:r>
+              <a:rPr lang="en-GB" dirty="0"/>
+              <a:t> et al, 2002)</a:t>
+            </a:r>
+          </a:p>
+          <a:p>
+            <a:pPr marL="146050" indent="0">
+              <a:buNone/>
+            </a:pPr>
             <a:endParaRPr lang="en-GB" dirty="0"/>
           </a:p>
           <a:p>
+            <a:pPr marL="146050" indent="0">
+              <a:buNone/>
+            </a:pPr>
+            <a:r>
+              <a:rPr lang="en-GB" dirty="0"/>
+              <a:t>- BIDS? </a:t>
+            </a:r>
             <a:endParaRPr lang="en-NL" dirty="0"/>
           </a:p>
         </p:txBody>
@@ -10789,7 +13906,7 @@
     </p:spTree>
     <p:extLst>
       <p:ext uri="{BB962C8B-B14F-4D97-AF65-F5344CB8AC3E}">
-        <p14:creationId xmlns:p14="http://schemas.microsoft.com/office/powerpoint/2010/main" val="1008516795"/>
+        <p14:creationId xmlns:p14="http://schemas.microsoft.com/office/powerpoint/2010/main" val="2466657901"/>
       </p:ext>
     </p:extLst>
   </p:cSld>
@@ -10821,6 +13938,133 @@
           <p:cNvPr id="2" name="Title 1">
             <a:extLst>
               <a:ext uri="{FF2B5EF4-FFF2-40B4-BE49-F238E27FC236}">
+                <a16:creationId xmlns:a16="http://schemas.microsoft.com/office/drawing/2014/main" id="{B39C9844-5101-1152-9170-AF90CC06CAA0}"/>
+              </a:ext>
+            </a:extLst>
+          </p:cNvPr>
+          <p:cNvSpPr>
+            <a:spLocks noGrp="1"/>
+          </p:cNvSpPr>
+          <p:nvPr>
+            <p:ph type="title"/>
+          </p:nvPr>
+        </p:nvSpPr>
+        <p:spPr/>
+        <p:txBody>
+          <a:bodyPr>
+            <a:normAutofit fontScale="90000"/>
+          </a:bodyPr>
+          <a:lstStyle/>
+          <a:p>
+            <a:r>
+              <a:rPr lang="en-NL" dirty="0"/>
+              <a:t>Map your model to HRI core metatda model</a:t>
+            </a:r>
+          </a:p>
+        </p:txBody>
+      </p:sp>
+      <p:sp>
+        <p:nvSpPr>
+          <p:cNvPr id="3" name="Text Placeholder 2">
+            <a:extLst>
+              <a:ext uri="{FF2B5EF4-FFF2-40B4-BE49-F238E27FC236}">
+                <a16:creationId xmlns:a16="http://schemas.microsoft.com/office/drawing/2014/main" id="{E321559B-3206-67B9-6ECF-0C05C3E5E4D3}"/>
+              </a:ext>
+            </a:extLst>
+          </p:cNvPr>
+          <p:cNvSpPr>
+            <a:spLocks noGrp="1"/>
+          </p:cNvSpPr>
+          <p:nvPr>
+            <p:ph type="body" idx="1"/>
+          </p:nvPr>
+        </p:nvSpPr>
+        <p:spPr>
+          <a:xfrm>
+            <a:off x="801621" y="2159100"/>
+            <a:ext cx="8142873" cy="2130267"/>
+          </a:xfrm>
+        </p:spPr>
+        <p:txBody>
+          <a:bodyPr/>
+          <a:lstStyle/>
+          <a:p>
+            <a:r>
+              <a:rPr lang="en-GB" dirty="0"/>
+              <a:t>T</a:t>
+            </a:r>
+            <a:r>
+              <a:rPr lang="en-NL" dirty="0"/>
+              <a:t>o be interoperable with HRI Portal</a:t>
+            </a:r>
+          </a:p>
+          <a:p>
+            <a:pPr marL="146050" indent="0">
+              <a:buNone/>
+            </a:pPr>
+            <a:endParaRPr lang="en-NL" dirty="0"/>
+          </a:p>
+          <a:p>
+            <a:pPr marL="146050" indent="0">
+              <a:buNone/>
+            </a:pPr>
+            <a:endParaRPr lang="en-NL" dirty="0"/>
+          </a:p>
+          <a:p>
+            <a:r>
+              <a:rPr lang="en-US" dirty="0">
+                <a:hlinkClick r:id="rId2"/>
+              </a:rPr>
+              <a:t>Wokring document </a:t>
+            </a:r>
+            <a:r>
+              <a:rPr lang="en-GB" dirty="0">
+                <a:hlinkClick r:id="rId2"/>
+              </a:rPr>
+              <a:t>https://docs.google.com/spreadsheets/d/1KKfAxn4ftoOAM2v3WsqT2XcPhdmTjnf1BZkvFf9FqF8/edit#gid=0</a:t>
+            </a:r>
+            <a:endParaRPr lang="en-GB" dirty="0"/>
+          </a:p>
+          <a:p>
+            <a:endParaRPr lang="en-NL" dirty="0"/>
+          </a:p>
+        </p:txBody>
+      </p:sp>
+    </p:spTree>
+    <p:extLst>
+      <p:ext uri="{BB962C8B-B14F-4D97-AF65-F5344CB8AC3E}">
+        <p14:creationId xmlns:p14="http://schemas.microsoft.com/office/powerpoint/2010/main" val="1008516795"/>
+      </p:ext>
+    </p:extLst>
+  </p:cSld>
+  <p:clrMapOvr>
+    <a:masterClrMapping/>
+  </p:clrMapOvr>
+</p:sld>
+</file>
+
+<file path=ppt/slides/slide19.xml><?xml version="1.0" encoding="utf-8"?>
+<p:sld xmlns:a="http://schemas.openxmlformats.org/drawingml/2006/main" xmlns:r="http://schemas.openxmlformats.org/officeDocument/2006/relationships" xmlns:p="http://schemas.openxmlformats.org/presentationml/2006/main">
+  <p:cSld>
+    <p:spTree>
+      <p:nvGrpSpPr>
+        <p:cNvPr id="1" name=""/>
+        <p:cNvGrpSpPr/>
+        <p:nvPr/>
+      </p:nvGrpSpPr>
+      <p:grpSpPr>
+        <a:xfrm>
+          <a:off x="0" y="0"/>
+          <a:ext cx="0" cy="0"/>
+          <a:chOff x="0" y="0"/>
+          <a:chExt cx="0" cy="0"/>
+        </a:xfrm>
+      </p:grpSpPr>
+      <p:sp>
+        <p:nvSpPr>
+          <p:cNvPr id="2" name="Title 1">
+            <a:extLst>
+              <a:ext uri="{FF2B5EF4-FFF2-40B4-BE49-F238E27FC236}">
                 <a16:creationId xmlns:a16="http://schemas.microsoft.com/office/drawing/2014/main" id="{26244896-C32D-77BA-CC93-425BE670B515}"/>
               </a:ext>
             </a:extLst>
@@ -10840,8 +14084,12 @@
           <a:lstStyle/>
           <a:p>
             <a:r>
+              <a:rPr lang="en-GB" dirty="0"/>
+              <a:t>I</a:t>
+            </a:r>
+            <a:r>
               <a:rPr lang="en-NL" dirty="0"/>
-              <a:t>Evalaute the coverage</a:t>
+              <a:t>nstantiate the matadta model</a:t>
             </a:r>
           </a:p>
         </p:txBody>
@@ -10872,6 +14120,9 @@
           <a:bodyPr/>
           <a:lstStyle/>
           <a:p>
+            <a:pPr marL="146050" indent="0">
+              <a:buNone/>
+            </a:pPr>
             <a:endParaRPr lang="en-NL" dirty="0"/>
           </a:p>
         </p:txBody>
@@ -10882,232 +14133,6 @@
         <p14:creationId xmlns:p14="http://schemas.microsoft.com/office/powerpoint/2010/main" val="848186340"/>
       </p:ext>
     </p:extLst>
-  </p:cSld>
-  <p:clrMapOvr>
-    <a:masterClrMapping/>
-  </p:clrMapOvr>
-</p:sld>
-</file>
-
-<file path=ppt/slides/slide19.xml><?xml version="1.0" encoding="utf-8"?>
-<p:sld xmlns:a="http://schemas.openxmlformats.org/drawingml/2006/main" xmlns:r="http://schemas.openxmlformats.org/officeDocument/2006/relationships" xmlns:p="http://schemas.openxmlformats.org/presentationml/2006/main" show="0">
-  <p:cSld>
-    <p:spTree>
-      <p:nvGrpSpPr>
-        <p:cNvPr id="1" name="Shape 165"/>
-        <p:cNvGrpSpPr/>
-        <p:nvPr/>
-      </p:nvGrpSpPr>
-      <p:grpSpPr>
-        <a:xfrm>
-          <a:off x="0" y="0"/>
-          <a:ext cx="0" cy="0"/>
-          <a:chOff x="0" y="0"/>
-          <a:chExt cx="0" cy="0"/>
-        </a:xfrm>
-      </p:grpSpPr>
-      <p:sp>
-        <p:nvSpPr>
-          <p:cNvPr id="166" name="Google Shape;166;p25"/>
-          <p:cNvSpPr txBox="1">
-            <a:spLocks noGrp="1"/>
-          </p:cNvSpPr>
-          <p:nvPr>
-            <p:ph type="title"/>
-          </p:nvPr>
-        </p:nvSpPr>
-        <p:spPr>
-          <a:xfrm>
-            <a:off x="729450" y="1318650"/>
-            <a:ext cx="7688700" cy="535200"/>
-          </a:xfrm>
-          <a:prstGeom prst="rect">
-            <a:avLst/>
-          </a:prstGeom>
-        </p:spPr>
-        <p:txBody>
-          <a:bodyPr spcFirstLastPara="1" wrap="square" lIns="91425" tIns="91425" rIns="91425" bIns="91425" anchor="t" anchorCtr="0">
-            <a:normAutofit fontScale="90000"/>
-          </a:bodyPr>
-          <a:lstStyle/>
-          <a:p>
-            <a:pPr marL="0" lvl="0" indent="0" algn="l" rtl="0">
-              <a:spcBef>
-                <a:spcPts val="0"/>
-              </a:spcBef>
-              <a:spcAft>
-                <a:spcPts val="0"/>
-              </a:spcAft>
-              <a:buNone/>
-            </a:pPr>
-            <a:r>
-              <a:rPr lang="en-GB" dirty="0"/>
-              <a:t>Metadata Schemas and Portal Releases</a:t>
-            </a:r>
-            <a:endParaRPr dirty="0"/>
-          </a:p>
-          <a:p>
-            <a:pPr marL="0" lvl="0" indent="0" algn="l" rtl="0">
-              <a:spcBef>
-                <a:spcPts val="0"/>
-              </a:spcBef>
-              <a:spcAft>
-                <a:spcPts val="0"/>
-              </a:spcAft>
-              <a:buNone/>
-            </a:pPr>
-            <a:endParaRPr dirty="0"/>
-          </a:p>
-        </p:txBody>
-      </p:sp>
-      <p:sp>
-        <p:nvSpPr>
-          <p:cNvPr id="167" name="Google Shape;167;p25"/>
-          <p:cNvSpPr txBox="1">
-            <a:spLocks noGrp="1"/>
-          </p:cNvSpPr>
-          <p:nvPr>
-            <p:ph type="body" idx="1"/>
-          </p:nvPr>
-        </p:nvSpPr>
-        <p:spPr>
-          <a:xfrm>
-            <a:off x="729450" y="2078875"/>
-            <a:ext cx="7688700" cy="2261100"/>
-          </a:xfrm>
-          <a:prstGeom prst="rect">
-            <a:avLst/>
-          </a:prstGeom>
-        </p:spPr>
-        <p:txBody>
-          <a:bodyPr spcFirstLastPara="1" wrap="square" lIns="91425" tIns="91425" rIns="91425" bIns="91425" anchor="t" anchorCtr="0">
-            <a:noAutofit/>
-          </a:bodyPr>
-          <a:lstStyle/>
-          <a:p>
-            <a:pPr marL="457200" lvl="0" indent="-311150" algn="l" rtl="0">
-              <a:spcBef>
-                <a:spcPts val="0"/>
-              </a:spcBef>
-              <a:spcAft>
-                <a:spcPts val="0"/>
-              </a:spcAft>
-              <a:buSzPts val="1300"/>
-              <a:buChar char="●"/>
-            </a:pPr>
-            <a:r>
-              <a:rPr lang="en-GB"/>
-              <a:t>Published HRI Core Metadata Schema </a:t>
-            </a:r>
-            <a:r>
-              <a:rPr lang="en-GB" i="1"/>
-              <a:t>(w obligatory fields of DCAT AP + what apart from DCAT-AP do we need?)</a:t>
-            </a:r>
-            <a:endParaRPr i="1"/>
-          </a:p>
-          <a:p>
-            <a:pPr marL="457200" lvl="0" indent="-311150" algn="l" rtl="0">
-              <a:spcBef>
-                <a:spcPts val="0"/>
-              </a:spcBef>
-              <a:spcAft>
-                <a:spcPts val="0"/>
-              </a:spcAft>
-              <a:buSzPts val="1300"/>
-              <a:buChar char="●"/>
-            </a:pPr>
-            <a:r>
-              <a:rPr lang="en-GB"/>
-              <a:t>Published Domain Schemas (Leaves) </a:t>
-            </a:r>
-            <a:r>
-              <a:rPr lang="en-GB" i="1"/>
-              <a:t>(w obligatory fields per domain)</a:t>
-            </a:r>
-            <a:endParaRPr i="1"/>
-          </a:p>
-          <a:p>
-            <a:pPr marL="457200" lvl="0" indent="-311150" algn="l" rtl="0">
-              <a:spcBef>
-                <a:spcPts val="0"/>
-              </a:spcBef>
-              <a:spcAft>
-                <a:spcPts val="0"/>
-              </a:spcAft>
-              <a:buSzPts val="1300"/>
-              <a:buChar char="●"/>
-            </a:pPr>
-            <a:r>
-              <a:rPr lang="en-GB"/>
-              <a:t>Documentation for users to follow on “how to describe their resource”</a:t>
-            </a:r>
-            <a:endParaRPr/>
-          </a:p>
-          <a:p>
-            <a:pPr marL="0" lvl="0" indent="0" algn="l" rtl="0">
-              <a:spcBef>
-                <a:spcPts val="1200"/>
-              </a:spcBef>
-              <a:spcAft>
-                <a:spcPts val="0"/>
-              </a:spcAft>
-              <a:buNone/>
-            </a:pPr>
-            <a:r>
-              <a:rPr lang="en-GB"/>
-              <a:t>Releases</a:t>
-            </a:r>
-            <a:endParaRPr/>
-          </a:p>
-          <a:p>
-            <a:pPr marL="457200" lvl="0" indent="-311150" algn="l" rtl="0">
-              <a:spcBef>
-                <a:spcPts val="1200"/>
-              </a:spcBef>
-              <a:spcAft>
-                <a:spcPts val="0"/>
-              </a:spcAft>
-              <a:buSzPts val="1300"/>
-              <a:buChar char="●"/>
-            </a:pPr>
-            <a:r>
-              <a:rPr lang="en-GB"/>
-              <a:t>DCAT-AP Portals mandatory fields will be required for portal </a:t>
-            </a:r>
-            <a:r>
-              <a:rPr lang="en-GB" b="1"/>
-              <a:t>0.9</a:t>
-            </a:r>
-            <a:r>
-              <a:rPr lang="en-GB"/>
-              <a:t> release </a:t>
-            </a:r>
-            <a:endParaRPr/>
-          </a:p>
-          <a:p>
-            <a:pPr marL="457200" lvl="0" indent="-311150" algn="l" rtl="0">
-              <a:spcBef>
-                <a:spcPts val="0"/>
-              </a:spcBef>
-              <a:spcAft>
-                <a:spcPts val="0"/>
-              </a:spcAft>
-              <a:buSzPts val="1300"/>
-              <a:buChar char="●"/>
-            </a:pPr>
-            <a:r>
-              <a:rPr lang="en-GB"/>
-              <a:t>HRI Core Metadata Schema (what apart from DCAT-AP do we need?) and leaves expected to be released for portal release </a:t>
-            </a:r>
-            <a:r>
-              <a:rPr lang="en-GB" b="1"/>
-              <a:t>2.0</a:t>
-            </a:r>
-            <a:endParaRPr b="1"/>
-          </a:p>
-        </p:txBody>
-      </p:sp>
-    </p:spTree>
   </p:cSld>
   <p:clrMapOvr>
     <a:masterClrMapping/>
@@ -11263,11 +14288,11 @@
 </file>
 
 <file path=ppt/slides/slide20.xml><?xml version="1.0" encoding="utf-8"?>
-<p:sld xmlns:a="http://schemas.openxmlformats.org/drawingml/2006/main" xmlns:r="http://schemas.openxmlformats.org/officeDocument/2006/relationships" xmlns:p="http://schemas.openxmlformats.org/presentationml/2006/main">
+<p:sld xmlns:a="http://schemas.openxmlformats.org/drawingml/2006/main" xmlns:r="http://schemas.openxmlformats.org/officeDocument/2006/relationships" xmlns:p="http://schemas.openxmlformats.org/presentationml/2006/main" show="0">
   <p:cSld>
     <p:spTree>
       <p:nvGrpSpPr>
-        <p:cNvPr id="1" name="Shape 171"/>
+        <p:cNvPr id="1" name="Shape 165"/>
         <p:cNvGrpSpPr/>
         <p:nvPr/>
       </p:nvGrpSpPr>
@@ -11281,3045 +14306,7 @@
       </p:grpSpPr>
       <p:sp>
         <p:nvSpPr>
-          <p:cNvPr id="172" name="Google Shape;172;p26"/>
-          <p:cNvSpPr/>
-          <p:nvPr/>
-        </p:nvSpPr>
-        <p:spPr>
-          <a:xfrm rot="188886">
-            <a:off x="7535786" y="532524"/>
-            <a:ext cx="961451" cy="1098000"/>
-          </a:xfrm>
-          <a:prstGeom prst="teardrop">
-            <a:avLst>
-              <a:gd name="adj" fmla="val 125256"/>
-            </a:avLst>
-          </a:prstGeom>
-          <a:solidFill>
-            <a:srgbClr val="FFD966"/>
-          </a:solidFill>
-          <a:ln w="9525" cap="flat" cmpd="sng">
-            <a:solidFill>
-              <a:schemeClr val="dk2"/>
-            </a:solidFill>
-            <a:prstDash val="solid"/>
-            <a:round/>
-            <a:headEnd type="none" w="sm" len="sm"/>
-            <a:tailEnd type="none" w="sm" len="sm"/>
-          </a:ln>
-        </p:spPr>
-        <p:txBody>
-          <a:bodyPr spcFirstLastPara="1" wrap="square" lIns="91425" tIns="91425" rIns="91425" bIns="91425" anchor="t" anchorCtr="0">
-            <a:noAutofit/>
-          </a:bodyPr>
-          <a:lstStyle/>
-          <a:p>
-            <a:pPr marL="0" lvl="0" indent="0" algn="r" rtl="0">
-              <a:spcBef>
-                <a:spcPts val="0"/>
-              </a:spcBef>
-              <a:spcAft>
-                <a:spcPts val="0"/>
-              </a:spcAft>
-              <a:buNone/>
-            </a:pPr>
-            <a:r>
-              <a:rPr lang="en-GB">
-                <a:solidFill>
-                  <a:schemeClr val="dk2"/>
-                </a:solidFill>
-                <a:latin typeface="Roboto"/>
-                <a:ea typeface="Roboto"/>
-                <a:cs typeface="Roboto"/>
-                <a:sym typeface="Roboto"/>
-              </a:rPr>
-              <a:t>NWO</a:t>
-            </a:r>
-            <a:endParaRPr>
-              <a:solidFill>
-                <a:schemeClr val="dk2"/>
-              </a:solidFill>
-              <a:latin typeface="Roboto"/>
-              <a:ea typeface="Roboto"/>
-              <a:cs typeface="Roboto"/>
-              <a:sym typeface="Roboto"/>
-            </a:endParaRPr>
-          </a:p>
-        </p:txBody>
-      </p:sp>
-      <p:sp>
-        <p:nvSpPr>
-          <p:cNvPr id="173" name="Google Shape;173;p26"/>
-          <p:cNvSpPr/>
-          <p:nvPr/>
-        </p:nvSpPr>
-        <p:spPr>
-          <a:xfrm rot="-10187366">
-            <a:off x="3639178" y="3780897"/>
-            <a:ext cx="1076346" cy="1098944"/>
-          </a:xfrm>
-          <a:prstGeom prst="teardrop">
-            <a:avLst>
-              <a:gd name="adj" fmla="val 125256"/>
-            </a:avLst>
-          </a:prstGeom>
-          <a:solidFill>
-            <a:srgbClr val="FFD966"/>
-          </a:solidFill>
-          <a:ln w="9525" cap="flat" cmpd="sng">
-            <a:solidFill>
-              <a:schemeClr val="dk2"/>
-            </a:solidFill>
-            <a:prstDash val="solid"/>
-            <a:round/>
-            <a:headEnd type="none" w="sm" len="sm"/>
-            <a:tailEnd type="none" w="sm" len="sm"/>
-          </a:ln>
-        </p:spPr>
-        <p:txBody>
-          <a:bodyPr spcFirstLastPara="1" wrap="square" lIns="91425" tIns="91425" rIns="91425" bIns="91425" anchor="ctr" anchorCtr="0">
-            <a:noAutofit/>
-          </a:bodyPr>
-          <a:lstStyle/>
-          <a:p>
-            <a:pPr marL="0" lvl="0" indent="0" algn="l" rtl="0">
-              <a:spcBef>
-                <a:spcPts val="0"/>
-              </a:spcBef>
-              <a:spcAft>
-                <a:spcPts val="0"/>
-              </a:spcAft>
-              <a:buNone/>
-            </a:pPr>
-            <a:endParaRPr>
-              <a:solidFill>
-                <a:schemeClr val="dk2"/>
-              </a:solidFill>
-              <a:latin typeface="Roboto"/>
-              <a:ea typeface="Roboto"/>
-              <a:cs typeface="Roboto"/>
-              <a:sym typeface="Roboto"/>
-            </a:endParaRPr>
-          </a:p>
-        </p:txBody>
-      </p:sp>
-      <p:sp>
-        <p:nvSpPr>
-          <p:cNvPr id="174" name="Google Shape;174;p26"/>
-          <p:cNvSpPr/>
-          <p:nvPr/>
-        </p:nvSpPr>
-        <p:spPr>
-          <a:xfrm rot="-5782781" flipH="1">
-            <a:off x="5182097" y="3663494"/>
-            <a:ext cx="961152" cy="1098173"/>
-          </a:xfrm>
-          <a:prstGeom prst="teardrop">
-            <a:avLst>
-              <a:gd name="adj" fmla="val 125256"/>
-            </a:avLst>
-          </a:prstGeom>
-          <a:solidFill>
-            <a:srgbClr val="FFD966"/>
-          </a:solidFill>
-          <a:ln w="9525" cap="flat" cmpd="sng">
-            <a:solidFill>
-              <a:schemeClr val="dk2"/>
-            </a:solidFill>
-            <a:prstDash val="solid"/>
-            <a:round/>
-            <a:headEnd type="none" w="sm" len="sm"/>
-            <a:tailEnd type="none" w="sm" len="sm"/>
-          </a:ln>
-        </p:spPr>
-        <p:txBody>
-          <a:bodyPr spcFirstLastPara="1" wrap="square" lIns="91425" tIns="91425" rIns="91425" bIns="91425" anchor="ctr" anchorCtr="0">
-            <a:noAutofit/>
-          </a:bodyPr>
-          <a:lstStyle/>
-          <a:p>
-            <a:pPr marL="0" lvl="0" indent="0" algn="l" rtl="0">
-              <a:spcBef>
-                <a:spcPts val="0"/>
-              </a:spcBef>
-              <a:spcAft>
-                <a:spcPts val="0"/>
-              </a:spcAft>
-              <a:buNone/>
-            </a:pPr>
-            <a:endParaRPr>
-              <a:solidFill>
-                <a:schemeClr val="dk2"/>
-              </a:solidFill>
-              <a:latin typeface="Roboto"/>
-              <a:ea typeface="Roboto"/>
-              <a:cs typeface="Roboto"/>
-              <a:sym typeface="Roboto"/>
-            </a:endParaRPr>
-          </a:p>
-        </p:txBody>
-      </p:sp>
-      <p:sp>
-        <p:nvSpPr>
-          <p:cNvPr id="175" name="Google Shape;175;p26"/>
-          <p:cNvSpPr/>
-          <p:nvPr/>
-        </p:nvSpPr>
-        <p:spPr>
-          <a:xfrm rot="-7678441">
-            <a:off x="3870187" y="3079519"/>
-            <a:ext cx="959038" cy="1101818"/>
-          </a:xfrm>
-          <a:prstGeom prst="teardrop">
-            <a:avLst>
-              <a:gd name="adj" fmla="val 125256"/>
-            </a:avLst>
-          </a:prstGeom>
-          <a:solidFill>
-            <a:srgbClr val="FFD966"/>
-          </a:solidFill>
-          <a:ln w="9525" cap="flat" cmpd="sng">
-            <a:solidFill>
-              <a:schemeClr val="dk2"/>
-            </a:solidFill>
-            <a:prstDash val="solid"/>
-            <a:round/>
-            <a:headEnd type="none" w="sm" len="sm"/>
-            <a:tailEnd type="none" w="sm" len="sm"/>
-          </a:ln>
-        </p:spPr>
-        <p:txBody>
-          <a:bodyPr spcFirstLastPara="1" wrap="square" lIns="91425" tIns="91425" rIns="91425" bIns="91425" anchor="ctr" anchorCtr="0">
-            <a:noAutofit/>
-          </a:bodyPr>
-          <a:lstStyle/>
-          <a:p>
-            <a:pPr marL="0" lvl="0" indent="0" algn="l" rtl="0">
-              <a:spcBef>
-                <a:spcPts val="0"/>
-              </a:spcBef>
-              <a:spcAft>
-                <a:spcPts val="0"/>
-              </a:spcAft>
-              <a:buNone/>
-            </a:pPr>
-            <a:endParaRPr>
-              <a:solidFill>
-                <a:schemeClr val="dk2"/>
-              </a:solidFill>
-              <a:latin typeface="Roboto"/>
-              <a:ea typeface="Roboto"/>
-              <a:cs typeface="Roboto"/>
-              <a:sym typeface="Roboto"/>
-            </a:endParaRPr>
-          </a:p>
-        </p:txBody>
-      </p:sp>
-      <p:sp>
-        <p:nvSpPr>
-          <p:cNvPr id="176" name="Google Shape;176;p26"/>
-          <p:cNvSpPr/>
-          <p:nvPr/>
-        </p:nvSpPr>
-        <p:spPr>
-          <a:xfrm rot="8683438">
-            <a:off x="4241131" y="3802569"/>
-            <a:ext cx="946986" cy="1112827"/>
-          </a:xfrm>
-          <a:prstGeom prst="teardrop">
-            <a:avLst>
-              <a:gd name="adj" fmla="val 125256"/>
-            </a:avLst>
-          </a:prstGeom>
-          <a:solidFill>
-            <a:srgbClr val="FFD966"/>
-          </a:solidFill>
-          <a:ln w="9525" cap="flat" cmpd="sng">
-            <a:solidFill>
-              <a:schemeClr val="dk2"/>
-            </a:solidFill>
-            <a:prstDash val="solid"/>
-            <a:round/>
-            <a:headEnd type="none" w="sm" len="sm"/>
-            <a:tailEnd type="none" w="sm" len="sm"/>
-          </a:ln>
-        </p:spPr>
-        <p:txBody>
-          <a:bodyPr spcFirstLastPara="1" wrap="square" lIns="91425" tIns="91425" rIns="91425" bIns="91425" anchor="ctr" anchorCtr="0">
-            <a:noAutofit/>
-          </a:bodyPr>
-          <a:lstStyle/>
-          <a:p>
-            <a:pPr marL="0" lvl="0" indent="0" algn="l" rtl="0">
-              <a:spcBef>
-                <a:spcPts val="0"/>
-              </a:spcBef>
-              <a:spcAft>
-                <a:spcPts val="0"/>
-              </a:spcAft>
-              <a:buNone/>
-            </a:pPr>
-            <a:endParaRPr>
-              <a:solidFill>
-                <a:schemeClr val="dk2"/>
-              </a:solidFill>
-              <a:latin typeface="Roboto"/>
-              <a:ea typeface="Roboto"/>
-              <a:cs typeface="Roboto"/>
-              <a:sym typeface="Roboto"/>
-            </a:endParaRPr>
-          </a:p>
-        </p:txBody>
-      </p:sp>
-      <p:sp>
-        <p:nvSpPr>
-          <p:cNvPr id="177" name="Google Shape;177;p26"/>
-          <p:cNvSpPr/>
-          <p:nvPr/>
-        </p:nvSpPr>
-        <p:spPr>
-          <a:xfrm rot="-9533352" flipH="1">
-            <a:off x="6800839" y="3192541"/>
-            <a:ext cx="942881" cy="1118766"/>
-          </a:xfrm>
-          <a:prstGeom prst="teardrop">
-            <a:avLst>
-              <a:gd name="adj" fmla="val 125256"/>
-            </a:avLst>
-          </a:prstGeom>
-          <a:solidFill>
-            <a:srgbClr val="FFD966"/>
-          </a:solidFill>
-          <a:ln w="9525" cap="flat" cmpd="sng">
-            <a:solidFill>
-              <a:schemeClr val="dk2"/>
-            </a:solidFill>
-            <a:prstDash val="solid"/>
-            <a:round/>
-            <a:headEnd type="none" w="sm" len="sm"/>
-            <a:tailEnd type="none" w="sm" len="sm"/>
-          </a:ln>
-        </p:spPr>
-        <p:txBody>
-          <a:bodyPr spcFirstLastPara="1" wrap="square" lIns="91425" tIns="91425" rIns="91425" bIns="91425" anchor="ctr" anchorCtr="0">
-            <a:noAutofit/>
-          </a:bodyPr>
-          <a:lstStyle/>
-          <a:p>
-            <a:pPr marL="0" lvl="0" indent="0" algn="l" rtl="0">
-              <a:spcBef>
-                <a:spcPts val="0"/>
-              </a:spcBef>
-              <a:spcAft>
-                <a:spcPts val="0"/>
-              </a:spcAft>
-              <a:buNone/>
-            </a:pPr>
-            <a:endParaRPr>
-              <a:solidFill>
-                <a:schemeClr val="dk2"/>
-              </a:solidFill>
-              <a:latin typeface="Roboto"/>
-              <a:ea typeface="Roboto"/>
-              <a:cs typeface="Roboto"/>
-              <a:sym typeface="Roboto"/>
-            </a:endParaRPr>
-          </a:p>
-        </p:txBody>
-      </p:sp>
-      <p:sp>
-        <p:nvSpPr>
-          <p:cNvPr id="178" name="Google Shape;178;p26"/>
-          <p:cNvSpPr/>
-          <p:nvPr/>
-        </p:nvSpPr>
-        <p:spPr>
-          <a:xfrm rot="-767528">
-            <a:off x="6852525" y="635408"/>
-            <a:ext cx="941673" cy="1120509"/>
-          </a:xfrm>
-          <a:prstGeom prst="teardrop">
-            <a:avLst>
-              <a:gd name="adj" fmla="val 125256"/>
-            </a:avLst>
-          </a:prstGeom>
-          <a:solidFill>
-            <a:srgbClr val="FFD966"/>
-          </a:solidFill>
-          <a:ln w="9525" cap="flat" cmpd="sng">
-            <a:solidFill>
-              <a:schemeClr val="dk2"/>
-            </a:solidFill>
-            <a:prstDash val="solid"/>
-            <a:round/>
-            <a:headEnd type="none" w="sm" len="sm"/>
-            <a:tailEnd type="none" w="sm" len="sm"/>
-          </a:ln>
-        </p:spPr>
-        <p:txBody>
-          <a:bodyPr spcFirstLastPara="1" wrap="square" lIns="91425" tIns="91425" rIns="91425" bIns="91425" anchor="t" anchorCtr="0">
-            <a:noAutofit/>
-          </a:bodyPr>
-          <a:lstStyle/>
-          <a:p>
-            <a:pPr marL="0" lvl="0" indent="0" algn="r" rtl="0">
-              <a:spcBef>
-                <a:spcPts val="0"/>
-              </a:spcBef>
-              <a:spcAft>
-                <a:spcPts val="0"/>
-              </a:spcAft>
-              <a:buNone/>
-            </a:pPr>
-            <a:r>
-              <a:rPr lang="en-GB">
-                <a:solidFill>
-                  <a:schemeClr val="dk2"/>
-                </a:solidFill>
-                <a:latin typeface="Roboto"/>
-                <a:ea typeface="Roboto"/>
-                <a:cs typeface="Roboto"/>
-                <a:sym typeface="Roboto"/>
-              </a:rPr>
-              <a:t>KWF</a:t>
-            </a:r>
-            <a:endParaRPr>
-              <a:solidFill>
-                <a:schemeClr val="dk2"/>
-              </a:solidFill>
-              <a:latin typeface="Roboto"/>
-              <a:ea typeface="Roboto"/>
-              <a:cs typeface="Roboto"/>
-              <a:sym typeface="Roboto"/>
-            </a:endParaRPr>
-          </a:p>
-        </p:txBody>
-      </p:sp>
-      <p:sp>
-        <p:nvSpPr>
-          <p:cNvPr id="179" name="Google Shape;179;p26"/>
-          <p:cNvSpPr/>
-          <p:nvPr/>
-        </p:nvSpPr>
-        <p:spPr>
-          <a:xfrm rot="-2369681" flipH="1">
-            <a:off x="3213005" y="1719928"/>
-            <a:ext cx="948575" cy="1114175"/>
-          </a:xfrm>
-          <a:prstGeom prst="teardrop">
-            <a:avLst>
-              <a:gd name="adj" fmla="val 125256"/>
-            </a:avLst>
-          </a:prstGeom>
-          <a:solidFill>
-            <a:srgbClr val="FFD966"/>
-          </a:solidFill>
-          <a:ln w="9525" cap="flat" cmpd="sng">
-            <a:solidFill>
-              <a:schemeClr val="dk2"/>
-            </a:solidFill>
-            <a:prstDash val="solid"/>
-            <a:round/>
-            <a:headEnd type="none" w="sm" len="sm"/>
-            <a:tailEnd type="none" w="sm" len="sm"/>
-          </a:ln>
-        </p:spPr>
-        <p:txBody>
-          <a:bodyPr spcFirstLastPara="1" wrap="square" lIns="91425" tIns="91425" rIns="91425" bIns="91425" anchor="ctr" anchorCtr="0">
-            <a:noAutofit/>
-          </a:bodyPr>
-          <a:lstStyle/>
-          <a:p>
-            <a:pPr marL="0" lvl="0" indent="0" algn="l" rtl="0">
-              <a:spcBef>
-                <a:spcPts val="0"/>
-              </a:spcBef>
-              <a:spcAft>
-                <a:spcPts val="0"/>
-              </a:spcAft>
-              <a:buNone/>
-            </a:pPr>
-            <a:endParaRPr>
-              <a:solidFill>
-                <a:schemeClr val="dk2"/>
-              </a:solidFill>
-              <a:latin typeface="Roboto"/>
-              <a:ea typeface="Roboto"/>
-              <a:cs typeface="Roboto"/>
-              <a:sym typeface="Roboto"/>
-            </a:endParaRPr>
-          </a:p>
-        </p:txBody>
-      </p:sp>
-      <p:sp>
-        <p:nvSpPr>
-          <p:cNvPr id="180" name="Google Shape;180;p26"/>
-          <p:cNvSpPr/>
-          <p:nvPr/>
-        </p:nvSpPr>
-        <p:spPr>
-          <a:xfrm rot="-10082504">
-            <a:off x="3377526" y="2202219"/>
-            <a:ext cx="941124" cy="1122094"/>
-          </a:xfrm>
-          <a:prstGeom prst="teardrop">
-            <a:avLst>
-              <a:gd name="adj" fmla="val 125256"/>
-            </a:avLst>
-          </a:prstGeom>
-          <a:solidFill>
-            <a:srgbClr val="FFD966"/>
-          </a:solidFill>
-          <a:ln w="9525" cap="flat" cmpd="sng">
-            <a:solidFill>
-              <a:schemeClr val="dk2"/>
-            </a:solidFill>
-            <a:prstDash val="solid"/>
-            <a:round/>
-            <a:headEnd type="none" w="sm" len="sm"/>
-            <a:tailEnd type="none" w="sm" len="sm"/>
-          </a:ln>
-        </p:spPr>
-        <p:txBody>
-          <a:bodyPr spcFirstLastPara="1" wrap="square" lIns="91425" tIns="91425" rIns="91425" bIns="91425" anchor="ctr" anchorCtr="0">
-            <a:noAutofit/>
-          </a:bodyPr>
-          <a:lstStyle/>
-          <a:p>
-            <a:pPr marL="0" lvl="0" indent="0" algn="l" rtl="0">
-              <a:spcBef>
-                <a:spcPts val="0"/>
-              </a:spcBef>
-              <a:spcAft>
-                <a:spcPts val="0"/>
-              </a:spcAft>
-              <a:buNone/>
-            </a:pPr>
-            <a:endParaRPr>
-              <a:solidFill>
-                <a:schemeClr val="dk2"/>
-              </a:solidFill>
-              <a:latin typeface="Roboto"/>
-              <a:ea typeface="Roboto"/>
-              <a:cs typeface="Roboto"/>
-              <a:sym typeface="Roboto"/>
-            </a:endParaRPr>
-          </a:p>
-        </p:txBody>
-      </p:sp>
-      <p:sp>
-        <p:nvSpPr>
-          <p:cNvPr id="181" name="Google Shape;181;p26"/>
-          <p:cNvSpPr/>
-          <p:nvPr/>
-        </p:nvSpPr>
-        <p:spPr>
-          <a:xfrm rot="3579564">
-            <a:off x="7021070" y="2783030"/>
-            <a:ext cx="955578" cy="1105718"/>
-          </a:xfrm>
-          <a:prstGeom prst="teardrop">
-            <a:avLst>
-              <a:gd name="adj" fmla="val 125256"/>
-            </a:avLst>
-          </a:prstGeom>
-          <a:solidFill>
-            <a:srgbClr val="FFD966"/>
-          </a:solidFill>
-          <a:ln w="9525" cap="flat" cmpd="sng">
-            <a:solidFill>
-              <a:schemeClr val="dk2"/>
-            </a:solidFill>
-            <a:prstDash val="solid"/>
-            <a:round/>
-            <a:headEnd type="none" w="sm" len="sm"/>
-            <a:tailEnd type="none" w="sm" len="sm"/>
-          </a:ln>
-        </p:spPr>
-        <p:txBody>
-          <a:bodyPr spcFirstLastPara="1" wrap="square" lIns="91425" tIns="91425" rIns="91425" bIns="91425" anchor="ctr" anchorCtr="0">
-            <a:noAutofit/>
-          </a:bodyPr>
-          <a:lstStyle/>
-          <a:p>
-            <a:pPr marL="0" lvl="0" indent="0" algn="l" rtl="0">
-              <a:spcBef>
-                <a:spcPts val="0"/>
-              </a:spcBef>
-              <a:spcAft>
-                <a:spcPts val="0"/>
-              </a:spcAft>
-              <a:buNone/>
-            </a:pPr>
-            <a:endParaRPr>
-              <a:solidFill>
-                <a:schemeClr val="dk2"/>
-              </a:solidFill>
-              <a:latin typeface="Roboto"/>
-              <a:ea typeface="Roboto"/>
-              <a:cs typeface="Roboto"/>
-              <a:sym typeface="Roboto"/>
-            </a:endParaRPr>
-          </a:p>
-        </p:txBody>
-      </p:sp>
-      <p:sp>
-        <p:nvSpPr>
-          <p:cNvPr id="182" name="Google Shape;182;p26"/>
-          <p:cNvSpPr/>
-          <p:nvPr/>
-        </p:nvSpPr>
-        <p:spPr>
-          <a:xfrm rot="6342551">
-            <a:off x="5949195" y="3628624"/>
-            <a:ext cx="959540" cy="1098913"/>
-          </a:xfrm>
-          <a:prstGeom prst="teardrop">
-            <a:avLst>
-              <a:gd name="adj" fmla="val 125256"/>
-            </a:avLst>
-          </a:prstGeom>
-          <a:solidFill>
-            <a:srgbClr val="FFD966"/>
-          </a:solidFill>
-          <a:ln w="9525" cap="flat" cmpd="sng">
-            <a:solidFill>
-              <a:schemeClr val="dk2"/>
-            </a:solidFill>
-            <a:prstDash val="solid"/>
-            <a:round/>
-            <a:headEnd type="none" w="sm" len="sm"/>
-            <a:tailEnd type="none" w="sm" len="sm"/>
-          </a:ln>
-        </p:spPr>
-        <p:txBody>
-          <a:bodyPr spcFirstLastPara="1" wrap="square" lIns="91425" tIns="91425" rIns="91425" bIns="91425" anchor="ctr" anchorCtr="0">
-            <a:noAutofit/>
-          </a:bodyPr>
-          <a:lstStyle/>
-          <a:p>
-            <a:pPr marL="0" lvl="0" indent="0" algn="l" rtl="0">
-              <a:spcBef>
-                <a:spcPts val="0"/>
-              </a:spcBef>
-              <a:spcAft>
-                <a:spcPts val="0"/>
-              </a:spcAft>
-              <a:buNone/>
-            </a:pPr>
-            <a:endParaRPr>
-              <a:solidFill>
-                <a:schemeClr val="dk2"/>
-              </a:solidFill>
-              <a:latin typeface="Roboto"/>
-              <a:ea typeface="Roboto"/>
-              <a:cs typeface="Roboto"/>
-              <a:sym typeface="Roboto"/>
-            </a:endParaRPr>
-          </a:p>
-        </p:txBody>
-      </p:sp>
-      <p:sp>
-        <p:nvSpPr>
-          <p:cNvPr id="183" name="Google Shape;183;p26"/>
-          <p:cNvSpPr/>
-          <p:nvPr/>
-        </p:nvSpPr>
-        <p:spPr>
-          <a:xfrm rot="4917807" flipH="1">
-            <a:off x="5876961" y="349011"/>
-            <a:ext cx="961341" cy="1098096"/>
-          </a:xfrm>
-          <a:prstGeom prst="teardrop">
-            <a:avLst>
-              <a:gd name="adj" fmla="val 125256"/>
-            </a:avLst>
-          </a:prstGeom>
-          <a:solidFill>
-            <a:srgbClr val="FFD966"/>
-          </a:solidFill>
-          <a:ln w="9525" cap="flat" cmpd="sng">
-            <a:solidFill>
-              <a:schemeClr val="dk2"/>
-            </a:solidFill>
-            <a:prstDash val="solid"/>
-            <a:round/>
-            <a:headEnd type="none" w="sm" len="sm"/>
-            <a:tailEnd type="none" w="sm" len="sm"/>
-          </a:ln>
-        </p:spPr>
-        <p:txBody>
-          <a:bodyPr spcFirstLastPara="1" wrap="square" lIns="91425" tIns="91425" rIns="91425" bIns="91425" anchor="ctr" anchorCtr="0">
-            <a:noAutofit/>
-          </a:bodyPr>
-          <a:lstStyle/>
-          <a:p>
-            <a:pPr marL="0" lvl="0" indent="0" algn="l" rtl="0">
-              <a:spcBef>
-                <a:spcPts val="0"/>
-              </a:spcBef>
-              <a:spcAft>
-                <a:spcPts val="0"/>
-              </a:spcAft>
-              <a:buNone/>
-            </a:pPr>
-            <a:endParaRPr>
-              <a:solidFill>
-                <a:schemeClr val="dk2"/>
-              </a:solidFill>
-              <a:latin typeface="Roboto"/>
-              <a:ea typeface="Roboto"/>
-              <a:cs typeface="Roboto"/>
-              <a:sym typeface="Roboto"/>
-            </a:endParaRPr>
-          </a:p>
-        </p:txBody>
-      </p:sp>
-      <p:sp>
-        <p:nvSpPr>
-          <p:cNvPr id="184" name="Google Shape;184;p26"/>
-          <p:cNvSpPr/>
-          <p:nvPr/>
-        </p:nvSpPr>
-        <p:spPr>
-          <a:xfrm rot="-5028002">
-            <a:off x="5147658" y="364173"/>
-            <a:ext cx="961122" cy="1097981"/>
-          </a:xfrm>
-          <a:prstGeom prst="teardrop">
-            <a:avLst>
-              <a:gd name="adj" fmla="val 125256"/>
-            </a:avLst>
-          </a:prstGeom>
-          <a:solidFill>
-            <a:srgbClr val="FFD966"/>
-          </a:solidFill>
-          <a:ln w="9525" cap="flat" cmpd="sng">
-            <a:solidFill>
-              <a:schemeClr val="dk2"/>
-            </a:solidFill>
-            <a:prstDash val="solid"/>
-            <a:round/>
-            <a:headEnd type="none" w="sm" len="sm"/>
-            <a:tailEnd type="none" w="sm" len="sm"/>
-          </a:ln>
-        </p:spPr>
-        <p:txBody>
-          <a:bodyPr spcFirstLastPara="1" wrap="square" lIns="91425" tIns="91425" rIns="91425" bIns="91425" anchor="ctr" anchorCtr="0">
-            <a:noAutofit/>
-          </a:bodyPr>
-          <a:lstStyle/>
-          <a:p>
-            <a:pPr marL="0" lvl="0" indent="0" algn="l" rtl="0">
-              <a:spcBef>
-                <a:spcPts val="0"/>
-              </a:spcBef>
-              <a:spcAft>
-                <a:spcPts val="0"/>
-              </a:spcAft>
-              <a:buNone/>
-            </a:pPr>
-            <a:endParaRPr>
-              <a:solidFill>
-                <a:schemeClr val="dk2"/>
-              </a:solidFill>
-              <a:latin typeface="Roboto"/>
-              <a:ea typeface="Roboto"/>
-              <a:cs typeface="Roboto"/>
-              <a:sym typeface="Roboto"/>
-            </a:endParaRPr>
-          </a:p>
-        </p:txBody>
-      </p:sp>
-      <p:sp>
-        <p:nvSpPr>
-          <p:cNvPr id="185" name="Google Shape;185;p26"/>
-          <p:cNvSpPr/>
-          <p:nvPr/>
-        </p:nvSpPr>
-        <p:spPr>
-          <a:xfrm rot="-4457449">
-            <a:off x="3738405" y="473279"/>
-            <a:ext cx="959540" cy="1098913"/>
-          </a:xfrm>
-          <a:prstGeom prst="teardrop">
-            <a:avLst>
-              <a:gd name="adj" fmla="val 125256"/>
-            </a:avLst>
-          </a:prstGeom>
-          <a:solidFill>
-            <a:srgbClr val="FFD966"/>
-          </a:solidFill>
-          <a:ln w="9525" cap="flat" cmpd="sng">
-            <a:solidFill>
-              <a:schemeClr val="dk2"/>
-            </a:solidFill>
-            <a:prstDash val="solid"/>
-            <a:round/>
-            <a:headEnd type="none" w="sm" len="sm"/>
-            <a:tailEnd type="none" w="sm" len="sm"/>
-          </a:ln>
-        </p:spPr>
-        <p:txBody>
-          <a:bodyPr spcFirstLastPara="1" wrap="square" lIns="91425" tIns="91425" rIns="91425" bIns="91425" anchor="ctr" anchorCtr="0">
-            <a:noAutofit/>
-          </a:bodyPr>
-          <a:lstStyle/>
-          <a:p>
-            <a:pPr marL="0" lvl="0" indent="0" algn="l" rtl="0">
-              <a:spcBef>
-                <a:spcPts val="0"/>
-              </a:spcBef>
-              <a:spcAft>
-                <a:spcPts val="0"/>
-              </a:spcAft>
-              <a:buNone/>
-            </a:pPr>
-            <a:endParaRPr>
-              <a:solidFill>
-                <a:schemeClr val="dk2"/>
-              </a:solidFill>
-              <a:latin typeface="Roboto"/>
-              <a:ea typeface="Roboto"/>
-              <a:cs typeface="Roboto"/>
-              <a:sym typeface="Roboto"/>
-            </a:endParaRPr>
-          </a:p>
-        </p:txBody>
-      </p:sp>
-      <p:sp>
-        <p:nvSpPr>
-          <p:cNvPr id="186" name="Google Shape;186;p26"/>
-          <p:cNvSpPr txBox="1"/>
-          <p:nvPr/>
-        </p:nvSpPr>
-        <p:spPr>
-          <a:xfrm rot="-1443084">
-            <a:off x="3493255" y="500447"/>
-            <a:ext cx="942202" cy="353898"/>
-          </a:xfrm>
-          <a:prstGeom prst="rect">
-            <a:avLst/>
-          </a:prstGeom>
-          <a:noFill/>
-          <a:ln>
-            <a:noFill/>
-          </a:ln>
-        </p:spPr>
-        <p:txBody>
-          <a:bodyPr spcFirstLastPara="1" wrap="square" lIns="91425" tIns="91425" rIns="91425" bIns="91425" anchor="t" anchorCtr="0">
-            <a:spAutoFit/>
-          </a:bodyPr>
-          <a:lstStyle/>
-          <a:p>
-            <a:pPr marL="0" lvl="0" indent="0" algn="ctr" rtl="0">
-              <a:spcBef>
-                <a:spcPts val="0"/>
-              </a:spcBef>
-              <a:spcAft>
-                <a:spcPts val="0"/>
-              </a:spcAft>
-              <a:buNone/>
-            </a:pPr>
-            <a:r>
-              <a:rPr lang="en-GB" sz="1100">
-                <a:solidFill>
-                  <a:schemeClr val="dk2"/>
-                </a:solidFill>
-                <a:latin typeface="Roboto"/>
-                <a:ea typeface="Roboto"/>
-                <a:cs typeface="Roboto"/>
-                <a:sym typeface="Roboto"/>
-              </a:rPr>
-              <a:t>Proteo</a:t>
-            </a:r>
-            <a:endParaRPr sz="1100">
-              <a:solidFill>
-                <a:schemeClr val="dk2"/>
-              </a:solidFill>
-              <a:latin typeface="Roboto"/>
-              <a:ea typeface="Roboto"/>
-              <a:cs typeface="Roboto"/>
-              <a:sym typeface="Roboto"/>
-            </a:endParaRPr>
-          </a:p>
-        </p:txBody>
-      </p:sp>
-      <p:sp>
-        <p:nvSpPr>
-          <p:cNvPr id="187" name="Google Shape;187;p26"/>
-          <p:cNvSpPr/>
-          <p:nvPr/>
-        </p:nvSpPr>
-        <p:spPr>
-          <a:xfrm rot="1643025">
-            <a:off x="7461907" y="1058663"/>
-            <a:ext cx="901406" cy="1032202"/>
-          </a:xfrm>
-          <a:prstGeom prst="teardrop">
-            <a:avLst>
-              <a:gd name="adj" fmla="val 125256"/>
-            </a:avLst>
-          </a:prstGeom>
-          <a:solidFill>
-            <a:srgbClr val="FFD966"/>
-          </a:solidFill>
-          <a:ln w="9525" cap="flat" cmpd="sng">
-            <a:solidFill>
-              <a:schemeClr val="dk2"/>
-            </a:solidFill>
-            <a:prstDash val="solid"/>
-            <a:round/>
-            <a:headEnd type="none" w="sm" len="sm"/>
-            <a:tailEnd type="none" w="sm" len="sm"/>
-          </a:ln>
-        </p:spPr>
-        <p:txBody>
-          <a:bodyPr spcFirstLastPara="1" wrap="square" lIns="91425" tIns="91425" rIns="91425" bIns="91425" anchor="ctr" anchorCtr="0">
-            <a:noAutofit/>
-          </a:bodyPr>
-          <a:lstStyle/>
-          <a:p>
-            <a:pPr marL="0" lvl="0" indent="0" algn="l" rtl="0">
-              <a:spcBef>
-                <a:spcPts val="0"/>
-              </a:spcBef>
-              <a:spcAft>
-                <a:spcPts val="0"/>
-              </a:spcAft>
-              <a:buNone/>
-            </a:pPr>
-            <a:endParaRPr>
-              <a:solidFill>
-                <a:schemeClr val="dk2"/>
-              </a:solidFill>
-              <a:latin typeface="Roboto"/>
-              <a:ea typeface="Roboto"/>
-              <a:cs typeface="Roboto"/>
-              <a:sym typeface="Roboto"/>
-            </a:endParaRPr>
-          </a:p>
-        </p:txBody>
-      </p:sp>
-      <p:sp>
-        <p:nvSpPr>
-          <p:cNvPr id="188" name="Google Shape;188;p26"/>
-          <p:cNvSpPr/>
-          <p:nvPr/>
-        </p:nvSpPr>
-        <p:spPr>
-          <a:xfrm rot="-5892055">
-            <a:off x="3773051" y="1010830"/>
-            <a:ext cx="961129" cy="1098896"/>
-          </a:xfrm>
-          <a:prstGeom prst="teardrop">
-            <a:avLst>
-              <a:gd name="adj" fmla="val 125256"/>
-            </a:avLst>
-          </a:prstGeom>
-          <a:solidFill>
-            <a:srgbClr val="FFD966"/>
-          </a:solidFill>
-          <a:ln w="9525" cap="flat" cmpd="sng">
-            <a:solidFill>
-              <a:schemeClr val="dk2"/>
-            </a:solidFill>
-            <a:prstDash val="solid"/>
-            <a:round/>
-            <a:headEnd type="none" w="sm" len="sm"/>
-            <a:tailEnd type="none" w="sm" len="sm"/>
-          </a:ln>
-        </p:spPr>
-        <p:txBody>
-          <a:bodyPr spcFirstLastPara="1" wrap="square" lIns="91425" tIns="91425" rIns="91425" bIns="91425" anchor="ctr" anchorCtr="0">
-            <a:noAutofit/>
-          </a:bodyPr>
-          <a:lstStyle/>
-          <a:p>
-            <a:pPr marL="0" lvl="0" indent="0" algn="l" rtl="0">
-              <a:spcBef>
-                <a:spcPts val="0"/>
-              </a:spcBef>
-              <a:spcAft>
-                <a:spcPts val="0"/>
-              </a:spcAft>
-              <a:buNone/>
-            </a:pPr>
-            <a:endParaRPr>
-              <a:solidFill>
-                <a:schemeClr val="dk2"/>
-              </a:solidFill>
-              <a:latin typeface="Roboto"/>
-              <a:ea typeface="Roboto"/>
-              <a:cs typeface="Roboto"/>
-              <a:sym typeface="Roboto"/>
-            </a:endParaRPr>
-          </a:p>
-        </p:txBody>
-      </p:sp>
-      <p:sp>
-        <p:nvSpPr>
-          <p:cNvPr id="189" name="Google Shape;189;p26"/>
-          <p:cNvSpPr/>
-          <p:nvPr/>
-        </p:nvSpPr>
-        <p:spPr>
-          <a:xfrm rot="-1996322">
-            <a:off x="4303793" y="786558"/>
-            <a:ext cx="946566" cy="1113606"/>
-          </a:xfrm>
-          <a:prstGeom prst="teardrop">
-            <a:avLst>
-              <a:gd name="adj" fmla="val 125256"/>
-            </a:avLst>
-          </a:prstGeom>
-          <a:solidFill>
-            <a:srgbClr val="FFD966"/>
-          </a:solidFill>
-          <a:ln w="9525" cap="flat" cmpd="sng">
-            <a:solidFill>
-              <a:schemeClr val="dk2"/>
-            </a:solidFill>
-            <a:prstDash val="solid"/>
-            <a:round/>
-            <a:headEnd type="none" w="sm" len="sm"/>
-            <a:tailEnd type="none" w="sm" len="sm"/>
-          </a:ln>
-        </p:spPr>
-        <p:txBody>
-          <a:bodyPr spcFirstLastPara="1" wrap="square" lIns="91425" tIns="91425" rIns="91425" bIns="91425" anchor="ctr" anchorCtr="0">
-            <a:noAutofit/>
-          </a:bodyPr>
-          <a:lstStyle/>
-          <a:p>
-            <a:pPr marL="0" lvl="0" indent="0" algn="l" rtl="0">
-              <a:spcBef>
-                <a:spcPts val="0"/>
-              </a:spcBef>
-              <a:spcAft>
-                <a:spcPts val="0"/>
-              </a:spcAft>
-              <a:buNone/>
-            </a:pPr>
-            <a:endParaRPr>
-              <a:solidFill>
-                <a:schemeClr val="dk2"/>
-              </a:solidFill>
-              <a:latin typeface="Roboto"/>
-              <a:ea typeface="Roboto"/>
-              <a:cs typeface="Roboto"/>
-              <a:sym typeface="Roboto"/>
-            </a:endParaRPr>
-          </a:p>
-        </p:txBody>
-      </p:sp>
-      <p:sp>
-        <p:nvSpPr>
-          <p:cNvPr id="190" name="Google Shape;190;p26"/>
-          <p:cNvSpPr/>
-          <p:nvPr/>
-        </p:nvSpPr>
-        <p:spPr>
-          <a:xfrm rot="2624157">
-            <a:off x="7101930" y="1762574"/>
-            <a:ext cx="1442425" cy="1377924"/>
-          </a:xfrm>
-          <a:prstGeom prst="teardrop">
-            <a:avLst>
-              <a:gd name="adj" fmla="val 126091"/>
-            </a:avLst>
-          </a:prstGeom>
-          <a:solidFill>
-            <a:srgbClr val="F1C232"/>
-          </a:solidFill>
-          <a:ln w="9525" cap="flat" cmpd="sng">
-            <a:solidFill>
-              <a:schemeClr val="dk2"/>
-            </a:solidFill>
-            <a:prstDash val="solid"/>
-            <a:round/>
-            <a:headEnd type="none" w="sm" len="sm"/>
-            <a:tailEnd type="none" w="sm" len="sm"/>
-          </a:ln>
-        </p:spPr>
-        <p:txBody>
-          <a:bodyPr spcFirstLastPara="1" wrap="square" lIns="91425" tIns="91425" rIns="91425" bIns="91425" anchor="ctr" anchorCtr="0">
-            <a:noAutofit/>
-          </a:bodyPr>
-          <a:lstStyle/>
-          <a:p>
-            <a:pPr marL="0" marR="0" lvl="0" indent="0" algn="l" rtl="0">
-              <a:lnSpc>
-                <a:spcPct val="100000"/>
-              </a:lnSpc>
-              <a:spcBef>
-                <a:spcPts val="0"/>
-              </a:spcBef>
-              <a:spcAft>
-                <a:spcPts val="0"/>
-              </a:spcAft>
-              <a:buNone/>
-            </a:pPr>
-            <a:endParaRPr>
-              <a:solidFill>
-                <a:schemeClr val="dk2"/>
-              </a:solidFill>
-              <a:latin typeface="Roboto"/>
-              <a:ea typeface="Roboto"/>
-              <a:cs typeface="Roboto"/>
-              <a:sym typeface="Roboto"/>
-            </a:endParaRPr>
-          </a:p>
-        </p:txBody>
-      </p:sp>
-      <p:sp>
-        <p:nvSpPr>
-          <p:cNvPr id="191" name="Google Shape;191;p26"/>
-          <p:cNvSpPr/>
-          <p:nvPr/>
-        </p:nvSpPr>
-        <p:spPr>
-          <a:xfrm rot="-5400000">
-            <a:off x="4316639" y="1171847"/>
-            <a:ext cx="2181300" cy="2210400"/>
-          </a:xfrm>
-          <a:prstGeom prst="teardrop">
-            <a:avLst>
-              <a:gd name="adj" fmla="val 130446"/>
-            </a:avLst>
-          </a:prstGeom>
-          <a:solidFill>
-            <a:srgbClr val="F1C232"/>
-          </a:solidFill>
-          <a:ln w="9525" cap="flat" cmpd="sng">
-            <a:solidFill>
-              <a:schemeClr val="dk2"/>
-            </a:solidFill>
-            <a:prstDash val="solid"/>
-            <a:round/>
-            <a:headEnd type="none" w="sm" len="sm"/>
-            <a:tailEnd type="none" w="sm" len="sm"/>
-          </a:ln>
-        </p:spPr>
-        <p:txBody>
-          <a:bodyPr spcFirstLastPara="1" wrap="square" lIns="91425" tIns="91425" rIns="91425" bIns="91425" anchor="ctr" anchorCtr="0">
-            <a:noAutofit/>
-          </a:bodyPr>
-          <a:lstStyle/>
-          <a:p>
-            <a:pPr marL="0" marR="0" lvl="0" indent="0" algn="l" rtl="0">
-              <a:lnSpc>
-                <a:spcPct val="100000"/>
-              </a:lnSpc>
-              <a:spcBef>
-                <a:spcPts val="0"/>
-              </a:spcBef>
-              <a:spcAft>
-                <a:spcPts val="0"/>
-              </a:spcAft>
-              <a:buNone/>
-            </a:pPr>
-            <a:endParaRPr>
-              <a:solidFill>
-                <a:schemeClr val="dk2"/>
-              </a:solidFill>
-              <a:latin typeface="Roboto"/>
-              <a:ea typeface="Roboto"/>
-              <a:cs typeface="Roboto"/>
-              <a:sym typeface="Roboto"/>
-            </a:endParaRPr>
-          </a:p>
-        </p:txBody>
-      </p:sp>
-      <p:sp>
-        <p:nvSpPr>
-          <p:cNvPr id="192" name="Google Shape;192;p26"/>
-          <p:cNvSpPr/>
-          <p:nvPr/>
-        </p:nvSpPr>
-        <p:spPr>
-          <a:xfrm rot="-5400000" flipH="1">
-            <a:off x="4316639" y="2179047"/>
-            <a:ext cx="2181300" cy="2210400"/>
-          </a:xfrm>
-          <a:prstGeom prst="teardrop">
-            <a:avLst>
-              <a:gd name="adj" fmla="val 130446"/>
-            </a:avLst>
-          </a:prstGeom>
-          <a:solidFill>
-            <a:srgbClr val="F1C232"/>
-          </a:solidFill>
-          <a:ln w="9525" cap="flat" cmpd="sng">
-            <a:solidFill>
-              <a:schemeClr val="dk2"/>
-            </a:solidFill>
-            <a:prstDash val="solid"/>
-            <a:round/>
-            <a:headEnd type="none" w="sm" len="sm"/>
-            <a:tailEnd type="none" w="sm" len="sm"/>
-          </a:ln>
-        </p:spPr>
-        <p:txBody>
-          <a:bodyPr spcFirstLastPara="1" wrap="square" lIns="91425" tIns="91425" rIns="91425" bIns="91425" anchor="ctr" anchorCtr="0">
-            <a:noAutofit/>
-          </a:bodyPr>
-          <a:lstStyle/>
-          <a:p>
-            <a:pPr marL="0" marR="0" lvl="0" indent="0" algn="l" rtl="0">
-              <a:lnSpc>
-                <a:spcPct val="100000"/>
-              </a:lnSpc>
-              <a:spcBef>
-                <a:spcPts val="0"/>
-              </a:spcBef>
-              <a:spcAft>
-                <a:spcPts val="0"/>
-              </a:spcAft>
-              <a:buNone/>
-            </a:pPr>
-            <a:endParaRPr>
-              <a:solidFill>
-                <a:schemeClr val="dk2"/>
-              </a:solidFill>
-              <a:latin typeface="Roboto"/>
-              <a:ea typeface="Roboto"/>
-              <a:cs typeface="Roboto"/>
-              <a:sym typeface="Roboto"/>
-            </a:endParaRPr>
-          </a:p>
-        </p:txBody>
-      </p:sp>
-      <p:sp>
-        <p:nvSpPr>
-          <p:cNvPr id="193" name="Google Shape;193;p26"/>
-          <p:cNvSpPr/>
-          <p:nvPr/>
-        </p:nvSpPr>
-        <p:spPr>
-          <a:xfrm rot="5400000">
-            <a:off x="6360163" y="2468330"/>
-            <a:ext cx="1410000" cy="1408200"/>
-          </a:xfrm>
-          <a:prstGeom prst="teardrop">
-            <a:avLst>
-              <a:gd name="adj" fmla="val 159381"/>
-            </a:avLst>
-          </a:prstGeom>
-          <a:solidFill>
-            <a:srgbClr val="F1C232"/>
-          </a:solidFill>
-          <a:ln w="9525" cap="flat" cmpd="sng">
-            <a:solidFill>
-              <a:schemeClr val="dk2"/>
-            </a:solidFill>
-            <a:prstDash val="solid"/>
-            <a:round/>
-            <a:headEnd type="none" w="sm" len="sm"/>
-            <a:tailEnd type="none" w="sm" len="sm"/>
-          </a:ln>
-        </p:spPr>
-        <p:txBody>
-          <a:bodyPr spcFirstLastPara="1" wrap="square" lIns="91425" tIns="91425" rIns="91425" bIns="91425" anchor="ctr" anchorCtr="0">
-            <a:noAutofit/>
-          </a:bodyPr>
-          <a:lstStyle/>
-          <a:p>
-            <a:pPr marL="0" marR="0" lvl="0" indent="0" algn="l" rtl="0">
-              <a:lnSpc>
-                <a:spcPct val="100000"/>
-              </a:lnSpc>
-              <a:spcBef>
-                <a:spcPts val="0"/>
-              </a:spcBef>
-              <a:spcAft>
-                <a:spcPts val="0"/>
-              </a:spcAft>
-              <a:buNone/>
-            </a:pPr>
-            <a:endParaRPr>
-              <a:solidFill>
-                <a:schemeClr val="dk2"/>
-              </a:solidFill>
-              <a:latin typeface="Roboto"/>
-              <a:ea typeface="Roboto"/>
-              <a:cs typeface="Roboto"/>
-              <a:sym typeface="Roboto"/>
-            </a:endParaRPr>
-          </a:p>
-        </p:txBody>
-      </p:sp>
-      <p:sp>
-        <p:nvSpPr>
-          <p:cNvPr id="194" name="Google Shape;194;p26"/>
-          <p:cNvSpPr/>
-          <p:nvPr/>
-        </p:nvSpPr>
-        <p:spPr>
-          <a:xfrm rot="8037705">
-            <a:off x="5299227" y="3193707"/>
-            <a:ext cx="1439977" cy="1380500"/>
-          </a:xfrm>
-          <a:prstGeom prst="teardrop">
-            <a:avLst>
-              <a:gd name="adj" fmla="val 130469"/>
-            </a:avLst>
-          </a:prstGeom>
-          <a:solidFill>
-            <a:srgbClr val="F1C232"/>
-          </a:solidFill>
-          <a:ln w="9525" cap="flat" cmpd="sng">
-            <a:solidFill>
-              <a:schemeClr val="dk2"/>
-            </a:solidFill>
-            <a:prstDash val="solid"/>
-            <a:round/>
-            <a:headEnd type="none" w="sm" len="sm"/>
-            <a:tailEnd type="none" w="sm" len="sm"/>
-          </a:ln>
-        </p:spPr>
-        <p:txBody>
-          <a:bodyPr spcFirstLastPara="1" wrap="square" lIns="91425" tIns="91425" rIns="91425" bIns="91425" anchor="ctr" anchorCtr="0">
-            <a:noAutofit/>
-          </a:bodyPr>
-          <a:lstStyle/>
-          <a:p>
-            <a:pPr marL="0" marR="0" lvl="0" indent="0" algn="l" rtl="0">
-              <a:lnSpc>
-                <a:spcPct val="100000"/>
-              </a:lnSpc>
-              <a:spcBef>
-                <a:spcPts val="0"/>
-              </a:spcBef>
-              <a:spcAft>
-                <a:spcPts val="0"/>
-              </a:spcAft>
-              <a:buNone/>
-            </a:pPr>
-            <a:endParaRPr>
-              <a:solidFill>
-                <a:schemeClr val="dk2"/>
-              </a:solidFill>
-              <a:latin typeface="Roboto"/>
-              <a:ea typeface="Roboto"/>
-              <a:cs typeface="Roboto"/>
-              <a:sym typeface="Roboto"/>
-            </a:endParaRPr>
-          </a:p>
-        </p:txBody>
-      </p:sp>
-      <p:sp>
-        <p:nvSpPr>
-          <p:cNvPr id="195" name="Google Shape;195;p26"/>
-          <p:cNvSpPr/>
-          <p:nvPr/>
-        </p:nvSpPr>
-        <p:spPr>
-          <a:xfrm rot="-2623641">
-            <a:off x="5297952" y="582867"/>
-            <a:ext cx="1442217" cy="1377924"/>
-          </a:xfrm>
-          <a:prstGeom prst="teardrop">
-            <a:avLst>
-              <a:gd name="adj" fmla="val 148163"/>
-            </a:avLst>
-          </a:prstGeom>
-          <a:solidFill>
-            <a:srgbClr val="F1C232"/>
-          </a:solidFill>
-          <a:ln w="9525" cap="flat" cmpd="sng">
-            <a:solidFill>
-              <a:schemeClr val="dk2"/>
-            </a:solidFill>
-            <a:prstDash val="solid"/>
-            <a:round/>
-            <a:headEnd type="none" w="sm" len="sm"/>
-            <a:tailEnd type="none" w="sm" len="sm"/>
-          </a:ln>
-        </p:spPr>
-        <p:txBody>
-          <a:bodyPr spcFirstLastPara="1" wrap="square" lIns="91425" tIns="91425" rIns="91425" bIns="91425" anchor="ctr" anchorCtr="0">
-            <a:noAutofit/>
-          </a:bodyPr>
-          <a:lstStyle/>
-          <a:p>
-            <a:pPr marL="0" lvl="0" indent="0" algn="l" rtl="0">
-              <a:spcBef>
-                <a:spcPts val="0"/>
-              </a:spcBef>
-              <a:spcAft>
-                <a:spcPts val="0"/>
-              </a:spcAft>
-              <a:buNone/>
-            </a:pPr>
-            <a:endParaRPr>
-              <a:solidFill>
-                <a:schemeClr val="dk2"/>
-              </a:solidFill>
-              <a:latin typeface="Roboto"/>
-              <a:ea typeface="Roboto"/>
-              <a:cs typeface="Roboto"/>
-              <a:sym typeface="Roboto"/>
-            </a:endParaRPr>
-          </a:p>
-        </p:txBody>
-      </p:sp>
-      <p:sp>
-        <p:nvSpPr>
-          <p:cNvPr id="196" name="Google Shape;196;p26"/>
-          <p:cNvSpPr/>
-          <p:nvPr/>
-        </p:nvSpPr>
-        <p:spPr>
-          <a:xfrm>
-            <a:off x="5763479" y="1186235"/>
-            <a:ext cx="2038500" cy="1904100"/>
-          </a:xfrm>
-          <a:prstGeom prst="teardrop">
-            <a:avLst>
-              <a:gd name="adj" fmla="val 125791"/>
-            </a:avLst>
-          </a:prstGeom>
-          <a:solidFill>
-            <a:srgbClr val="F1C232"/>
-          </a:solidFill>
-          <a:ln w="9525" cap="flat" cmpd="sng">
-            <a:solidFill>
-              <a:schemeClr val="dk2"/>
-            </a:solidFill>
-            <a:prstDash val="solid"/>
-            <a:round/>
-            <a:headEnd type="none" w="sm" len="sm"/>
-            <a:tailEnd type="none" w="sm" len="sm"/>
-          </a:ln>
-        </p:spPr>
-        <p:txBody>
-          <a:bodyPr spcFirstLastPara="1" wrap="square" lIns="91425" tIns="91425" rIns="91425" bIns="91425" anchor="ctr" anchorCtr="0">
-            <a:noAutofit/>
-          </a:bodyPr>
-          <a:lstStyle/>
-          <a:p>
-            <a:pPr marL="0" marR="0" lvl="0" indent="0" algn="l" rtl="0">
-              <a:lnSpc>
-                <a:spcPct val="100000"/>
-              </a:lnSpc>
-              <a:spcBef>
-                <a:spcPts val="0"/>
-              </a:spcBef>
-              <a:spcAft>
-                <a:spcPts val="0"/>
-              </a:spcAft>
-              <a:buNone/>
-            </a:pPr>
-            <a:endParaRPr>
-              <a:solidFill>
-                <a:schemeClr val="dk2"/>
-              </a:solidFill>
-              <a:latin typeface="Roboto"/>
-              <a:ea typeface="Roboto"/>
-              <a:cs typeface="Roboto"/>
-              <a:sym typeface="Roboto"/>
-            </a:endParaRPr>
-          </a:p>
-        </p:txBody>
-      </p:sp>
-      <p:sp>
-        <p:nvSpPr>
-          <p:cNvPr id="197" name="Google Shape;197;p26"/>
-          <p:cNvSpPr/>
-          <p:nvPr/>
-        </p:nvSpPr>
-        <p:spPr>
-          <a:xfrm rot="-8296455">
-            <a:off x="3696810" y="1788506"/>
-            <a:ext cx="1656485" cy="1547634"/>
-          </a:xfrm>
-          <a:prstGeom prst="teardrop">
-            <a:avLst>
-              <a:gd name="adj" fmla="val 130378"/>
-            </a:avLst>
-          </a:prstGeom>
-          <a:solidFill>
-            <a:srgbClr val="F1C232"/>
-          </a:solidFill>
-          <a:ln w="9525" cap="flat" cmpd="sng">
-            <a:solidFill>
-              <a:schemeClr val="dk2"/>
-            </a:solidFill>
-            <a:prstDash val="solid"/>
-            <a:round/>
-            <a:headEnd type="none" w="sm" len="sm"/>
-            <a:tailEnd type="none" w="sm" len="sm"/>
-          </a:ln>
-        </p:spPr>
-        <p:txBody>
-          <a:bodyPr spcFirstLastPara="1" wrap="square" lIns="91425" tIns="91425" rIns="91425" bIns="91425" anchor="ctr" anchorCtr="0">
-            <a:noAutofit/>
-          </a:bodyPr>
-          <a:lstStyle/>
-          <a:p>
-            <a:pPr marL="0" marR="0" lvl="0" indent="0" algn="l" rtl="0">
-              <a:lnSpc>
-                <a:spcPct val="100000"/>
-              </a:lnSpc>
-              <a:spcBef>
-                <a:spcPts val="0"/>
-              </a:spcBef>
-              <a:spcAft>
-                <a:spcPts val="0"/>
-              </a:spcAft>
-              <a:buNone/>
-            </a:pPr>
-            <a:endParaRPr>
-              <a:solidFill>
-                <a:schemeClr val="dk2"/>
-              </a:solidFill>
-              <a:latin typeface="Roboto"/>
-              <a:ea typeface="Roboto"/>
-              <a:cs typeface="Roboto"/>
-              <a:sym typeface="Roboto"/>
-            </a:endParaRPr>
-          </a:p>
-        </p:txBody>
-      </p:sp>
-      <p:sp>
-        <p:nvSpPr>
-          <p:cNvPr id="198" name="Google Shape;198;p26"/>
-          <p:cNvSpPr/>
-          <p:nvPr/>
-        </p:nvSpPr>
-        <p:spPr>
-          <a:xfrm>
-            <a:off x="4557603" y="1155540"/>
-            <a:ext cx="2798400" cy="2878500"/>
-          </a:xfrm>
-          <a:prstGeom prst="ellipse">
-            <a:avLst/>
-          </a:prstGeom>
-          <a:solidFill>
-            <a:srgbClr val="783F04"/>
-          </a:solidFill>
-          <a:ln w="76200" cap="flat" cmpd="sng">
-            <a:solidFill>
-              <a:schemeClr val="dk2"/>
-            </a:solidFill>
-            <a:prstDash val="solid"/>
-            <a:round/>
-            <a:headEnd type="none" w="sm" len="sm"/>
-            <a:tailEnd type="none" w="sm" len="sm"/>
-          </a:ln>
-        </p:spPr>
-        <p:txBody>
-          <a:bodyPr spcFirstLastPara="1" wrap="square" lIns="91425" tIns="91425" rIns="91425" bIns="91425" anchor="ctr" anchorCtr="0">
-            <a:noAutofit/>
-          </a:bodyPr>
-          <a:lstStyle/>
-          <a:p>
-            <a:pPr marL="0" lvl="0" indent="0" algn="l" rtl="0">
-              <a:spcBef>
-                <a:spcPts val="0"/>
-              </a:spcBef>
-              <a:spcAft>
-                <a:spcPts val="0"/>
-              </a:spcAft>
-              <a:buNone/>
-            </a:pPr>
-            <a:endParaRPr>
-              <a:solidFill>
-                <a:schemeClr val="dk2"/>
-              </a:solidFill>
-              <a:latin typeface="Roboto"/>
-              <a:ea typeface="Roboto"/>
-              <a:cs typeface="Roboto"/>
-              <a:sym typeface="Roboto"/>
-            </a:endParaRPr>
-          </a:p>
-        </p:txBody>
-      </p:sp>
-      <p:sp>
-        <p:nvSpPr>
-          <p:cNvPr id="199" name="Google Shape;199;p26"/>
-          <p:cNvSpPr/>
-          <p:nvPr/>
-        </p:nvSpPr>
-        <p:spPr>
-          <a:xfrm>
-            <a:off x="4859450" y="1839474"/>
-            <a:ext cx="1680000" cy="1613100"/>
-          </a:xfrm>
-          <a:prstGeom prst="ellipse">
-            <a:avLst/>
-          </a:prstGeom>
-          <a:solidFill>
-            <a:srgbClr val="5B0F00"/>
-          </a:solidFill>
-          <a:ln w="9525" cap="flat" cmpd="sng">
-            <a:solidFill>
-              <a:schemeClr val="dk2"/>
-            </a:solidFill>
-            <a:prstDash val="solid"/>
-            <a:round/>
-            <a:headEnd type="none" w="sm" len="sm"/>
-            <a:tailEnd type="none" w="sm" len="sm"/>
-          </a:ln>
-        </p:spPr>
-        <p:txBody>
-          <a:bodyPr spcFirstLastPara="1" wrap="square" lIns="91425" tIns="91425" rIns="91425" bIns="91425" anchor="ctr" anchorCtr="0">
-            <a:noAutofit/>
-          </a:bodyPr>
-          <a:lstStyle/>
-          <a:p>
-            <a:pPr marL="0" lvl="0" indent="0" algn="l" rtl="0">
-              <a:spcBef>
-                <a:spcPts val="0"/>
-              </a:spcBef>
-              <a:spcAft>
-                <a:spcPts val="0"/>
-              </a:spcAft>
-              <a:buNone/>
-            </a:pPr>
-            <a:endParaRPr>
-              <a:solidFill>
-                <a:schemeClr val="dk2"/>
-              </a:solidFill>
-              <a:latin typeface="Roboto"/>
-              <a:ea typeface="Roboto"/>
-              <a:cs typeface="Roboto"/>
-              <a:sym typeface="Roboto"/>
-            </a:endParaRPr>
-          </a:p>
-        </p:txBody>
-      </p:sp>
-      <p:sp>
-        <p:nvSpPr>
-          <p:cNvPr id="200" name="Google Shape;200;p26"/>
-          <p:cNvSpPr txBox="1"/>
-          <p:nvPr/>
-        </p:nvSpPr>
-        <p:spPr>
-          <a:xfrm>
-            <a:off x="4885194" y="2082141"/>
-            <a:ext cx="1638900" cy="785100"/>
-          </a:xfrm>
-          <a:prstGeom prst="rect">
-            <a:avLst/>
-          </a:prstGeom>
-          <a:noFill/>
-          <a:ln>
-            <a:noFill/>
-          </a:ln>
-        </p:spPr>
-        <p:txBody>
-          <a:bodyPr spcFirstLastPara="1" wrap="square" lIns="91425" tIns="91425" rIns="91425" bIns="91425" anchor="t" anchorCtr="0">
-            <a:spAutoFit/>
-          </a:bodyPr>
-          <a:lstStyle/>
-          <a:p>
-            <a:pPr marL="0" lvl="0" indent="0" algn="ctr" rtl="0">
-              <a:spcBef>
-                <a:spcPts val="0"/>
-              </a:spcBef>
-              <a:spcAft>
-                <a:spcPts val="0"/>
-              </a:spcAft>
-              <a:buNone/>
-            </a:pPr>
-            <a:br>
-              <a:rPr lang="en-GB" sz="1300">
-                <a:solidFill>
-                  <a:schemeClr val="lt1"/>
-                </a:solidFill>
-                <a:latin typeface="Roboto"/>
-                <a:ea typeface="Roboto"/>
-                <a:cs typeface="Roboto"/>
-                <a:sym typeface="Roboto"/>
-              </a:rPr>
-            </a:br>
-            <a:r>
-              <a:rPr lang="en-GB" sz="1300" b="1">
-                <a:solidFill>
-                  <a:schemeClr val="lt1"/>
-                </a:solidFill>
-                <a:latin typeface="Roboto"/>
-                <a:ea typeface="Roboto"/>
-                <a:cs typeface="Roboto"/>
-                <a:sym typeface="Roboto"/>
-              </a:rPr>
-              <a:t>DCAT AP Portals</a:t>
-            </a:r>
-            <a:endParaRPr sz="1300" b="1">
-              <a:solidFill>
-                <a:schemeClr val="lt1"/>
-              </a:solidFill>
-              <a:latin typeface="Roboto"/>
-              <a:ea typeface="Roboto"/>
-              <a:cs typeface="Roboto"/>
-              <a:sym typeface="Roboto"/>
-            </a:endParaRPr>
-          </a:p>
-          <a:p>
-            <a:pPr marL="0" lvl="0" indent="0" algn="ctr" rtl="0">
-              <a:spcBef>
-                <a:spcPts val="0"/>
-              </a:spcBef>
-              <a:spcAft>
-                <a:spcPts val="0"/>
-              </a:spcAft>
-              <a:buNone/>
-            </a:pPr>
-            <a:r>
-              <a:rPr lang="en-GB" sz="1300" b="1">
-                <a:solidFill>
-                  <a:schemeClr val="lt1"/>
-                </a:solidFill>
-                <a:latin typeface="Roboto"/>
-                <a:ea typeface="Roboto"/>
-                <a:cs typeface="Roboto"/>
-                <a:sym typeface="Roboto"/>
-              </a:rPr>
-              <a:t>(mandatory fields)</a:t>
-            </a:r>
-            <a:endParaRPr sz="1300" b="1">
-              <a:solidFill>
-                <a:schemeClr val="lt1"/>
-              </a:solidFill>
-              <a:latin typeface="Roboto"/>
-              <a:ea typeface="Roboto"/>
-              <a:cs typeface="Roboto"/>
-              <a:sym typeface="Roboto"/>
-            </a:endParaRPr>
-          </a:p>
-        </p:txBody>
-      </p:sp>
-      <p:sp>
-        <p:nvSpPr>
-          <p:cNvPr id="201" name="Google Shape;201;p26"/>
-          <p:cNvSpPr txBox="1"/>
-          <p:nvPr/>
-        </p:nvSpPr>
-        <p:spPr>
-          <a:xfrm>
-            <a:off x="6562213" y="1518174"/>
-            <a:ext cx="1408200" cy="1477500"/>
-          </a:xfrm>
-          <a:prstGeom prst="rect">
-            <a:avLst/>
-          </a:prstGeom>
-          <a:noFill/>
-          <a:ln>
-            <a:noFill/>
-          </a:ln>
-        </p:spPr>
-        <p:txBody>
-          <a:bodyPr spcFirstLastPara="1" wrap="square" lIns="91425" tIns="91425" rIns="91425" bIns="91425" anchor="t" anchorCtr="0">
-            <a:spAutoFit/>
-          </a:bodyPr>
-          <a:lstStyle/>
-          <a:p>
-            <a:pPr marL="0" lvl="0" indent="0" algn="l" rtl="0">
-              <a:spcBef>
-                <a:spcPts val="0"/>
-              </a:spcBef>
-              <a:spcAft>
-                <a:spcPts val="0"/>
-              </a:spcAft>
-              <a:buNone/>
-            </a:pPr>
-            <a:br>
-              <a:rPr lang="en-GB" sz="1200">
-                <a:solidFill>
-                  <a:schemeClr val="lt1"/>
-                </a:solidFill>
-                <a:latin typeface="Roboto"/>
-                <a:ea typeface="Roboto"/>
-                <a:cs typeface="Roboto"/>
-                <a:sym typeface="Roboto"/>
-              </a:rPr>
-            </a:br>
-            <a:br>
-              <a:rPr lang="en-GB" sz="1200">
-                <a:solidFill>
-                  <a:schemeClr val="lt1"/>
-                </a:solidFill>
-                <a:latin typeface="Roboto"/>
-                <a:ea typeface="Roboto"/>
-                <a:cs typeface="Roboto"/>
-                <a:sym typeface="Roboto"/>
-              </a:rPr>
-            </a:br>
-            <a:r>
-              <a:rPr lang="en-GB" sz="1200">
-                <a:solidFill>
-                  <a:schemeClr val="lt1"/>
-                </a:solidFill>
-                <a:latin typeface="Roboto"/>
-                <a:ea typeface="Roboto"/>
-                <a:cs typeface="Roboto"/>
-                <a:sym typeface="Roboto"/>
-              </a:rPr>
-              <a:t>What </a:t>
-            </a:r>
-            <a:br>
-              <a:rPr lang="en-GB" sz="1200">
-                <a:solidFill>
-                  <a:schemeClr val="lt1"/>
-                </a:solidFill>
-                <a:latin typeface="Roboto"/>
-                <a:ea typeface="Roboto"/>
-                <a:cs typeface="Roboto"/>
-                <a:sym typeface="Roboto"/>
-              </a:rPr>
-            </a:br>
-            <a:r>
-              <a:rPr lang="en-GB" sz="1200">
-                <a:solidFill>
-                  <a:schemeClr val="lt1"/>
-                </a:solidFill>
-                <a:latin typeface="Roboto"/>
-                <a:ea typeface="Roboto"/>
-                <a:cs typeface="Roboto"/>
-                <a:sym typeface="Roboto"/>
-              </a:rPr>
-              <a:t>Apart</a:t>
-            </a:r>
-            <a:br>
-              <a:rPr lang="en-GB" sz="1200">
-                <a:solidFill>
-                  <a:schemeClr val="lt1"/>
-                </a:solidFill>
-                <a:latin typeface="Roboto"/>
-                <a:ea typeface="Roboto"/>
-                <a:cs typeface="Roboto"/>
-                <a:sym typeface="Roboto"/>
-              </a:rPr>
-            </a:br>
-            <a:r>
-              <a:rPr lang="en-GB" sz="1200">
-                <a:solidFill>
-                  <a:schemeClr val="lt1"/>
-                </a:solidFill>
-                <a:latin typeface="Roboto"/>
-                <a:ea typeface="Roboto"/>
-                <a:cs typeface="Roboto"/>
-                <a:sym typeface="Roboto"/>
-              </a:rPr>
-              <a:t>from</a:t>
-            </a:r>
-            <a:br>
-              <a:rPr lang="en-GB" sz="1200">
-                <a:solidFill>
-                  <a:schemeClr val="lt1"/>
-                </a:solidFill>
-                <a:latin typeface="Roboto"/>
-                <a:ea typeface="Roboto"/>
-                <a:cs typeface="Roboto"/>
-                <a:sym typeface="Roboto"/>
-              </a:rPr>
-            </a:br>
-            <a:r>
-              <a:rPr lang="en-GB" sz="1200">
-                <a:solidFill>
-                  <a:schemeClr val="lt1"/>
-                </a:solidFill>
-                <a:latin typeface="Roboto"/>
-                <a:ea typeface="Roboto"/>
-                <a:cs typeface="Roboto"/>
-                <a:sym typeface="Roboto"/>
-              </a:rPr>
-              <a:t>DCAT AP </a:t>
-            </a:r>
-            <a:br>
-              <a:rPr lang="en-GB" sz="1200">
-                <a:solidFill>
-                  <a:schemeClr val="lt1"/>
-                </a:solidFill>
-                <a:latin typeface="Roboto"/>
-                <a:ea typeface="Roboto"/>
-                <a:cs typeface="Roboto"/>
-                <a:sym typeface="Roboto"/>
-              </a:rPr>
-            </a:br>
-            <a:r>
-              <a:rPr lang="en-GB" sz="1200">
-                <a:solidFill>
-                  <a:schemeClr val="lt1"/>
-                </a:solidFill>
-                <a:latin typeface="Roboto"/>
-                <a:ea typeface="Roboto"/>
-                <a:cs typeface="Roboto"/>
-                <a:sym typeface="Roboto"/>
-              </a:rPr>
-              <a:t>Potals?</a:t>
-            </a:r>
-            <a:endParaRPr sz="1200">
-              <a:solidFill>
-                <a:schemeClr val="lt1"/>
-              </a:solidFill>
-              <a:latin typeface="Roboto"/>
-              <a:ea typeface="Roboto"/>
-              <a:cs typeface="Roboto"/>
-              <a:sym typeface="Roboto"/>
-            </a:endParaRPr>
-          </a:p>
-        </p:txBody>
-      </p:sp>
-      <p:sp>
-        <p:nvSpPr>
-          <p:cNvPr id="202" name="Google Shape;202;p26"/>
-          <p:cNvSpPr txBox="1"/>
-          <p:nvPr/>
-        </p:nvSpPr>
-        <p:spPr>
-          <a:xfrm>
-            <a:off x="5448934" y="3024503"/>
-            <a:ext cx="1035600" cy="1046700"/>
-          </a:xfrm>
-          <a:prstGeom prst="rect">
-            <a:avLst/>
-          </a:prstGeom>
-          <a:noFill/>
-          <a:ln>
-            <a:noFill/>
-          </a:ln>
-        </p:spPr>
-        <p:txBody>
-          <a:bodyPr spcFirstLastPara="1" wrap="square" lIns="91425" tIns="91425" rIns="91425" bIns="91425" anchor="t" anchorCtr="0">
-            <a:spAutoFit/>
-          </a:bodyPr>
-          <a:lstStyle/>
-          <a:p>
-            <a:pPr marL="0" lvl="0" indent="0" algn="l" rtl="0">
-              <a:spcBef>
-                <a:spcPts val="0"/>
-              </a:spcBef>
-              <a:spcAft>
-                <a:spcPts val="0"/>
-              </a:spcAft>
-              <a:buNone/>
-            </a:pPr>
-            <a:r>
-              <a:rPr lang="en-GB" b="1">
-                <a:solidFill>
-                  <a:schemeClr val="lt1"/>
-                </a:solidFill>
-              </a:rPr>
-              <a:t>0.9                   </a:t>
-            </a:r>
-            <a:endParaRPr b="1">
-              <a:solidFill>
-                <a:schemeClr val="lt1"/>
-              </a:solidFill>
-            </a:endParaRPr>
-          </a:p>
-          <a:p>
-            <a:pPr marL="0" lvl="0" indent="0" algn="l" rtl="0">
-              <a:spcBef>
-                <a:spcPts val="0"/>
-              </a:spcBef>
-              <a:spcAft>
-                <a:spcPts val="0"/>
-              </a:spcAft>
-              <a:buNone/>
-            </a:pPr>
-            <a:r>
-              <a:rPr lang="en-GB">
-                <a:solidFill>
-                  <a:schemeClr val="lt1"/>
-                </a:solidFill>
-              </a:rPr>
-              <a:t>    </a:t>
-            </a:r>
-            <a:endParaRPr>
-              <a:solidFill>
-                <a:schemeClr val="lt1"/>
-              </a:solidFill>
-            </a:endParaRPr>
-          </a:p>
-          <a:p>
-            <a:pPr marL="0" lvl="0" indent="0" algn="l" rtl="0">
-              <a:spcBef>
-                <a:spcPts val="0"/>
-              </a:spcBef>
-              <a:spcAft>
-                <a:spcPts val="0"/>
-              </a:spcAft>
-              <a:buNone/>
-            </a:pPr>
-            <a:endParaRPr>
-              <a:solidFill>
-                <a:schemeClr val="lt1"/>
-              </a:solidFill>
-            </a:endParaRPr>
-          </a:p>
-          <a:p>
-            <a:pPr marL="0" lvl="0" indent="0" algn="l" rtl="0">
-              <a:spcBef>
-                <a:spcPts val="0"/>
-              </a:spcBef>
-              <a:spcAft>
-                <a:spcPts val="0"/>
-              </a:spcAft>
-              <a:buNone/>
-            </a:pPr>
-            <a:r>
-              <a:rPr lang="en-GB">
-                <a:solidFill>
-                  <a:schemeClr val="lt1"/>
-                </a:solidFill>
-              </a:rPr>
-              <a:t>      2.0</a:t>
-            </a:r>
-            <a:endParaRPr>
-              <a:solidFill>
-                <a:schemeClr val="lt1"/>
-              </a:solidFill>
-            </a:endParaRPr>
-          </a:p>
-        </p:txBody>
-      </p:sp>
-      <p:sp>
-        <p:nvSpPr>
-          <p:cNvPr id="203" name="Google Shape;203;p26"/>
-          <p:cNvSpPr txBox="1"/>
-          <p:nvPr/>
-        </p:nvSpPr>
-        <p:spPr>
-          <a:xfrm rot="2014141">
-            <a:off x="4165853" y="1306127"/>
-            <a:ext cx="945128" cy="384917"/>
-          </a:xfrm>
-          <a:prstGeom prst="rect">
-            <a:avLst/>
-          </a:prstGeom>
-          <a:noFill/>
-          <a:ln>
-            <a:noFill/>
-          </a:ln>
-        </p:spPr>
-        <p:txBody>
-          <a:bodyPr spcFirstLastPara="1" wrap="square" lIns="91425" tIns="91425" rIns="91425" bIns="91425" anchor="t" anchorCtr="0">
-            <a:spAutoFit/>
-          </a:bodyPr>
-          <a:lstStyle/>
-          <a:p>
-            <a:pPr marL="0" lvl="0" indent="0" algn="ctr" rtl="0">
-              <a:spcBef>
-                <a:spcPts val="0"/>
-              </a:spcBef>
-              <a:spcAft>
-                <a:spcPts val="0"/>
-              </a:spcAft>
-              <a:buNone/>
-            </a:pPr>
-            <a:r>
-              <a:rPr lang="en-GB" sz="1300">
-                <a:solidFill>
-                  <a:schemeClr val="dk2"/>
-                </a:solidFill>
-                <a:latin typeface="Roboto"/>
-                <a:ea typeface="Roboto"/>
-                <a:cs typeface="Roboto"/>
-                <a:sym typeface="Roboto"/>
-              </a:rPr>
-              <a:t>Omics</a:t>
-            </a:r>
-            <a:endParaRPr sz="1300">
-              <a:solidFill>
-                <a:schemeClr val="dk2"/>
-              </a:solidFill>
-              <a:latin typeface="Roboto"/>
-              <a:ea typeface="Roboto"/>
-              <a:cs typeface="Roboto"/>
-              <a:sym typeface="Roboto"/>
-            </a:endParaRPr>
-          </a:p>
-        </p:txBody>
-      </p:sp>
-      <p:sp>
-        <p:nvSpPr>
-          <p:cNvPr id="204" name="Google Shape;204;p26"/>
-          <p:cNvSpPr txBox="1"/>
-          <p:nvPr/>
-        </p:nvSpPr>
-        <p:spPr>
-          <a:xfrm rot="1082178">
-            <a:off x="4338999" y="735515"/>
-            <a:ext cx="940832" cy="354118"/>
-          </a:xfrm>
-          <a:prstGeom prst="rect">
-            <a:avLst/>
-          </a:prstGeom>
-          <a:noFill/>
-          <a:ln>
-            <a:noFill/>
-          </a:ln>
-        </p:spPr>
-        <p:txBody>
-          <a:bodyPr spcFirstLastPara="1" wrap="square" lIns="91425" tIns="91425" rIns="91425" bIns="91425" anchor="t" anchorCtr="0">
-            <a:spAutoFit/>
-          </a:bodyPr>
-          <a:lstStyle/>
-          <a:p>
-            <a:pPr marL="0" lvl="0" indent="0" algn="ctr" rtl="0">
-              <a:spcBef>
-                <a:spcPts val="0"/>
-              </a:spcBef>
-              <a:spcAft>
-                <a:spcPts val="0"/>
-              </a:spcAft>
-              <a:buNone/>
-            </a:pPr>
-            <a:r>
-              <a:rPr lang="en-GB" sz="1100">
-                <a:solidFill>
-                  <a:schemeClr val="dk2"/>
-                </a:solidFill>
-                <a:latin typeface="Roboto"/>
-                <a:ea typeface="Roboto"/>
-                <a:cs typeface="Roboto"/>
-                <a:sym typeface="Roboto"/>
-              </a:rPr>
-              <a:t>Metab</a:t>
-            </a:r>
-            <a:endParaRPr sz="1100">
-              <a:solidFill>
-                <a:schemeClr val="dk2"/>
-              </a:solidFill>
-              <a:latin typeface="Roboto"/>
-              <a:ea typeface="Roboto"/>
-              <a:cs typeface="Roboto"/>
-              <a:sym typeface="Roboto"/>
-            </a:endParaRPr>
-          </a:p>
-        </p:txBody>
-      </p:sp>
-      <p:sp>
-        <p:nvSpPr>
-          <p:cNvPr id="205" name="Google Shape;205;p26"/>
-          <p:cNvSpPr txBox="1"/>
-          <p:nvPr/>
-        </p:nvSpPr>
-        <p:spPr>
-          <a:xfrm rot="2159638">
-            <a:off x="3420253" y="1235365"/>
-            <a:ext cx="945891" cy="354032"/>
-          </a:xfrm>
-          <a:prstGeom prst="rect">
-            <a:avLst/>
-          </a:prstGeom>
-          <a:noFill/>
-          <a:ln>
-            <a:noFill/>
-          </a:ln>
-        </p:spPr>
-        <p:txBody>
-          <a:bodyPr spcFirstLastPara="1" wrap="square" lIns="91425" tIns="91425" rIns="91425" bIns="91425" anchor="t" anchorCtr="0">
-            <a:spAutoFit/>
-          </a:bodyPr>
-          <a:lstStyle/>
-          <a:p>
-            <a:pPr marL="0" lvl="0" indent="0" algn="ctr" rtl="0">
-              <a:spcBef>
-                <a:spcPts val="0"/>
-              </a:spcBef>
-              <a:spcAft>
-                <a:spcPts val="0"/>
-              </a:spcAft>
-              <a:buNone/>
-            </a:pPr>
-            <a:r>
-              <a:rPr lang="en-GB" sz="1100">
-                <a:solidFill>
-                  <a:schemeClr val="dk2"/>
-                </a:solidFill>
-                <a:latin typeface="Roboto"/>
-                <a:ea typeface="Roboto"/>
-                <a:cs typeface="Roboto"/>
-                <a:sym typeface="Roboto"/>
-              </a:rPr>
-              <a:t>Transcrip</a:t>
-            </a:r>
-            <a:endParaRPr sz="1100">
-              <a:solidFill>
-                <a:schemeClr val="dk2"/>
-              </a:solidFill>
-              <a:latin typeface="Roboto"/>
-              <a:ea typeface="Roboto"/>
-              <a:cs typeface="Roboto"/>
-              <a:sym typeface="Roboto"/>
-            </a:endParaRPr>
-          </a:p>
-        </p:txBody>
-      </p:sp>
-      <p:sp>
-        <p:nvSpPr>
-          <p:cNvPr id="206" name="Google Shape;206;p26"/>
-          <p:cNvSpPr txBox="1"/>
-          <p:nvPr/>
-        </p:nvSpPr>
-        <p:spPr>
-          <a:xfrm rot="-2012628">
-            <a:off x="6924208" y="1382494"/>
-            <a:ext cx="945212" cy="384756"/>
-          </a:xfrm>
-          <a:prstGeom prst="rect">
-            <a:avLst/>
-          </a:prstGeom>
-          <a:noFill/>
-          <a:ln>
-            <a:noFill/>
-          </a:ln>
-        </p:spPr>
-        <p:txBody>
-          <a:bodyPr spcFirstLastPara="1" wrap="square" lIns="91425" tIns="91425" rIns="91425" bIns="91425" anchor="t" anchorCtr="0">
-            <a:spAutoFit/>
-          </a:bodyPr>
-          <a:lstStyle/>
-          <a:p>
-            <a:pPr marL="0" lvl="0" indent="0" algn="ctr" rtl="0">
-              <a:spcBef>
-                <a:spcPts val="0"/>
-              </a:spcBef>
-              <a:spcAft>
-                <a:spcPts val="0"/>
-              </a:spcAft>
-              <a:buNone/>
-            </a:pPr>
-            <a:r>
-              <a:rPr lang="en-GB" sz="1300">
-                <a:solidFill>
-                  <a:schemeClr val="dk2"/>
-                </a:solidFill>
-                <a:latin typeface="Roboto"/>
-                <a:ea typeface="Roboto"/>
-                <a:cs typeface="Roboto"/>
-                <a:sym typeface="Roboto"/>
-              </a:rPr>
-              <a:t>Funders</a:t>
-            </a:r>
-            <a:endParaRPr sz="1300">
-              <a:solidFill>
-                <a:schemeClr val="dk2"/>
-              </a:solidFill>
-              <a:latin typeface="Roboto"/>
-              <a:ea typeface="Roboto"/>
-              <a:cs typeface="Roboto"/>
-              <a:sym typeface="Roboto"/>
-            </a:endParaRPr>
-          </a:p>
-        </p:txBody>
-      </p:sp>
-      <p:sp>
-        <p:nvSpPr>
-          <p:cNvPr id="207" name="Google Shape;207;p26"/>
-          <p:cNvSpPr txBox="1"/>
-          <p:nvPr/>
-        </p:nvSpPr>
-        <p:spPr>
-          <a:xfrm rot="-1929944">
-            <a:off x="7754718" y="1227588"/>
-            <a:ext cx="897684" cy="369597"/>
-          </a:xfrm>
-          <a:prstGeom prst="rect">
-            <a:avLst/>
-          </a:prstGeom>
-          <a:noFill/>
-          <a:ln>
-            <a:noFill/>
-          </a:ln>
-        </p:spPr>
-        <p:txBody>
-          <a:bodyPr spcFirstLastPara="1" wrap="square" lIns="91425" tIns="91425" rIns="91425" bIns="91425" anchor="t" anchorCtr="0">
-            <a:spAutoFit/>
-          </a:bodyPr>
-          <a:lstStyle/>
-          <a:p>
-            <a:pPr marL="0" lvl="0" indent="0" algn="ctr" rtl="0">
-              <a:spcBef>
-                <a:spcPts val="0"/>
-              </a:spcBef>
-              <a:spcAft>
-                <a:spcPts val="0"/>
-              </a:spcAft>
-              <a:buNone/>
-            </a:pPr>
-            <a:r>
-              <a:rPr lang="en-GB" sz="1200">
-                <a:solidFill>
-                  <a:schemeClr val="dk2"/>
-                </a:solidFill>
-                <a:latin typeface="Roboto"/>
-                <a:ea typeface="Roboto"/>
-                <a:cs typeface="Roboto"/>
-                <a:sym typeface="Roboto"/>
-              </a:rPr>
-              <a:t>ZonMw</a:t>
-            </a:r>
-            <a:endParaRPr sz="1200">
-              <a:solidFill>
-                <a:schemeClr val="dk2"/>
-              </a:solidFill>
-              <a:latin typeface="Roboto"/>
-              <a:ea typeface="Roboto"/>
-              <a:cs typeface="Roboto"/>
-              <a:sym typeface="Roboto"/>
-            </a:endParaRPr>
-          </a:p>
-        </p:txBody>
-      </p:sp>
-      <p:sp>
-        <p:nvSpPr>
-          <p:cNvPr id="208" name="Google Shape;208;p26"/>
-          <p:cNvSpPr txBox="1"/>
-          <p:nvPr/>
-        </p:nvSpPr>
-        <p:spPr>
-          <a:xfrm>
-            <a:off x="3433045" y="2323992"/>
-            <a:ext cx="938700" cy="384900"/>
-          </a:xfrm>
-          <a:prstGeom prst="rect">
-            <a:avLst/>
-          </a:prstGeom>
-          <a:noFill/>
-          <a:ln>
-            <a:noFill/>
-          </a:ln>
-        </p:spPr>
-        <p:txBody>
-          <a:bodyPr spcFirstLastPara="1" wrap="square" lIns="91425" tIns="91425" rIns="91425" bIns="91425" anchor="t" anchorCtr="0">
-            <a:spAutoFit/>
-          </a:bodyPr>
-          <a:lstStyle/>
-          <a:p>
-            <a:pPr marL="0" lvl="0" indent="0" algn="ctr" rtl="0">
-              <a:spcBef>
-                <a:spcPts val="0"/>
-              </a:spcBef>
-              <a:spcAft>
-                <a:spcPts val="0"/>
-              </a:spcAft>
-              <a:buNone/>
-            </a:pPr>
-            <a:r>
-              <a:rPr lang="en-GB" sz="1300">
-                <a:solidFill>
-                  <a:schemeClr val="dk2"/>
-                </a:solidFill>
-                <a:latin typeface="Roboto"/>
-                <a:ea typeface="Roboto"/>
-                <a:cs typeface="Roboto"/>
-                <a:sym typeface="Roboto"/>
-              </a:rPr>
-              <a:t>Clinical</a:t>
-            </a:r>
-            <a:endParaRPr sz="1300">
-              <a:solidFill>
-                <a:schemeClr val="dk2"/>
-              </a:solidFill>
-              <a:latin typeface="Roboto"/>
-              <a:ea typeface="Roboto"/>
-              <a:cs typeface="Roboto"/>
-              <a:sym typeface="Roboto"/>
-            </a:endParaRPr>
-          </a:p>
-        </p:txBody>
-      </p:sp>
-      <p:sp>
-        <p:nvSpPr>
-          <p:cNvPr id="209" name="Google Shape;209;p26"/>
-          <p:cNvSpPr txBox="1"/>
-          <p:nvPr/>
-        </p:nvSpPr>
-        <p:spPr>
-          <a:xfrm>
-            <a:off x="7807531" y="2275118"/>
-            <a:ext cx="938700" cy="384900"/>
-          </a:xfrm>
-          <a:prstGeom prst="rect">
-            <a:avLst/>
-          </a:prstGeom>
-          <a:noFill/>
-          <a:ln>
-            <a:noFill/>
-          </a:ln>
-        </p:spPr>
-        <p:txBody>
-          <a:bodyPr spcFirstLastPara="1" wrap="square" lIns="91425" tIns="91425" rIns="91425" bIns="91425" anchor="t" anchorCtr="0">
-            <a:spAutoFit/>
-          </a:bodyPr>
-          <a:lstStyle/>
-          <a:p>
-            <a:pPr marL="0" lvl="0" indent="0" algn="ctr" rtl="0">
-              <a:spcBef>
-                <a:spcPts val="0"/>
-              </a:spcBef>
-              <a:spcAft>
-                <a:spcPts val="0"/>
-              </a:spcAft>
-              <a:buNone/>
-            </a:pPr>
-            <a:r>
-              <a:rPr lang="en-GB" sz="1300">
-                <a:solidFill>
-                  <a:schemeClr val="dk2"/>
-                </a:solidFill>
-                <a:latin typeface="Roboto"/>
-                <a:ea typeface="Roboto"/>
-                <a:cs typeface="Roboto"/>
-                <a:sym typeface="Roboto"/>
-              </a:rPr>
-              <a:t>Biobank</a:t>
-            </a:r>
-            <a:endParaRPr sz="1300">
-              <a:solidFill>
-                <a:schemeClr val="dk2"/>
-              </a:solidFill>
-              <a:latin typeface="Roboto"/>
-              <a:ea typeface="Roboto"/>
-              <a:cs typeface="Roboto"/>
-              <a:sym typeface="Roboto"/>
-            </a:endParaRPr>
-          </a:p>
-        </p:txBody>
-      </p:sp>
-      <p:sp>
-        <p:nvSpPr>
-          <p:cNvPr id="210" name="Google Shape;210;p26"/>
-          <p:cNvSpPr txBox="1"/>
-          <p:nvPr/>
-        </p:nvSpPr>
-        <p:spPr>
-          <a:xfrm rot="1971133">
-            <a:off x="6992841" y="3421045"/>
-            <a:ext cx="944561" cy="384976"/>
-          </a:xfrm>
-          <a:prstGeom prst="rect">
-            <a:avLst/>
-          </a:prstGeom>
-          <a:noFill/>
-          <a:ln>
-            <a:noFill/>
-          </a:ln>
-        </p:spPr>
-        <p:txBody>
-          <a:bodyPr spcFirstLastPara="1" wrap="square" lIns="91425" tIns="91425" rIns="91425" bIns="91425" anchor="t" anchorCtr="0">
-            <a:spAutoFit/>
-          </a:bodyPr>
-          <a:lstStyle/>
-          <a:p>
-            <a:pPr marL="0" lvl="0" indent="0" algn="ctr" rtl="0">
-              <a:spcBef>
-                <a:spcPts val="0"/>
-              </a:spcBef>
-              <a:spcAft>
-                <a:spcPts val="0"/>
-              </a:spcAft>
-              <a:buNone/>
-            </a:pPr>
-            <a:r>
-              <a:rPr lang="en-GB" sz="1300">
-                <a:solidFill>
-                  <a:schemeClr val="dk2"/>
-                </a:solidFill>
-                <a:latin typeface="Roboto"/>
-                <a:ea typeface="Roboto"/>
-                <a:cs typeface="Roboto"/>
-                <a:sym typeface="Roboto"/>
-              </a:rPr>
-              <a:t>Cohorts</a:t>
-            </a:r>
-            <a:endParaRPr sz="1300">
-              <a:solidFill>
-                <a:schemeClr val="dk2"/>
-              </a:solidFill>
-              <a:latin typeface="Roboto"/>
-              <a:ea typeface="Roboto"/>
-              <a:cs typeface="Roboto"/>
-              <a:sym typeface="Roboto"/>
-            </a:endParaRPr>
-          </a:p>
-        </p:txBody>
-      </p:sp>
-      <p:sp>
-        <p:nvSpPr>
-          <p:cNvPr id="211" name="Google Shape;211;p26"/>
-          <p:cNvSpPr txBox="1"/>
-          <p:nvPr/>
-        </p:nvSpPr>
-        <p:spPr>
-          <a:xfrm>
-            <a:off x="2899832" y="1835517"/>
-            <a:ext cx="938700" cy="354000"/>
-          </a:xfrm>
-          <a:prstGeom prst="rect">
-            <a:avLst/>
-          </a:prstGeom>
-          <a:noFill/>
-          <a:ln>
-            <a:noFill/>
-          </a:ln>
-        </p:spPr>
-        <p:txBody>
-          <a:bodyPr spcFirstLastPara="1" wrap="square" lIns="91425" tIns="91425" rIns="91425" bIns="91425" anchor="t" anchorCtr="0">
-            <a:spAutoFit/>
-          </a:bodyPr>
-          <a:lstStyle/>
-          <a:p>
-            <a:pPr marL="0" lvl="0" indent="0" algn="ctr" rtl="0">
-              <a:spcBef>
-                <a:spcPts val="0"/>
-              </a:spcBef>
-              <a:spcAft>
-                <a:spcPts val="0"/>
-              </a:spcAft>
-              <a:buNone/>
-            </a:pPr>
-            <a:endParaRPr sz="1100">
-              <a:solidFill>
-                <a:schemeClr val="dk2"/>
-              </a:solidFill>
-              <a:latin typeface="Roboto"/>
-              <a:ea typeface="Roboto"/>
-              <a:cs typeface="Roboto"/>
-              <a:sym typeface="Roboto"/>
-            </a:endParaRPr>
-          </a:p>
-        </p:txBody>
-      </p:sp>
-      <p:sp>
-        <p:nvSpPr>
-          <p:cNvPr id="212" name="Google Shape;212;p26"/>
-          <p:cNvSpPr txBox="1"/>
-          <p:nvPr/>
-        </p:nvSpPr>
-        <p:spPr>
-          <a:xfrm>
-            <a:off x="4307720" y="3581467"/>
-            <a:ext cx="938700" cy="585000"/>
-          </a:xfrm>
-          <a:prstGeom prst="rect">
-            <a:avLst/>
-          </a:prstGeom>
-          <a:noFill/>
-          <a:ln>
-            <a:noFill/>
-          </a:ln>
-        </p:spPr>
-        <p:txBody>
-          <a:bodyPr spcFirstLastPara="1" wrap="square" lIns="91425" tIns="91425" rIns="91425" bIns="91425" anchor="t" anchorCtr="0">
-            <a:spAutoFit/>
-          </a:bodyPr>
-          <a:lstStyle/>
-          <a:p>
-            <a:pPr marL="0" lvl="0" indent="0" algn="ctr" rtl="0">
-              <a:spcBef>
-                <a:spcPts val="0"/>
-              </a:spcBef>
-              <a:spcAft>
-                <a:spcPts val="0"/>
-              </a:spcAft>
-              <a:buNone/>
-            </a:pPr>
-            <a:r>
-              <a:rPr lang="en-GB" sz="1300" dirty="0">
-                <a:solidFill>
-                  <a:schemeClr val="dk2"/>
-                </a:solidFill>
-                <a:latin typeface="Roboto"/>
-                <a:ea typeface="Roboto"/>
-                <a:cs typeface="Roboto"/>
-                <a:sym typeface="Roboto"/>
-              </a:rPr>
-              <a:t>Rare Diseases</a:t>
-            </a:r>
-            <a:endParaRPr sz="1300" dirty="0">
-              <a:solidFill>
-                <a:schemeClr val="dk2"/>
-              </a:solidFill>
-              <a:latin typeface="Roboto"/>
-              <a:ea typeface="Roboto"/>
-              <a:cs typeface="Roboto"/>
-              <a:sym typeface="Roboto"/>
-            </a:endParaRPr>
-          </a:p>
-        </p:txBody>
-      </p:sp>
-      <p:sp>
-        <p:nvSpPr>
-          <p:cNvPr id="213" name="Google Shape;213;p26"/>
-          <p:cNvSpPr txBox="1"/>
-          <p:nvPr/>
-        </p:nvSpPr>
-        <p:spPr>
-          <a:xfrm rot="-1393791">
-            <a:off x="3582551" y="3470414"/>
-            <a:ext cx="938592" cy="353976"/>
-          </a:xfrm>
-          <a:prstGeom prst="rect">
-            <a:avLst/>
-          </a:prstGeom>
-          <a:noFill/>
-          <a:ln>
-            <a:noFill/>
-          </a:ln>
-        </p:spPr>
-        <p:txBody>
-          <a:bodyPr spcFirstLastPara="1" wrap="square" lIns="91425" tIns="91425" rIns="91425" bIns="91425" anchor="t" anchorCtr="0">
-            <a:spAutoFit/>
-          </a:bodyPr>
-          <a:lstStyle/>
-          <a:p>
-            <a:pPr marL="0" lvl="0" indent="0" algn="ctr" rtl="0">
-              <a:spcBef>
-                <a:spcPts val="0"/>
-              </a:spcBef>
-              <a:spcAft>
-                <a:spcPts val="0"/>
-              </a:spcAft>
-              <a:buNone/>
-            </a:pPr>
-            <a:r>
-              <a:rPr lang="en-GB" sz="1100">
-                <a:solidFill>
-                  <a:schemeClr val="dk2"/>
-                </a:solidFill>
-                <a:latin typeface="Roboto"/>
-                <a:ea typeface="Roboto"/>
-                <a:cs typeface="Roboto"/>
-                <a:sym typeface="Roboto"/>
-              </a:rPr>
-              <a:t>CDEs</a:t>
-            </a:r>
-            <a:endParaRPr sz="1100">
-              <a:solidFill>
-                <a:schemeClr val="dk2"/>
-              </a:solidFill>
-              <a:latin typeface="Roboto"/>
-              <a:ea typeface="Roboto"/>
-              <a:cs typeface="Roboto"/>
-              <a:sym typeface="Roboto"/>
-            </a:endParaRPr>
-          </a:p>
-        </p:txBody>
-      </p:sp>
-      <p:sp>
-        <p:nvSpPr>
-          <p:cNvPr id="214" name="Google Shape;214;p26"/>
-          <p:cNvSpPr txBox="1"/>
-          <p:nvPr/>
-        </p:nvSpPr>
-        <p:spPr>
-          <a:xfrm>
-            <a:off x="4321482" y="4417667"/>
-            <a:ext cx="938700" cy="354000"/>
-          </a:xfrm>
-          <a:prstGeom prst="rect">
-            <a:avLst/>
-          </a:prstGeom>
-          <a:noFill/>
-          <a:ln>
-            <a:noFill/>
-          </a:ln>
-        </p:spPr>
-        <p:txBody>
-          <a:bodyPr spcFirstLastPara="1" wrap="square" lIns="91425" tIns="91425" rIns="91425" bIns="91425" anchor="t" anchorCtr="0">
-            <a:spAutoFit/>
-          </a:bodyPr>
-          <a:lstStyle/>
-          <a:p>
-            <a:pPr marL="0" lvl="0" indent="0" algn="ctr" rtl="0">
-              <a:spcBef>
-                <a:spcPts val="0"/>
-              </a:spcBef>
-              <a:spcAft>
-                <a:spcPts val="0"/>
-              </a:spcAft>
-              <a:buNone/>
-            </a:pPr>
-            <a:r>
-              <a:rPr lang="en-GB" sz="1100">
-                <a:solidFill>
-                  <a:schemeClr val="dk2"/>
-                </a:solidFill>
-                <a:latin typeface="Roboto"/>
-                <a:ea typeface="Roboto"/>
-                <a:cs typeface="Roboto"/>
-                <a:sym typeface="Roboto"/>
-              </a:rPr>
-              <a:t>DCDEs</a:t>
-            </a:r>
-            <a:endParaRPr sz="1100">
-              <a:solidFill>
-                <a:schemeClr val="dk2"/>
-              </a:solidFill>
-              <a:latin typeface="Roboto"/>
-              <a:ea typeface="Roboto"/>
-              <a:cs typeface="Roboto"/>
-              <a:sym typeface="Roboto"/>
-            </a:endParaRPr>
-          </a:p>
-        </p:txBody>
-      </p:sp>
-      <p:sp>
-        <p:nvSpPr>
-          <p:cNvPr id="215" name="Google Shape;215;p26"/>
-          <p:cNvSpPr txBox="1"/>
-          <p:nvPr/>
-        </p:nvSpPr>
-        <p:spPr>
-          <a:xfrm rot="-3749584">
-            <a:off x="3363435" y="4240525"/>
-            <a:ext cx="938605" cy="354106"/>
-          </a:xfrm>
-          <a:prstGeom prst="rect">
-            <a:avLst/>
-          </a:prstGeom>
-          <a:noFill/>
-          <a:ln>
-            <a:noFill/>
-          </a:ln>
-        </p:spPr>
-        <p:txBody>
-          <a:bodyPr spcFirstLastPara="1" wrap="square" lIns="91425" tIns="91425" rIns="91425" bIns="91425" anchor="t" anchorCtr="0">
-            <a:spAutoFit/>
-          </a:bodyPr>
-          <a:lstStyle/>
-          <a:p>
-            <a:pPr marL="0" lvl="0" indent="0" algn="ctr" rtl="0">
-              <a:spcBef>
-                <a:spcPts val="0"/>
-              </a:spcBef>
-              <a:spcAft>
-                <a:spcPts val="0"/>
-              </a:spcAft>
-              <a:buNone/>
-            </a:pPr>
-            <a:r>
-              <a:rPr lang="en-GB" sz="1100">
-                <a:solidFill>
-                  <a:schemeClr val="dk2"/>
-                </a:solidFill>
-                <a:latin typeface="Roboto"/>
-                <a:ea typeface="Roboto"/>
-                <a:cs typeface="Roboto"/>
-                <a:sym typeface="Roboto"/>
-              </a:rPr>
-              <a:t>PROMS</a:t>
-            </a:r>
-            <a:endParaRPr sz="1100">
-              <a:solidFill>
-                <a:schemeClr val="dk2"/>
-              </a:solidFill>
-              <a:latin typeface="Roboto"/>
-              <a:ea typeface="Roboto"/>
-              <a:cs typeface="Roboto"/>
-              <a:sym typeface="Roboto"/>
-            </a:endParaRPr>
-          </a:p>
-        </p:txBody>
-      </p:sp>
-      <p:sp>
-        <p:nvSpPr>
-          <p:cNvPr id="216" name="Google Shape;216;p26"/>
-          <p:cNvSpPr txBox="1"/>
-          <p:nvPr/>
-        </p:nvSpPr>
-        <p:spPr>
-          <a:xfrm>
-            <a:off x="173575" y="1656925"/>
-            <a:ext cx="3113100" cy="3631733"/>
-          </a:xfrm>
-          <a:prstGeom prst="rect">
-            <a:avLst/>
-          </a:prstGeom>
-          <a:noFill/>
-          <a:ln>
-            <a:noFill/>
-          </a:ln>
-        </p:spPr>
-        <p:txBody>
-          <a:bodyPr spcFirstLastPara="1" wrap="square" lIns="91425" tIns="91425" rIns="91425" bIns="91425" anchor="t" anchorCtr="0">
-            <a:spAutoFit/>
-          </a:bodyPr>
-          <a:lstStyle/>
-          <a:p>
-            <a:pPr marL="0" lvl="0" indent="0" algn="l" rtl="0">
-              <a:lnSpc>
-                <a:spcPct val="115000"/>
-              </a:lnSpc>
-              <a:spcBef>
-                <a:spcPts val="0"/>
-              </a:spcBef>
-              <a:spcAft>
-                <a:spcPts val="0"/>
-              </a:spcAft>
-              <a:buNone/>
-            </a:pPr>
-            <a:r>
-              <a:rPr lang="en-GB" sz="1600" b="1" dirty="0">
-                <a:solidFill>
-                  <a:schemeClr val="dk2"/>
-                </a:solidFill>
-              </a:rPr>
-              <a:t>Core</a:t>
-            </a:r>
-            <a:r>
-              <a:rPr lang="en-GB" sz="1600" dirty="0">
-                <a:solidFill>
-                  <a:schemeClr val="dk2"/>
-                </a:solidFill>
-              </a:rPr>
-              <a:t>:</a:t>
-            </a:r>
-            <a:br>
-              <a:rPr lang="en-GB" sz="1600" dirty="0">
-                <a:solidFill>
-                  <a:schemeClr val="dk2"/>
-                </a:solidFill>
-              </a:rPr>
-            </a:br>
-            <a:r>
-              <a:rPr lang="en-GB" sz="1600" dirty="0">
-                <a:solidFill>
-                  <a:schemeClr val="lt1"/>
-                </a:solidFill>
-                <a:highlight>
-                  <a:srgbClr val="5B0F00"/>
-                </a:highlight>
-              </a:rPr>
-              <a:t>Minimal</a:t>
-            </a:r>
-            <a:r>
-              <a:rPr lang="en-GB" sz="1600" dirty="0">
-                <a:solidFill>
-                  <a:schemeClr val="lt1"/>
-                </a:solidFill>
-              </a:rPr>
-              <a:t> </a:t>
-            </a:r>
-            <a:r>
-              <a:rPr lang="en-GB" sz="1600" dirty="0">
-                <a:solidFill>
-                  <a:schemeClr val="dk2"/>
-                </a:solidFill>
-              </a:rPr>
-              <a:t>DCAT AP Portals</a:t>
-            </a:r>
-            <a:br>
-              <a:rPr lang="en-GB" sz="1600" dirty="0">
-                <a:solidFill>
-                  <a:schemeClr val="dk2"/>
-                </a:solidFill>
-              </a:rPr>
-            </a:br>
-            <a:r>
-              <a:rPr lang="en-GB" sz="1600" dirty="0">
-                <a:solidFill>
-                  <a:schemeClr val="lt1"/>
-                </a:solidFill>
-                <a:highlight>
-                  <a:srgbClr val="783F04"/>
-                </a:highlight>
-              </a:rPr>
-              <a:t>Extended</a:t>
-            </a:r>
-            <a:r>
-              <a:rPr lang="en-GB" sz="1600" dirty="0">
-                <a:solidFill>
-                  <a:schemeClr val="dk2"/>
-                </a:solidFill>
-                <a:highlight>
-                  <a:srgbClr val="783F04"/>
-                </a:highlight>
-              </a:rPr>
-              <a:t>:</a:t>
-            </a:r>
-            <a:r>
-              <a:rPr lang="en-GB" sz="1600" dirty="0">
-                <a:solidFill>
-                  <a:schemeClr val="dk2"/>
-                </a:solidFill>
-              </a:rPr>
-              <a:t> Health-RI </a:t>
-            </a:r>
-            <a:endParaRPr sz="1600" dirty="0">
-              <a:solidFill>
-                <a:schemeClr val="dk2"/>
-              </a:solidFill>
-            </a:endParaRPr>
-          </a:p>
-          <a:p>
-            <a:pPr marL="0" lvl="0" indent="0" algn="l" rtl="0">
-              <a:lnSpc>
-                <a:spcPct val="115000"/>
-              </a:lnSpc>
-              <a:spcBef>
-                <a:spcPts val="1200"/>
-              </a:spcBef>
-              <a:spcAft>
-                <a:spcPts val="0"/>
-              </a:spcAft>
-              <a:buNone/>
-            </a:pPr>
-            <a:r>
-              <a:rPr lang="en-GB" sz="1600" b="1" dirty="0">
-                <a:solidFill>
-                  <a:schemeClr val="dk2"/>
-                </a:solidFill>
-              </a:rPr>
-              <a:t>Leaves (Petals?):</a:t>
-            </a:r>
-            <a:br>
-              <a:rPr lang="en-GB" sz="1600" dirty="0">
-                <a:solidFill>
-                  <a:schemeClr val="dk2"/>
-                </a:solidFill>
-              </a:rPr>
-            </a:br>
-            <a:r>
-              <a:rPr lang="en-GB" sz="1600" dirty="0">
-                <a:solidFill>
-                  <a:schemeClr val="dk2"/>
-                </a:solidFill>
-              </a:rPr>
-              <a:t>-</a:t>
-            </a:r>
-            <a:r>
-              <a:rPr lang="en-GB" sz="1600" dirty="0" err="1">
-                <a:solidFill>
-                  <a:schemeClr val="dk2"/>
-                </a:solidFill>
-              </a:rPr>
-              <a:t>Domain:</a:t>
-            </a:r>
-            <a:r>
-              <a:rPr lang="en-GB" sz="1600" i="1" dirty="0" err="1">
-                <a:solidFill>
-                  <a:schemeClr val="dk2"/>
-                </a:solidFill>
-                <a:highlight>
-                  <a:srgbClr val="FFD966"/>
-                </a:highlight>
-              </a:rPr>
-              <a:t>imaging</a:t>
-            </a:r>
-            <a:br>
-              <a:rPr lang="en-GB" sz="1600" i="1" dirty="0">
-                <a:solidFill>
-                  <a:schemeClr val="dk2"/>
-                </a:solidFill>
-                <a:highlight>
-                  <a:srgbClr val="FFD966"/>
-                </a:highlight>
-              </a:rPr>
-            </a:br>
-            <a:r>
-              <a:rPr lang="en-GB" sz="1600" dirty="0">
-                <a:solidFill>
-                  <a:schemeClr val="dk2"/>
-                </a:solidFill>
-              </a:rPr>
-              <a:t>-sub-domains (</a:t>
-            </a:r>
-            <a:r>
-              <a:rPr lang="en-GB" sz="1600" dirty="0">
-                <a:solidFill>
-                  <a:schemeClr val="dk2"/>
-                </a:solidFill>
-                <a:highlight>
-                  <a:srgbClr val="FFE599"/>
-                </a:highlight>
-              </a:rPr>
-              <a:t>MRI</a:t>
-            </a:r>
-            <a:r>
-              <a:rPr lang="en-GB" sz="1600" dirty="0">
-                <a:solidFill>
-                  <a:schemeClr val="dk2"/>
-                </a:solidFill>
-              </a:rPr>
-              <a:t>)</a:t>
-            </a:r>
-            <a:br>
-              <a:rPr lang="en-GB" sz="1600" dirty="0">
-                <a:solidFill>
-                  <a:schemeClr val="dk2"/>
-                </a:solidFill>
-              </a:rPr>
-            </a:br>
-            <a:endParaRPr sz="1600" dirty="0">
-              <a:solidFill>
-                <a:schemeClr val="dk2"/>
-              </a:solidFill>
-            </a:endParaRPr>
-          </a:p>
-          <a:p>
-            <a:pPr marL="0" lvl="0" indent="0" algn="l" rtl="0">
-              <a:lnSpc>
-                <a:spcPct val="115000"/>
-              </a:lnSpc>
-              <a:spcBef>
-                <a:spcPts val="1200"/>
-              </a:spcBef>
-              <a:spcAft>
-                <a:spcPts val="0"/>
-              </a:spcAft>
-              <a:buNone/>
-            </a:pPr>
-            <a:endParaRPr sz="1600" dirty="0">
-              <a:solidFill>
-                <a:schemeClr val="dk2"/>
-              </a:solidFill>
-            </a:endParaRPr>
-          </a:p>
-          <a:p>
-            <a:pPr marL="0" lvl="0" indent="0" algn="l" rtl="0">
-              <a:lnSpc>
-                <a:spcPct val="115000"/>
-              </a:lnSpc>
-              <a:spcBef>
-                <a:spcPts val="1200"/>
-              </a:spcBef>
-              <a:spcAft>
-                <a:spcPts val="1200"/>
-              </a:spcAft>
-              <a:buNone/>
-            </a:pPr>
-            <a:r>
-              <a:rPr lang="en-GB" sz="1600" u="sng" dirty="0">
-                <a:solidFill>
-                  <a:schemeClr val="dk2"/>
-                </a:solidFill>
-                <a:hlinkClick r:id="rId3">
-                  <a:extLst>
-                    <a:ext uri="{A12FA001-AC4F-418D-AE19-62706E023703}">
-                      <ahyp:hlinkClr xmlns:ahyp="http://schemas.microsoft.com/office/drawing/2018/hyperlinkcolor" val="tx"/>
-                    </a:ext>
-                  </a:extLst>
-                </a:hlinkClick>
-              </a:rPr>
-              <a:t>https://github.com/Health-RI/health-ri-metadata/</a:t>
-            </a:r>
-            <a:r>
-              <a:rPr lang="en-GB" sz="1600" dirty="0">
-                <a:solidFill>
-                  <a:schemeClr val="dk2"/>
-                </a:solidFill>
-              </a:rPr>
-              <a:t> </a:t>
-            </a:r>
-            <a:endParaRPr sz="1600" dirty="0">
-              <a:solidFill>
-                <a:schemeClr val="dk2"/>
-              </a:solidFill>
-            </a:endParaRPr>
-          </a:p>
-        </p:txBody>
-      </p:sp>
-      <p:sp>
-        <p:nvSpPr>
-          <p:cNvPr id="217" name="Google Shape;217;p26"/>
+          <p:cNvPr id="166" name="Google Shape;166;p25"/>
           <p:cNvSpPr txBox="1">
             <a:spLocks noGrp="1"/>
           </p:cNvSpPr>
@@ -14329,7 +14316,7 @@
         </p:nvSpPr>
         <p:spPr>
           <a:xfrm>
-            <a:off x="680700" y="669875"/>
+            <a:off x="729450" y="1318650"/>
             <a:ext cx="7688700" cy="535200"/>
           </a:xfrm>
           <a:prstGeom prst="rect">
@@ -14352,74 +14339,169 @@
               <a:buNone/>
             </a:pPr>
             <a:r>
-              <a:rPr lang="en-GB"/>
-              <a:t>The Sunflower</a:t>
-            </a:r>
-            <a:endParaRPr/>
+              <a:rPr lang="en-GB" dirty="0"/>
+              <a:t>Metadata Schemas and Portal Releases</a:t>
+            </a:r>
+            <a:endParaRPr dirty="0"/>
+          </a:p>
+          <a:p>
+            <a:pPr marL="0" lvl="0" indent="0" algn="l" rtl="0">
+              <a:spcBef>
+                <a:spcPts val="0"/>
+              </a:spcBef>
+              <a:spcAft>
+                <a:spcPts val="0"/>
+              </a:spcAft>
+              <a:buNone/>
+            </a:pPr>
+            <a:endParaRPr dirty="0"/>
           </a:p>
         </p:txBody>
       </p:sp>
       <p:sp>
         <p:nvSpPr>
-          <p:cNvPr id="2" name="Google Shape;212;p26">
-            <a:extLst>
-              <a:ext uri="{FF2B5EF4-FFF2-40B4-BE49-F238E27FC236}">
-                <a16:creationId xmlns:a16="http://schemas.microsoft.com/office/drawing/2014/main" id="{BB1D740E-0F59-C96C-8E95-E4D24A5C92A0}"/>
-              </a:ext>
-            </a:extLst>
-          </p:cNvPr>
-          <p:cNvSpPr txBox="1"/>
-          <p:nvPr/>
+          <p:cNvPr id="167" name="Google Shape;167;p25"/>
+          <p:cNvSpPr txBox="1">
+            <a:spLocks noGrp="1"/>
+          </p:cNvSpPr>
+          <p:nvPr>
+            <p:ph type="body" idx="1"/>
+          </p:nvPr>
         </p:nvSpPr>
         <p:spPr>
           <a:xfrm>
-            <a:off x="5566927" y="3996798"/>
-            <a:ext cx="938700" cy="384690"/>
+            <a:off x="729450" y="2078875"/>
+            <a:ext cx="7688700" cy="2261100"/>
           </a:xfrm>
           <a:prstGeom prst="rect">
             <a:avLst/>
           </a:prstGeom>
-          <a:noFill/>
-          <a:ln>
-            <a:noFill/>
-          </a:ln>
         </p:spPr>
         <p:txBody>
           <a:bodyPr spcFirstLastPara="1" wrap="square" lIns="91425" tIns="91425" rIns="91425" bIns="91425" anchor="t" anchorCtr="0">
-            <a:spAutoFit/>
+            <a:noAutofit/>
           </a:bodyPr>
           <a:lstStyle/>
           <a:p>
-            <a:pPr marL="0" lvl="0" indent="0" algn="ctr" rtl="0">
-              <a:spcBef>
-                <a:spcPts val="0"/>
-              </a:spcBef>
-              <a:spcAft>
-                <a:spcPts val="0"/>
-              </a:spcAft>
-              <a:buNone/>
-            </a:pPr>
-            <a:r>
-              <a:rPr lang="en-GB" sz="1300" dirty="0">
-                <a:solidFill>
-                  <a:schemeClr val="dk2"/>
-                </a:solidFill>
-                <a:latin typeface="Roboto"/>
-                <a:ea typeface="Roboto"/>
-                <a:cs typeface="Roboto"/>
-                <a:sym typeface="Roboto"/>
-              </a:rPr>
-              <a:t>Imaging</a:t>
-            </a:r>
-            <a:endParaRPr sz="1300" dirty="0">
-              <a:solidFill>
-                <a:schemeClr val="dk2"/>
-              </a:solidFill>
-              <a:latin typeface="Roboto"/>
-              <a:ea typeface="Roboto"/>
-              <a:cs typeface="Roboto"/>
-              <a:sym typeface="Roboto"/>
-            </a:endParaRPr>
+            <a:pPr marL="457200" lvl="0" indent="-311150" algn="l" rtl="0">
+              <a:spcBef>
+                <a:spcPts val="0"/>
+              </a:spcBef>
+              <a:spcAft>
+                <a:spcPts val="0"/>
+              </a:spcAft>
+              <a:buSzPts val="1300"/>
+              <a:buChar char="●"/>
+            </a:pPr>
+            <a:r>
+              <a:rPr lang="en-GB"/>
+              <a:t>Published HRI Core Metadata Schema </a:t>
+            </a:r>
+            <a:r>
+              <a:rPr lang="en-GB" i="1"/>
+              <a:t>(w obligatory fields of DCAT AP + what apart from DCAT-AP do we need?)</a:t>
+            </a:r>
+            <a:endParaRPr i="1"/>
+          </a:p>
+          <a:p>
+            <a:pPr marL="457200" lvl="0" indent="-311150" algn="l" rtl="0">
+              <a:spcBef>
+                <a:spcPts val="0"/>
+              </a:spcBef>
+              <a:spcAft>
+                <a:spcPts val="0"/>
+              </a:spcAft>
+              <a:buSzPts val="1300"/>
+              <a:buChar char="●"/>
+            </a:pPr>
+            <a:r>
+              <a:rPr lang="en-GB"/>
+              <a:t>Published Domain Schemas (Leaves) </a:t>
+            </a:r>
+            <a:r>
+              <a:rPr lang="en-GB" i="1"/>
+              <a:t>(w obligatory fields per domain)</a:t>
+            </a:r>
+            <a:endParaRPr i="1"/>
+          </a:p>
+          <a:p>
+            <a:pPr marL="457200" lvl="0" indent="-311150" algn="l" rtl="0">
+              <a:spcBef>
+                <a:spcPts val="0"/>
+              </a:spcBef>
+              <a:spcAft>
+                <a:spcPts val="0"/>
+              </a:spcAft>
+              <a:buSzPts val="1300"/>
+              <a:buChar char="●"/>
+            </a:pPr>
+            <a:r>
+              <a:rPr lang="en-GB"/>
+              <a:t>Documentation for users to follow on “how to describe their resource”</a:t>
+            </a:r>
+            <a:endParaRPr/>
+          </a:p>
+          <a:p>
+            <a:pPr marL="0" lvl="0" indent="0" algn="l" rtl="0">
+              <a:spcBef>
+                <a:spcPts val="1200"/>
+              </a:spcBef>
+              <a:spcAft>
+                <a:spcPts val="0"/>
+              </a:spcAft>
+              <a:buNone/>
+            </a:pPr>
+            <a:r>
+              <a:rPr lang="en-GB"/>
+              <a:t>Releases</a:t>
+            </a:r>
+            <a:endParaRPr/>
+          </a:p>
+          <a:p>
+            <a:pPr marL="457200" lvl="0" indent="-311150" algn="l" rtl="0">
+              <a:spcBef>
+                <a:spcPts val="1200"/>
+              </a:spcBef>
+              <a:spcAft>
+                <a:spcPts val="0"/>
+              </a:spcAft>
+              <a:buSzPts val="1300"/>
+              <a:buChar char="●"/>
+            </a:pPr>
+            <a:r>
+              <a:rPr lang="en-GB"/>
+              <a:t>DCAT-AP Portals mandatory fields will be required for portal </a:t>
+            </a:r>
+            <a:r>
+              <a:rPr lang="en-GB" b="1"/>
+              <a:t>0.9</a:t>
+            </a:r>
+            <a:r>
+              <a:rPr lang="en-GB"/>
+              <a:t> release </a:t>
+            </a:r>
+            <a:endParaRPr/>
+          </a:p>
+          <a:p>
+            <a:pPr marL="457200" lvl="0" indent="-311150" algn="l" rtl="0">
+              <a:spcBef>
+                <a:spcPts val="0"/>
+              </a:spcBef>
+              <a:spcAft>
+                <a:spcPts val="0"/>
+              </a:spcAft>
+              <a:buSzPts val="1300"/>
+              <a:buChar char="●"/>
+            </a:pPr>
+            <a:r>
+              <a:rPr lang="en-GB"/>
+              <a:t>HRI Core Metadata Schema (what apart from DCAT-AP do we need?) and leaves expected to be released for portal release </a:t>
+            </a:r>
+            <a:r>
+              <a:rPr lang="en-GB" b="1"/>
+              <a:t>2.0</a:t>
+            </a:r>
+            <a:endParaRPr b="1"/>
           </a:p>
         </p:txBody>
       </p:sp>
